--- a/Group 4 - Project Presentation.pptx
+++ b/Group 4 - Project Presentation.pptx
@@ -5,27 +5,29 @@
     <p:sldMasterId id="2147483648" r:id="rId2"/>
     <p:sldMasterId id="2147483661" r:id="rId3"/>
     <p:sldMasterId id="2147483674" r:id="rId4"/>
+    <p:sldMasterId id="2147483687" r:id="rId5"/>
   </p:sldMasterIdLst>
   <p:sldIdLst>
-    <p:sldId id="256" r:id="rId5"/>
-    <p:sldId id="257" r:id="rId6"/>
-    <p:sldId id="258" r:id="rId7"/>
-    <p:sldId id="259" r:id="rId8"/>
-    <p:sldId id="260" r:id="rId9"/>
-    <p:sldId id="261" r:id="rId10"/>
-    <p:sldId id="262" r:id="rId11"/>
-    <p:sldId id="263" r:id="rId12"/>
-    <p:sldId id="264" r:id="rId13"/>
-    <p:sldId id="265" r:id="rId14"/>
-    <p:sldId id="266" r:id="rId15"/>
-    <p:sldId id="267" r:id="rId16"/>
-    <p:sldId id="268" r:id="rId17"/>
-    <p:sldId id="269" r:id="rId18"/>
-    <p:sldId id="270" r:id="rId19"/>
-    <p:sldId id="271" r:id="rId20"/>
-    <p:sldId id="272" r:id="rId21"/>
-    <p:sldId id="273" r:id="rId22"/>
-    <p:sldId id="274" r:id="rId23"/>
+    <p:sldId id="256" r:id="rId6"/>
+    <p:sldId id="257" r:id="rId7"/>
+    <p:sldId id="258" r:id="rId8"/>
+    <p:sldId id="259" r:id="rId9"/>
+    <p:sldId id="260" r:id="rId10"/>
+    <p:sldId id="261" r:id="rId11"/>
+    <p:sldId id="262" r:id="rId12"/>
+    <p:sldId id="263" r:id="rId13"/>
+    <p:sldId id="264" r:id="rId14"/>
+    <p:sldId id="265" r:id="rId15"/>
+    <p:sldId id="266" r:id="rId16"/>
+    <p:sldId id="267" r:id="rId17"/>
+    <p:sldId id="268" r:id="rId18"/>
+    <p:sldId id="269" r:id="rId19"/>
+    <p:sldId id="270" r:id="rId20"/>
+    <p:sldId id="271" r:id="rId21"/>
+    <p:sldId id="272" r:id="rId22"/>
+    <p:sldId id="273" r:id="rId23"/>
+    <p:sldId id="274" r:id="rId24"/>
+    <p:sldId id="275" r:id="rId25"/>
   </p:sldIdLst>
   <p:sldSz cx="12192000" cy="6858000"/>
   <p:notesSz cx="7559675" cy="10691812"/>
@@ -2020,7 +2022,7 @@
       </p:grpSpPr>
       <p:sp>
         <p:nvSpPr>
-          <p:cNvPr id="90" name="PlaceHolder 1"/>
+          <p:cNvPr id="87" name="PlaceHolder 1"/>
           <p:cNvSpPr>
             <a:spLocks noGrp="1"/>
           </p:cNvSpPr>
@@ -2049,7 +2051,7 @@
       </p:sp>
       <p:sp>
         <p:nvSpPr>
-          <p:cNvPr id="91" name="PlaceHolder 2"/>
+          <p:cNvPr id="88" name="PlaceHolder 2"/>
           <p:cNvSpPr>
             <a:spLocks noGrp="1"/>
           </p:cNvSpPr>
@@ -2100,7 +2102,7 @@
       </p:grpSpPr>
       <p:sp>
         <p:nvSpPr>
-          <p:cNvPr id="92" name="PlaceHolder 1"/>
+          <p:cNvPr id="89" name="PlaceHolder 1"/>
           <p:cNvSpPr>
             <a:spLocks noGrp="1"/>
           </p:cNvSpPr>
@@ -2129,7 +2131,7 @@
       </p:sp>
       <p:sp>
         <p:nvSpPr>
-          <p:cNvPr id="93" name="PlaceHolder 2"/>
+          <p:cNvPr id="90" name="PlaceHolder 2"/>
           <p:cNvSpPr>
             <a:spLocks noGrp="1"/>
           </p:cNvSpPr>
@@ -2181,7 +2183,7 @@
       </p:grpSpPr>
       <p:sp>
         <p:nvSpPr>
-          <p:cNvPr id="94" name="PlaceHolder 1"/>
+          <p:cNvPr id="91" name="PlaceHolder 1"/>
           <p:cNvSpPr>
             <a:spLocks noGrp="1"/>
           </p:cNvSpPr>
@@ -2210,7 +2212,7 @@
       </p:sp>
       <p:sp>
         <p:nvSpPr>
-          <p:cNvPr id="95" name="PlaceHolder 2"/>
+          <p:cNvPr id="92" name="PlaceHolder 2"/>
           <p:cNvSpPr>
             <a:spLocks noGrp="1"/>
           </p:cNvSpPr>
@@ -2240,7 +2242,7 @@
       </p:sp>
       <p:sp>
         <p:nvSpPr>
-          <p:cNvPr id="96" name="PlaceHolder 3"/>
+          <p:cNvPr id="93" name="PlaceHolder 3"/>
           <p:cNvSpPr>
             <a:spLocks noGrp="1"/>
           </p:cNvSpPr>
@@ -2292,7 +2294,7 @@
       </p:grpSpPr>
       <p:sp>
         <p:nvSpPr>
-          <p:cNvPr id="97" name="PlaceHolder 1"/>
+          <p:cNvPr id="94" name="PlaceHolder 1"/>
           <p:cNvSpPr>
             <a:spLocks noGrp="1"/>
           </p:cNvSpPr>
@@ -2424,7 +2426,7 @@
       </p:grpSpPr>
       <p:sp>
         <p:nvSpPr>
-          <p:cNvPr id="98" name="PlaceHolder 1"/>
+          <p:cNvPr id="95" name="PlaceHolder 1"/>
           <p:cNvSpPr>
             <a:spLocks noGrp="1"/>
           </p:cNvSpPr>
@@ -2475,7 +2477,7 @@
       </p:grpSpPr>
       <p:sp>
         <p:nvSpPr>
-          <p:cNvPr id="99" name="PlaceHolder 1"/>
+          <p:cNvPr id="96" name="PlaceHolder 1"/>
           <p:cNvSpPr>
             <a:spLocks noGrp="1"/>
           </p:cNvSpPr>
@@ -2504,7 +2506,7 @@
       </p:sp>
       <p:sp>
         <p:nvSpPr>
-          <p:cNvPr id="100" name="PlaceHolder 2"/>
+          <p:cNvPr id="97" name="PlaceHolder 2"/>
           <p:cNvSpPr>
             <a:spLocks noGrp="1"/>
           </p:cNvSpPr>
@@ -2534,7 +2536,7 @@
       </p:sp>
       <p:sp>
         <p:nvSpPr>
-          <p:cNvPr id="101" name="PlaceHolder 3"/>
+          <p:cNvPr id="98" name="PlaceHolder 3"/>
           <p:cNvSpPr>
             <a:spLocks noGrp="1"/>
           </p:cNvSpPr>
@@ -2564,7 +2566,7 @@
       </p:sp>
       <p:sp>
         <p:nvSpPr>
-          <p:cNvPr id="102" name="PlaceHolder 4"/>
+          <p:cNvPr id="99" name="PlaceHolder 4"/>
           <p:cNvSpPr>
             <a:spLocks noGrp="1"/>
           </p:cNvSpPr>
@@ -2616,7 +2618,7 @@
       </p:grpSpPr>
       <p:sp>
         <p:nvSpPr>
-          <p:cNvPr id="103" name="PlaceHolder 1"/>
+          <p:cNvPr id="100" name="PlaceHolder 1"/>
           <p:cNvSpPr>
             <a:spLocks noGrp="1"/>
           </p:cNvSpPr>
@@ -2645,7 +2647,7 @@
       </p:sp>
       <p:sp>
         <p:nvSpPr>
-          <p:cNvPr id="104" name="PlaceHolder 2"/>
+          <p:cNvPr id="101" name="PlaceHolder 2"/>
           <p:cNvSpPr>
             <a:spLocks noGrp="1"/>
           </p:cNvSpPr>
@@ -2675,7 +2677,7 @@
       </p:sp>
       <p:sp>
         <p:nvSpPr>
-          <p:cNvPr id="105" name="PlaceHolder 3"/>
+          <p:cNvPr id="102" name="PlaceHolder 3"/>
           <p:cNvSpPr>
             <a:spLocks noGrp="1"/>
           </p:cNvSpPr>
@@ -2705,7 +2707,7 @@
       </p:sp>
       <p:sp>
         <p:nvSpPr>
-          <p:cNvPr id="106" name="PlaceHolder 4"/>
+          <p:cNvPr id="103" name="PlaceHolder 4"/>
           <p:cNvSpPr>
             <a:spLocks noGrp="1"/>
           </p:cNvSpPr>
@@ -2757,7 +2759,7 @@
       </p:grpSpPr>
       <p:sp>
         <p:nvSpPr>
-          <p:cNvPr id="107" name="PlaceHolder 1"/>
+          <p:cNvPr id="104" name="PlaceHolder 1"/>
           <p:cNvSpPr>
             <a:spLocks noGrp="1"/>
           </p:cNvSpPr>
@@ -2786,7 +2788,7 @@
       </p:sp>
       <p:sp>
         <p:nvSpPr>
-          <p:cNvPr id="108" name="PlaceHolder 2"/>
+          <p:cNvPr id="105" name="PlaceHolder 2"/>
           <p:cNvSpPr>
             <a:spLocks noGrp="1"/>
           </p:cNvSpPr>
@@ -2816,7 +2818,7 @@
       </p:sp>
       <p:sp>
         <p:nvSpPr>
-          <p:cNvPr id="109" name="PlaceHolder 3"/>
+          <p:cNvPr id="106" name="PlaceHolder 3"/>
           <p:cNvSpPr>
             <a:spLocks noGrp="1"/>
           </p:cNvSpPr>
@@ -2846,7 +2848,7 @@
       </p:sp>
       <p:sp>
         <p:nvSpPr>
-          <p:cNvPr id="110" name="PlaceHolder 4"/>
+          <p:cNvPr id="107" name="PlaceHolder 4"/>
           <p:cNvSpPr>
             <a:spLocks noGrp="1"/>
           </p:cNvSpPr>
@@ -2898,7 +2900,7 @@
       </p:grpSpPr>
       <p:sp>
         <p:nvSpPr>
-          <p:cNvPr id="111" name="PlaceHolder 1"/>
+          <p:cNvPr id="108" name="PlaceHolder 1"/>
           <p:cNvSpPr>
             <a:spLocks noGrp="1"/>
           </p:cNvSpPr>
@@ -2927,7 +2929,7 @@
       </p:sp>
       <p:sp>
         <p:nvSpPr>
-          <p:cNvPr id="112" name="PlaceHolder 2"/>
+          <p:cNvPr id="109" name="PlaceHolder 2"/>
           <p:cNvSpPr>
             <a:spLocks noGrp="1"/>
           </p:cNvSpPr>
@@ -2957,7 +2959,7 @@
       </p:sp>
       <p:sp>
         <p:nvSpPr>
-          <p:cNvPr id="113" name="PlaceHolder 3"/>
+          <p:cNvPr id="110" name="PlaceHolder 3"/>
           <p:cNvSpPr>
             <a:spLocks noGrp="1"/>
           </p:cNvSpPr>
@@ -3009,7 +3011,7 @@
       </p:grpSpPr>
       <p:sp>
         <p:nvSpPr>
-          <p:cNvPr id="114" name="PlaceHolder 1"/>
+          <p:cNvPr id="111" name="PlaceHolder 1"/>
           <p:cNvSpPr>
             <a:spLocks noGrp="1"/>
           </p:cNvSpPr>
@@ -3038,7 +3040,7 @@
       </p:sp>
       <p:sp>
         <p:nvSpPr>
-          <p:cNvPr id="115" name="PlaceHolder 2"/>
+          <p:cNvPr id="112" name="PlaceHolder 2"/>
           <p:cNvSpPr>
             <a:spLocks noGrp="1"/>
           </p:cNvSpPr>
@@ -3068,7 +3070,7 @@
       </p:sp>
       <p:sp>
         <p:nvSpPr>
-          <p:cNvPr id="116" name="PlaceHolder 3"/>
+          <p:cNvPr id="113" name="PlaceHolder 3"/>
           <p:cNvSpPr>
             <a:spLocks noGrp="1"/>
           </p:cNvSpPr>
@@ -3098,7 +3100,7 @@
       </p:sp>
       <p:sp>
         <p:nvSpPr>
-          <p:cNvPr id="117" name="PlaceHolder 4"/>
+          <p:cNvPr id="114" name="PlaceHolder 4"/>
           <p:cNvSpPr>
             <a:spLocks noGrp="1"/>
           </p:cNvSpPr>
@@ -3128,7 +3130,7 @@
       </p:sp>
       <p:sp>
         <p:nvSpPr>
-          <p:cNvPr id="118" name="PlaceHolder 5"/>
+          <p:cNvPr id="115" name="PlaceHolder 5"/>
           <p:cNvSpPr>
             <a:spLocks noGrp="1"/>
           </p:cNvSpPr>
@@ -3180,7 +3182,7 @@
       </p:grpSpPr>
       <p:sp>
         <p:nvSpPr>
-          <p:cNvPr id="119" name="PlaceHolder 1"/>
+          <p:cNvPr id="116" name="PlaceHolder 1"/>
           <p:cNvSpPr>
             <a:spLocks noGrp="1"/>
           </p:cNvSpPr>
@@ -3209,7 +3211,7 @@
       </p:sp>
       <p:sp>
         <p:nvSpPr>
-          <p:cNvPr id="120" name="PlaceHolder 2"/>
+          <p:cNvPr id="117" name="PlaceHolder 2"/>
           <p:cNvSpPr>
             <a:spLocks noGrp="1"/>
           </p:cNvSpPr>
@@ -3239,7 +3241,7 @@
       </p:sp>
       <p:sp>
         <p:nvSpPr>
-          <p:cNvPr id="121" name="PlaceHolder 3"/>
+          <p:cNvPr id="118" name="PlaceHolder 3"/>
           <p:cNvSpPr>
             <a:spLocks noGrp="1"/>
           </p:cNvSpPr>
@@ -3269,7 +3271,7 @@
       </p:sp>
       <p:sp>
         <p:nvSpPr>
-          <p:cNvPr id="122" name="PlaceHolder 4"/>
+          <p:cNvPr id="119" name="PlaceHolder 4"/>
           <p:cNvSpPr>
             <a:spLocks noGrp="1"/>
           </p:cNvSpPr>
@@ -3299,7 +3301,7 @@
       </p:sp>
       <p:sp>
         <p:nvSpPr>
-          <p:cNvPr id="123" name="PlaceHolder 5"/>
+          <p:cNvPr id="120" name="PlaceHolder 5"/>
           <p:cNvSpPr>
             <a:spLocks noGrp="1"/>
           </p:cNvSpPr>
@@ -3329,7 +3331,7 @@
       </p:sp>
       <p:sp>
         <p:nvSpPr>
-          <p:cNvPr id="124" name="PlaceHolder 6"/>
+          <p:cNvPr id="121" name="PlaceHolder 6"/>
           <p:cNvSpPr>
             <a:spLocks noGrp="1"/>
           </p:cNvSpPr>
@@ -3359,7 +3361,7 @@
       </p:sp>
       <p:sp>
         <p:nvSpPr>
-          <p:cNvPr id="125" name="PlaceHolder 7"/>
+          <p:cNvPr id="122" name="PlaceHolder 7"/>
           <p:cNvSpPr>
             <a:spLocks noGrp="1"/>
           </p:cNvSpPr>
@@ -3371,6 +3373,189 @@
           <a:xfrm>
             <a:off x="8029800" y="3682080"/>
             <a:ext cx="3533040" cy="1896840"/>
+          </a:xfrm>
+          <a:prstGeom prst="rect">
+            <a:avLst/>
+          </a:prstGeom>
+        </p:spPr>
+        <p:txBody>
+          <a:bodyPr lIns="0" rIns="0" tIns="0" bIns="0">
+            <a:normAutofit/>
+          </a:bodyPr>
+          <a:p>
+            <a:endParaRPr b="0" lang="en-US" sz="3200" spc="-1" strike="noStrike">
+              <a:latin typeface="Arial"/>
+            </a:endParaRPr>
+          </a:p>
+        </p:txBody>
+      </p:sp>
+    </p:spTree>
+  </p:cSld>
+</p:sldLayout>
+</file>
+
+<file path=ppt/slideLayouts/slideLayout37.xml><?xml version="1.0" encoding="utf-8"?>
+<p:sldLayout xmlns:a="http://schemas.openxmlformats.org/drawingml/2006/main" xmlns:p="http://schemas.openxmlformats.org/presentationml/2006/main" xmlns:r="http://schemas.openxmlformats.org/officeDocument/2006/relationships" xmlns:p14="http://schemas.microsoft.com/office/powerpoint/2010/main" xmlns:p15="http://schemas.microsoft.com/office/powerpoint/2012/main" xmlns:mc="http://schemas.openxmlformats.org/markup-compatibility/2006" type="blank" preserve="1">
+  <p:cSld name="Blank Slide">
+    <p:spTree>
+      <p:nvGrpSpPr>
+        <p:cNvPr id="1" name=""/>
+        <p:cNvGrpSpPr/>
+        <p:nvPr/>
+      </p:nvGrpSpPr>
+      <p:grpSpPr>
+        <a:xfrm>
+          <a:off x="0" y="0"/>
+          <a:ext cx="0" cy="0"/>
+          <a:chOff x="0" y="0"/>
+          <a:chExt cx="0" cy="0"/>
+        </a:xfrm>
+      </p:grpSpPr>
+    </p:spTree>
+  </p:cSld>
+</p:sldLayout>
+</file>
+
+<file path=ppt/slideLayouts/slideLayout38.xml><?xml version="1.0" encoding="utf-8"?>
+<p:sldLayout xmlns:a="http://schemas.openxmlformats.org/drawingml/2006/main" xmlns:p="http://schemas.openxmlformats.org/presentationml/2006/main" xmlns:r="http://schemas.openxmlformats.org/officeDocument/2006/relationships" xmlns:p14="http://schemas.microsoft.com/office/powerpoint/2010/main" xmlns:p15="http://schemas.microsoft.com/office/powerpoint/2012/main" xmlns:mc="http://schemas.openxmlformats.org/markup-compatibility/2006" type="tx" preserve="1">
+  <p:cSld name="Title Slide">
+    <p:spTree>
+      <p:nvGrpSpPr>
+        <p:cNvPr id="1" name=""/>
+        <p:cNvGrpSpPr/>
+        <p:nvPr/>
+      </p:nvGrpSpPr>
+      <p:grpSpPr>
+        <a:xfrm>
+          <a:off x="0" y="0"/>
+          <a:ext cx="0" cy="0"/>
+          <a:chOff x="0" y="0"/>
+          <a:chExt cx="0" cy="0"/>
+        </a:xfrm>
+      </p:grpSpPr>
+      <p:sp>
+        <p:nvSpPr>
+          <p:cNvPr id="128" name="PlaceHolder 1"/>
+          <p:cNvSpPr>
+            <a:spLocks noGrp="1"/>
+          </p:cNvSpPr>
+          <p:nvPr>
+            <p:ph type="title"/>
+          </p:nvPr>
+        </p:nvSpPr>
+        <p:spPr>
+          <a:xfrm>
+            <a:off x="609480" y="273600"/>
+            <a:ext cx="10972440" cy="1144800"/>
+          </a:xfrm>
+          <a:prstGeom prst="rect">
+            <a:avLst/>
+          </a:prstGeom>
+        </p:spPr>
+        <p:txBody>
+          <a:bodyPr lIns="0" rIns="0" tIns="0" bIns="0" anchor="ctr"/>
+          <a:p>
+            <a:pPr algn="ctr"/>
+            <a:endParaRPr b="0" lang="en-US" sz="4400" spc="-1" strike="noStrike">
+              <a:latin typeface="Arial"/>
+            </a:endParaRPr>
+          </a:p>
+        </p:txBody>
+      </p:sp>
+      <p:sp>
+        <p:nvSpPr>
+          <p:cNvPr id="129" name="PlaceHolder 2"/>
+          <p:cNvSpPr>
+            <a:spLocks noGrp="1"/>
+          </p:cNvSpPr>
+          <p:nvPr>
+            <p:ph type="subTitle"/>
+          </p:nvPr>
+        </p:nvSpPr>
+        <p:spPr>
+          <a:xfrm>
+            <a:off x="609480" y="1604520"/>
+            <a:ext cx="10972440" cy="3977280"/>
+          </a:xfrm>
+          <a:prstGeom prst="rect">
+            <a:avLst/>
+          </a:prstGeom>
+        </p:spPr>
+        <p:txBody>
+          <a:bodyPr lIns="0" rIns="0" tIns="0" bIns="0" anchor="ctr"/>
+          <a:p>
+            <a:pPr algn="ctr"/>
+            <a:endParaRPr b="0" lang="en-US" sz="3200" spc="-1" strike="noStrike">
+              <a:latin typeface="Arial"/>
+            </a:endParaRPr>
+          </a:p>
+        </p:txBody>
+      </p:sp>
+    </p:spTree>
+  </p:cSld>
+</p:sldLayout>
+</file>
+
+<file path=ppt/slideLayouts/slideLayout39.xml><?xml version="1.0" encoding="utf-8"?>
+<p:sldLayout xmlns:a="http://schemas.openxmlformats.org/drawingml/2006/main" xmlns:p="http://schemas.openxmlformats.org/presentationml/2006/main" xmlns:r="http://schemas.openxmlformats.org/officeDocument/2006/relationships" xmlns:p14="http://schemas.microsoft.com/office/powerpoint/2010/main" xmlns:p15="http://schemas.microsoft.com/office/powerpoint/2012/main" xmlns:mc="http://schemas.openxmlformats.org/markup-compatibility/2006" type="obj" preserve="1">
+  <p:cSld name="Title, Content">
+    <p:spTree>
+      <p:nvGrpSpPr>
+        <p:cNvPr id="1" name=""/>
+        <p:cNvGrpSpPr/>
+        <p:nvPr/>
+      </p:nvGrpSpPr>
+      <p:grpSpPr>
+        <a:xfrm>
+          <a:off x="0" y="0"/>
+          <a:ext cx="0" cy="0"/>
+          <a:chOff x="0" y="0"/>
+          <a:chExt cx="0" cy="0"/>
+        </a:xfrm>
+      </p:grpSpPr>
+      <p:sp>
+        <p:nvSpPr>
+          <p:cNvPr id="130" name="PlaceHolder 1"/>
+          <p:cNvSpPr>
+            <a:spLocks noGrp="1"/>
+          </p:cNvSpPr>
+          <p:nvPr>
+            <p:ph type="title"/>
+          </p:nvPr>
+        </p:nvSpPr>
+        <p:spPr>
+          <a:xfrm>
+            <a:off x="609480" y="273600"/>
+            <a:ext cx="10972440" cy="1144800"/>
+          </a:xfrm>
+          <a:prstGeom prst="rect">
+            <a:avLst/>
+          </a:prstGeom>
+        </p:spPr>
+        <p:txBody>
+          <a:bodyPr lIns="0" rIns="0" tIns="0" bIns="0" anchor="ctr"/>
+          <a:p>
+            <a:pPr algn="ctr"/>
+            <a:endParaRPr b="0" lang="en-US" sz="4400" spc="-1" strike="noStrike">
+              <a:latin typeface="Arial"/>
+            </a:endParaRPr>
+          </a:p>
+        </p:txBody>
+      </p:sp>
+      <p:sp>
+        <p:nvSpPr>
+          <p:cNvPr id="131" name="PlaceHolder 2"/>
+          <p:cNvSpPr>
+            <a:spLocks noGrp="1"/>
+          </p:cNvSpPr>
+          <p:nvPr>
+            <p:ph type="body"/>
+          </p:nvPr>
+        </p:nvSpPr>
+        <p:spPr>
+          <a:xfrm>
+            <a:off x="609480" y="1604520"/>
+            <a:ext cx="10972440" cy="3977280"/>
           </a:xfrm>
           <a:prstGeom prst="rect">
             <a:avLst/>
@@ -3482,6 +3667,1155 @@
           <a:xfrm>
             <a:off x="6231960" y="1604520"/>
             <a:ext cx="5354280" cy="3977280"/>
+          </a:xfrm>
+          <a:prstGeom prst="rect">
+            <a:avLst/>
+          </a:prstGeom>
+        </p:spPr>
+        <p:txBody>
+          <a:bodyPr lIns="0" rIns="0" tIns="0" bIns="0">
+            <a:normAutofit/>
+          </a:bodyPr>
+          <a:p>
+            <a:endParaRPr b="0" lang="en-US" sz="3200" spc="-1" strike="noStrike">
+              <a:latin typeface="Arial"/>
+            </a:endParaRPr>
+          </a:p>
+        </p:txBody>
+      </p:sp>
+    </p:spTree>
+  </p:cSld>
+</p:sldLayout>
+</file>
+
+<file path=ppt/slideLayouts/slideLayout40.xml><?xml version="1.0" encoding="utf-8"?>
+<p:sldLayout xmlns:a="http://schemas.openxmlformats.org/drawingml/2006/main" xmlns:p="http://schemas.openxmlformats.org/presentationml/2006/main" xmlns:r="http://schemas.openxmlformats.org/officeDocument/2006/relationships" xmlns:p14="http://schemas.microsoft.com/office/powerpoint/2010/main" xmlns:p15="http://schemas.microsoft.com/office/powerpoint/2012/main" xmlns:mc="http://schemas.openxmlformats.org/markup-compatibility/2006" type="twoObj" preserve="1">
+  <p:cSld name="Title, 2 Content">
+    <p:spTree>
+      <p:nvGrpSpPr>
+        <p:cNvPr id="1" name=""/>
+        <p:cNvGrpSpPr/>
+        <p:nvPr/>
+      </p:nvGrpSpPr>
+      <p:grpSpPr>
+        <a:xfrm>
+          <a:off x="0" y="0"/>
+          <a:ext cx="0" cy="0"/>
+          <a:chOff x="0" y="0"/>
+          <a:chExt cx="0" cy="0"/>
+        </a:xfrm>
+      </p:grpSpPr>
+      <p:sp>
+        <p:nvSpPr>
+          <p:cNvPr id="132" name="PlaceHolder 1"/>
+          <p:cNvSpPr>
+            <a:spLocks noGrp="1"/>
+          </p:cNvSpPr>
+          <p:nvPr>
+            <p:ph type="title"/>
+          </p:nvPr>
+        </p:nvSpPr>
+        <p:spPr>
+          <a:xfrm>
+            <a:off x="609480" y="273600"/>
+            <a:ext cx="10972440" cy="1144800"/>
+          </a:xfrm>
+          <a:prstGeom prst="rect">
+            <a:avLst/>
+          </a:prstGeom>
+        </p:spPr>
+        <p:txBody>
+          <a:bodyPr lIns="0" rIns="0" tIns="0" bIns="0" anchor="ctr"/>
+          <a:p>
+            <a:pPr algn="ctr"/>
+            <a:endParaRPr b="0" lang="en-US" sz="4400" spc="-1" strike="noStrike">
+              <a:latin typeface="Arial"/>
+            </a:endParaRPr>
+          </a:p>
+        </p:txBody>
+      </p:sp>
+      <p:sp>
+        <p:nvSpPr>
+          <p:cNvPr id="133" name="PlaceHolder 2"/>
+          <p:cNvSpPr>
+            <a:spLocks noGrp="1"/>
+          </p:cNvSpPr>
+          <p:nvPr>
+            <p:ph type="body"/>
+          </p:nvPr>
+        </p:nvSpPr>
+        <p:spPr>
+          <a:xfrm>
+            <a:off x="609480" y="1604520"/>
+            <a:ext cx="5354280" cy="3977280"/>
+          </a:xfrm>
+          <a:prstGeom prst="rect">
+            <a:avLst/>
+          </a:prstGeom>
+        </p:spPr>
+        <p:txBody>
+          <a:bodyPr lIns="0" rIns="0" tIns="0" bIns="0">
+            <a:normAutofit/>
+          </a:bodyPr>
+          <a:p>
+            <a:endParaRPr b="0" lang="en-US" sz="3200" spc="-1" strike="noStrike">
+              <a:latin typeface="Arial"/>
+            </a:endParaRPr>
+          </a:p>
+        </p:txBody>
+      </p:sp>
+      <p:sp>
+        <p:nvSpPr>
+          <p:cNvPr id="134" name="PlaceHolder 3"/>
+          <p:cNvSpPr>
+            <a:spLocks noGrp="1"/>
+          </p:cNvSpPr>
+          <p:nvPr>
+            <p:ph type="body"/>
+          </p:nvPr>
+        </p:nvSpPr>
+        <p:spPr>
+          <a:xfrm>
+            <a:off x="6231960" y="1604520"/>
+            <a:ext cx="5354280" cy="3977280"/>
+          </a:xfrm>
+          <a:prstGeom prst="rect">
+            <a:avLst/>
+          </a:prstGeom>
+        </p:spPr>
+        <p:txBody>
+          <a:bodyPr lIns="0" rIns="0" tIns="0" bIns="0">
+            <a:normAutofit/>
+          </a:bodyPr>
+          <a:p>
+            <a:endParaRPr b="0" lang="en-US" sz="3200" spc="-1" strike="noStrike">
+              <a:latin typeface="Arial"/>
+            </a:endParaRPr>
+          </a:p>
+        </p:txBody>
+      </p:sp>
+    </p:spTree>
+  </p:cSld>
+</p:sldLayout>
+</file>
+
+<file path=ppt/slideLayouts/slideLayout41.xml><?xml version="1.0" encoding="utf-8"?>
+<p:sldLayout xmlns:a="http://schemas.openxmlformats.org/drawingml/2006/main" xmlns:p="http://schemas.openxmlformats.org/presentationml/2006/main" xmlns:r="http://schemas.openxmlformats.org/officeDocument/2006/relationships" xmlns:p14="http://schemas.microsoft.com/office/powerpoint/2010/main" xmlns:p15="http://schemas.microsoft.com/office/powerpoint/2012/main" xmlns:mc="http://schemas.openxmlformats.org/markup-compatibility/2006" type="titleOnly" preserve="1">
+  <p:cSld name="Title Only">
+    <p:spTree>
+      <p:nvGrpSpPr>
+        <p:cNvPr id="1" name=""/>
+        <p:cNvGrpSpPr/>
+        <p:nvPr/>
+      </p:nvGrpSpPr>
+      <p:grpSpPr>
+        <a:xfrm>
+          <a:off x="0" y="0"/>
+          <a:ext cx="0" cy="0"/>
+          <a:chOff x="0" y="0"/>
+          <a:chExt cx="0" cy="0"/>
+        </a:xfrm>
+      </p:grpSpPr>
+      <p:sp>
+        <p:nvSpPr>
+          <p:cNvPr id="135" name="PlaceHolder 1"/>
+          <p:cNvSpPr>
+            <a:spLocks noGrp="1"/>
+          </p:cNvSpPr>
+          <p:nvPr>
+            <p:ph type="title"/>
+          </p:nvPr>
+        </p:nvSpPr>
+        <p:spPr>
+          <a:xfrm>
+            <a:off x="609480" y="273600"/>
+            <a:ext cx="10972440" cy="1144800"/>
+          </a:xfrm>
+          <a:prstGeom prst="rect">
+            <a:avLst/>
+          </a:prstGeom>
+        </p:spPr>
+        <p:txBody>
+          <a:bodyPr lIns="0" rIns="0" tIns="0" bIns="0" anchor="ctr"/>
+          <a:p>
+            <a:pPr algn="ctr"/>
+            <a:endParaRPr b="0" lang="en-US" sz="4400" spc="-1" strike="noStrike">
+              <a:latin typeface="Arial"/>
+            </a:endParaRPr>
+          </a:p>
+        </p:txBody>
+      </p:sp>
+    </p:spTree>
+  </p:cSld>
+</p:sldLayout>
+</file>
+
+<file path=ppt/slideLayouts/slideLayout42.xml><?xml version="1.0" encoding="utf-8"?>
+<p:sldLayout xmlns:a="http://schemas.openxmlformats.org/drawingml/2006/main" xmlns:p="http://schemas.openxmlformats.org/presentationml/2006/main" xmlns:r="http://schemas.openxmlformats.org/officeDocument/2006/relationships" xmlns:p14="http://schemas.microsoft.com/office/powerpoint/2010/main" xmlns:p15="http://schemas.microsoft.com/office/powerpoint/2012/main" xmlns:mc="http://schemas.openxmlformats.org/markup-compatibility/2006" type="objOnly" preserve="1">
+  <p:cSld name="Centered Text">
+    <p:spTree>
+      <p:nvGrpSpPr>
+        <p:cNvPr id="1" name=""/>
+        <p:cNvGrpSpPr/>
+        <p:nvPr/>
+      </p:nvGrpSpPr>
+      <p:grpSpPr>
+        <a:xfrm>
+          <a:off x="0" y="0"/>
+          <a:ext cx="0" cy="0"/>
+          <a:chOff x="0" y="0"/>
+          <a:chExt cx="0" cy="0"/>
+        </a:xfrm>
+      </p:grpSpPr>
+      <p:sp>
+        <p:nvSpPr>
+          <p:cNvPr id="136" name="PlaceHolder 1"/>
+          <p:cNvSpPr>
+            <a:spLocks noGrp="1"/>
+          </p:cNvSpPr>
+          <p:nvPr>
+            <p:ph type="subTitle"/>
+          </p:nvPr>
+        </p:nvSpPr>
+        <p:spPr>
+          <a:xfrm>
+            <a:off x="609480" y="273600"/>
+            <a:ext cx="10972440" cy="5307840"/>
+          </a:xfrm>
+          <a:prstGeom prst="rect">
+            <a:avLst/>
+          </a:prstGeom>
+        </p:spPr>
+        <p:txBody>
+          <a:bodyPr lIns="0" rIns="0" tIns="0" bIns="0" anchor="ctr"/>
+          <a:p>
+            <a:pPr algn="ctr"/>
+            <a:endParaRPr b="0" lang="en-US" sz="3200" spc="-1" strike="noStrike">
+              <a:latin typeface="Arial"/>
+            </a:endParaRPr>
+          </a:p>
+        </p:txBody>
+      </p:sp>
+    </p:spTree>
+  </p:cSld>
+</p:sldLayout>
+</file>
+
+<file path=ppt/slideLayouts/slideLayout43.xml><?xml version="1.0" encoding="utf-8"?>
+<p:sldLayout xmlns:a="http://schemas.openxmlformats.org/drawingml/2006/main" xmlns:p="http://schemas.openxmlformats.org/presentationml/2006/main" xmlns:r="http://schemas.openxmlformats.org/officeDocument/2006/relationships" xmlns:p14="http://schemas.microsoft.com/office/powerpoint/2010/main" xmlns:p15="http://schemas.microsoft.com/office/powerpoint/2012/main" xmlns:mc="http://schemas.openxmlformats.org/markup-compatibility/2006" type="twoObjAndObj" preserve="1">
+  <p:cSld name="Title, 2 Content and Content">
+    <p:spTree>
+      <p:nvGrpSpPr>
+        <p:cNvPr id="1" name=""/>
+        <p:cNvGrpSpPr/>
+        <p:nvPr/>
+      </p:nvGrpSpPr>
+      <p:grpSpPr>
+        <a:xfrm>
+          <a:off x="0" y="0"/>
+          <a:ext cx="0" cy="0"/>
+          <a:chOff x="0" y="0"/>
+          <a:chExt cx="0" cy="0"/>
+        </a:xfrm>
+      </p:grpSpPr>
+      <p:sp>
+        <p:nvSpPr>
+          <p:cNvPr id="137" name="PlaceHolder 1"/>
+          <p:cNvSpPr>
+            <a:spLocks noGrp="1"/>
+          </p:cNvSpPr>
+          <p:nvPr>
+            <p:ph type="title"/>
+          </p:nvPr>
+        </p:nvSpPr>
+        <p:spPr>
+          <a:xfrm>
+            <a:off x="609480" y="273600"/>
+            <a:ext cx="10972440" cy="1144800"/>
+          </a:xfrm>
+          <a:prstGeom prst="rect">
+            <a:avLst/>
+          </a:prstGeom>
+        </p:spPr>
+        <p:txBody>
+          <a:bodyPr lIns="0" rIns="0" tIns="0" bIns="0" anchor="ctr"/>
+          <a:p>
+            <a:pPr algn="ctr"/>
+            <a:endParaRPr b="0" lang="en-US" sz="4400" spc="-1" strike="noStrike">
+              <a:latin typeface="Arial"/>
+            </a:endParaRPr>
+          </a:p>
+        </p:txBody>
+      </p:sp>
+      <p:sp>
+        <p:nvSpPr>
+          <p:cNvPr id="138" name="PlaceHolder 2"/>
+          <p:cNvSpPr>
+            <a:spLocks noGrp="1"/>
+          </p:cNvSpPr>
+          <p:nvPr>
+            <p:ph type="body"/>
+          </p:nvPr>
+        </p:nvSpPr>
+        <p:spPr>
+          <a:xfrm>
+            <a:off x="609480" y="1604520"/>
+            <a:ext cx="5354280" cy="1896840"/>
+          </a:xfrm>
+          <a:prstGeom prst="rect">
+            <a:avLst/>
+          </a:prstGeom>
+        </p:spPr>
+        <p:txBody>
+          <a:bodyPr lIns="0" rIns="0" tIns="0" bIns="0">
+            <a:normAutofit/>
+          </a:bodyPr>
+          <a:p>
+            <a:endParaRPr b="0" lang="en-US" sz="3200" spc="-1" strike="noStrike">
+              <a:latin typeface="Arial"/>
+            </a:endParaRPr>
+          </a:p>
+        </p:txBody>
+      </p:sp>
+      <p:sp>
+        <p:nvSpPr>
+          <p:cNvPr id="139" name="PlaceHolder 3"/>
+          <p:cNvSpPr>
+            <a:spLocks noGrp="1"/>
+          </p:cNvSpPr>
+          <p:nvPr>
+            <p:ph type="body"/>
+          </p:nvPr>
+        </p:nvSpPr>
+        <p:spPr>
+          <a:xfrm>
+            <a:off x="6231960" y="1604520"/>
+            <a:ext cx="5354280" cy="3977280"/>
+          </a:xfrm>
+          <a:prstGeom prst="rect">
+            <a:avLst/>
+          </a:prstGeom>
+        </p:spPr>
+        <p:txBody>
+          <a:bodyPr lIns="0" rIns="0" tIns="0" bIns="0">
+            <a:normAutofit/>
+          </a:bodyPr>
+          <a:p>
+            <a:endParaRPr b="0" lang="en-US" sz="3200" spc="-1" strike="noStrike">
+              <a:latin typeface="Arial"/>
+            </a:endParaRPr>
+          </a:p>
+        </p:txBody>
+      </p:sp>
+      <p:sp>
+        <p:nvSpPr>
+          <p:cNvPr id="140" name="PlaceHolder 4"/>
+          <p:cNvSpPr>
+            <a:spLocks noGrp="1"/>
+          </p:cNvSpPr>
+          <p:nvPr>
+            <p:ph type="body"/>
+          </p:nvPr>
+        </p:nvSpPr>
+        <p:spPr>
+          <a:xfrm>
+            <a:off x="609480" y="3682080"/>
+            <a:ext cx="5354280" cy="1896840"/>
+          </a:xfrm>
+          <a:prstGeom prst="rect">
+            <a:avLst/>
+          </a:prstGeom>
+        </p:spPr>
+        <p:txBody>
+          <a:bodyPr lIns="0" rIns="0" tIns="0" bIns="0">
+            <a:normAutofit/>
+          </a:bodyPr>
+          <a:p>
+            <a:endParaRPr b="0" lang="en-US" sz="3200" spc="-1" strike="noStrike">
+              <a:latin typeface="Arial"/>
+            </a:endParaRPr>
+          </a:p>
+        </p:txBody>
+      </p:sp>
+    </p:spTree>
+  </p:cSld>
+</p:sldLayout>
+</file>
+
+<file path=ppt/slideLayouts/slideLayout44.xml><?xml version="1.0" encoding="utf-8"?>
+<p:sldLayout xmlns:a="http://schemas.openxmlformats.org/drawingml/2006/main" xmlns:p="http://schemas.openxmlformats.org/presentationml/2006/main" xmlns:r="http://schemas.openxmlformats.org/officeDocument/2006/relationships" xmlns:p14="http://schemas.microsoft.com/office/powerpoint/2010/main" xmlns:p15="http://schemas.microsoft.com/office/powerpoint/2012/main" xmlns:mc="http://schemas.openxmlformats.org/markup-compatibility/2006" type="objAndTwoObj" preserve="1">
+  <p:cSld name="Title Content and 2 Content">
+    <p:spTree>
+      <p:nvGrpSpPr>
+        <p:cNvPr id="1" name=""/>
+        <p:cNvGrpSpPr/>
+        <p:nvPr/>
+      </p:nvGrpSpPr>
+      <p:grpSpPr>
+        <a:xfrm>
+          <a:off x="0" y="0"/>
+          <a:ext cx="0" cy="0"/>
+          <a:chOff x="0" y="0"/>
+          <a:chExt cx="0" cy="0"/>
+        </a:xfrm>
+      </p:grpSpPr>
+      <p:sp>
+        <p:nvSpPr>
+          <p:cNvPr id="141" name="PlaceHolder 1"/>
+          <p:cNvSpPr>
+            <a:spLocks noGrp="1"/>
+          </p:cNvSpPr>
+          <p:nvPr>
+            <p:ph type="title"/>
+          </p:nvPr>
+        </p:nvSpPr>
+        <p:spPr>
+          <a:xfrm>
+            <a:off x="609480" y="273600"/>
+            <a:ext cx="10972440" cy="1144800"/>
+          </a:xfrm>
+          <a:prstGeom prst="rect">
+            <a:avLst/>
+          </a:prstGeom>
+        </p:spPr>
+        <p:txBody>
+          <a:bodyPr lIns="0" rIns="0" tIns="0" bIns="0" anchor="ctr"/>
+          <a:p>
+            <a:pPr algn="ctr"/>
+            <a:endParaRPr b="0" lang="en-US" sz="4400" spc="-1" strike="noStrike">
+              <a:latin typeface="Arial"/>
+            </a:endParaRPr>
+          </a:p>
+        </p:txBody>
+      </p:sp>
+      <p:sp>
+        <p:nvSpPr>
+          <p:cNvPr id="142" name="PlaceHolder 2"/>
+          <p:cNvSpPr>
+            <a:spLocks noGrp="1"/>
+          </p:cNvSpPr>
+          <p:nvPr>
+            <p:ph type="body"/>
+          </p:nvPr>
+        </p:nvSpPr>
+        <p:spPr>
+          <a:xfrm>
+            <a:off x="609480" y="1604520"/>
+            <a:ext cx="5354280" cy="3977280"/>
+          </a:xfrm>
+          <a:prstGeom prst="rect">
+            <a:avLst/>
+          </a:prstGeom>
+        </p:spPr>
+        <p:txBody>
+          <a:bodyPr lIns="0" rIns="0" tIns="0" bIns="0">
+            <a:normAutofit/>
+          </a:bodyPr>
+          <a:p>
+            <a:endParaRPr b="0" lang="en-US" sz="3200" spc="-1" strike="noStrike">
+              <a:latin typeface="Arial"/>
+            </a:endParaRPr>
+          </a:p>
+        </p:txBody>
+      </p:sp>
+      <p:sp>
+        <p:nvSpPr>
+          <p:cNvPr id="143" name="PlaceHolder 3"/>
+          <p:cNvSpPr>
+            <a:spLocks noGrp="1"/>
+          </p:cNvSpPr>
+          <p:nvPr>
+            <p:ph type="body"/>
+          </p:nvPr>
+        </p:nvSpPr>
+        <p:spPr>
+          <a:xfrm>
+            <a:off x="6231960" y="1604520"/>
+            <a:ext cx="5354280" cy="1896840"/>
+          </a:xfrm>
+          <a:prstGeom prst="rect">
+            <a:avLst/>
+          </a:prstGeom>
+        </p:spPr>
+        <p:txBody>
+          <a:bodyPr lIns="0" rIns="0" tIns="0" bIns="0">
+            <a:normAutofit/>
+          </a:bodyPr>
+          <a:p>
+            <a:endParaRPr b="0" lang="en-US" sz="3200" spc="-1" strike="noStrike">
+              <a:latin typeface="Arial"/>
+            </a:endParaRPr>
+          </a:p>
+        </p:txBody>
+      </p:sp>
+      <p:sp>
+        <p:nvSpPr>
+          <p:cNvPr id="144" name="PlaceHolder 4"/>
+          <p:cNvSpPr>
+            <a:spLocks noGrp="1"/>
+          </p:cNvSpPr>
+          <p:nvPr>
+            <p:ph type="body"/>
+          </p:nvPr>
+        </p:nvSpPr>
+        <p:spPr>
+          <a:xfrm>
+            <a:off x="6231960" y="3682080"/>
+            <a:ext cx="5354280" cy="1896840"/>
+          </a:xfrm>
+          <a:prstGeom prst="rect">
+            <a:avLst/>
+          </a:prstGeom>
+        </p:spPr>
+        <p:txBody>
+          <a:bodyPr lIns="0" rIns="0" tIns="0" bIns="0">
+            <a:normAutofit/>
+          </a:bodyPr>
+          <a:p>
+            <a:endParaRPr b="0" lang="en-US" sz="3200" spc="-1" strike="noStrike">
+              <a:latin typeface="Arial"/>
+            </a:endParaRPr>
+          </a:p>
+        </p:txBody>
+      </p:sp>
+    </p:spTree>
+  </p:cSld>
+</p:sldLayout>
+</file>
+
+<file path=ppt/slideLayouts/slideLayout45.xml><?xml version="1.0" encoding="utf-8"?>
+<p:sldLayout xmlns:a="http://schemas.openxmlformats.org/drawingml/2006/main" xmlns:p="http://schemas.openxmlformats.org/presentationml/2006/main" xmlns:r="http://schemas.openxmlformats.org/officeDocument/2006/relationships" xmlns:p14="http://schemas.microsoft.com/office/powerpoint/2010/main" xmlns:p15="http://schemas.microsoft.com/office/powerpoint/2012/main" xmlns:mc="http://schemas.openxmlformats.org/markup-compatibility/2006" type="twoObjOverTx" preserve="1">
+  <p:cSld name="Title, 2 Content over Content">
+    <p:spTree>
+      <p:nvGrpSpPr>
+        <p:cNvPr id="1" name=""/>
+        <p:cNvGrpSpPr/>
+        <p:nvPr/>
+      </p:nvGrpSpPr>
+      <p:grpSpPr>
+        <a:xfrm>
+          <a:off x="0" y="0"/>
+          <a:ext cx="0" cy="0"/>
+          <a:chOff x="0" y="0"/>
+          <a:chExt cx="0" cy="0"/>
+        </a:xfrm>
+      </p:grpSpPr>
+      <p:sp>
+        <p:nvSpPr>
+          <p:cNvPr id="145" name="PlaceHolder 1"/>
+          <p:cNvSpPr>
+            <a:spLocks noGrp="1"/>
+          </p:cNvSpPr>
+          <p:nvPr>
+            <p:ph type="title"/>
+          </p:nvPr>
+        </p:nvSpPr>
+        <p:spPr>
+          <a:xfrm>
+            <a:off x="609480" y="273600"/>
+            <a:ext cx="10972440" cy="1144800"/>
+          </a:xfrm>
+          <a:prstGeom prst="rect">
+            <a:avLst/>
+          </a:prstGeom>
+        </p:spPr>
+        <p:txBody>
+          <a:bodyPr lIns="0" rIns="0" tIns="0" bIns="0" anchor="ctr"/>
+          <a:p>
+            <a:pPr algn="ctr"/>
+            <a:endParaRPr b="0" lang="en-US" sz="4400" spc="-1" strike="noStrike">
+              <a:latin typeface="Arial"/>
+            </a:endParaRPr>
+          </a:p>
+        </p:txBody>
+      </p:sp>
+      <p:sp>
+        <p:nvSpPr>
+          <p:cNvPr id="146" name="PlaceHolder 2"/>
+          <p:cNvSpPr>
+            <a:spLocks noGrp="1"/>
+          </p:cNvSpPr>
+          <p:nvPr>
+            <p:ph type="body"/>
+          </p:nvPr>
+        </p:nvSpPr>
+        <p:spPr>
+          <a:xfrm>
+            <a:off x="609480" y="1604520"/>
+            <a:ext cx="5354280" cy="1896840"/>
+          </a:xfrm>
+          <a:prstGeom prst="rect">
+            <a:avLst/>
+          </a:prstGeom>
+        </p:spPr>
+        <p:txBody>
+          <a:bodyPr lIns="0" rIns="0" tIns="0" bIns="0">
+            <a:normAutofit/>
+          </a:bodyPr>
+          <a:p>
+            <a:endParaRPr b="0" lang="en-US" sz="3200" spc="-1" strike="noStrike">
+              <a:latin typeface="Arial"/>
+            </a:endParaRPr>
+          </a:p>
+        </p:txBody>
+      </p:sp>
+      <p:sp>
+        <p:nvSpPr>
+          <p:cNvPr id="147" name="PlaceHolder 3"/>
+          <p:cNvSpPr>
+            <a:spLocks noGrp="1"/>
+          </p:cNvSpPr>
+          <p:nvPr>
+            <p:ph type="body"/>
+          </p:nvPr>
+        </p:nvSpPr>
+        <p:spPr>
+          <a:xfrm>
+            <a:off x="6231960" y="1604520"/>
+            <a:ext cx="5354280" cy="1896840"/>
+          </a:xfrm>
+          <a:prstGeom prst="rect">
+            <a:avLst/>
+          </a:prstGeom>
+        </p:spPr>
+        <p:txBody>
+          <a:bodyPr lIns="0" rIns="0" tIns="0" bIns="0">
+            <a:normAutofit/>
+          </a:bodyPr>
+          <a:p>
+            <a:endParaRPr b="0" lang="en-US" sz="3200" spc="-1" strike="noStrike">
+              <a:latin typeface="Arial"/>
+            </a:endParaRPr>
+          </a:p>
+        </p:txBody>
+      </p:sp>
+      <p:sp>
+        <p:nvSpPr>
+          <p:cNvPr id="148" name="PlaceHolder 4"/>
+          <p:cNvSpPr>
+            <a:spLocks noGrp="1"/>
+          </p:cNvSpPr>
+          <p:nvPr>
+            <p:ph type="body"/>
+          </p:nvPr>
+        </p:nvSpPr>
+        <p:spPr>
+          <a:xfrm>
+            <a:off x="609480" y="3682080"/>
+            <a:ext cx="10972440" cy="1896840"/>
+          </a:xfrm>
+          <a:prstGeom prst="rect">
+            <a:avLst/>
+          </a:prstGeom>
+        </p:spPr>
+        <p:txBody>
+          <a:bodyPr lIns="0" rIns="0" tIns="0" bIns="0">
+            <a:normAutofit/>
+          </a:bodyPr>
+          <a:p>
+            <a:endParaRPr b="0" lang="en-US" sz="3200" spc="-1" strike="noStrike">
+              <a:latin typeface="Arial"/>
+            </a:endParaRPr>
+          </a:p>
+        </p:txBody>
+      </p:sp>
+    </p:spTree>
+  </p:cSld>
+</p:sldLayout>
+</file>
+
+<file path=ppt/slideLayouts/slideLayout46.xml><?xml version="1.0" encoding="utf-8"?>
+<p:sldLayout xmlns:a="http://schemas.openxmlformats.org/drawingml/2006/main" xmlns:p="http://schemas.openxmlformats.org/presentationml/2006/main" xmlns:r="http://schemas.openxmlformats.org/officeDocument/2006/relationships" xmlns:p14="http://schemas.microsoft.com/office/powerpoint/2010/main" xmlns:p15="http://schemas.microsoft.com/office/powerpoint/2012/main" xmlns:mc="http://schemas.openxmlformats.org/markup-compatibility/2006" type="objOverTx" preserve="1">
+  <p:cSld name="Title, Content over Content">
+    <p:spTree>
+      <p:nvGrpSpPr>
+        <p:cNvPr id="1" name=""/>
+        <p:cNvGrpSpPr/>
+        <p:nvPr/>
+      </p:nvGrpSpPr>
+      <p:grpSpPr>
+        <a:xfrm>
+          <a:off x="0" y="0"/>
+          <a:ext cx="0" cy="0"/>
+          <a:chOff x="0" y="0"/>
+          <a:chExt cx="0" cy="0"/>
+        </a:xfrm>
+      </p:grpSpPr>
+      <p:sp>
+        <p:nvSpPr>
+          <p:cNvPr id="149" name="PlaceHolder 1"/>
+          <p:cNvSpPr>
+            <a:spLocks noGrp="1"/>
+          </p:cNvSpPr>
+          <p:nvPr>
+            <p:ph type="title"/>
+          </p:nvPr>
+        </p:nvSpPr>
+        <p:spPr>
+          <a:xfrm>
+            <a:off x="609480" y="273600"/>
+            <a:ext cx="10972440" cy="1144800"/>
+          </a:xfrm>
+          <a:prstGeom prst="rect">
+            <a:avLst/>
+          </a:prstGeom>
+        </p:spPr>
+        <p:txBody>
+          <a:bodyPr lIns="0" rIns="0" tIns="0" bIns="0" anchor="ctr"/>
+          <a:p>
+            <a:pPr algn="ctr"/>
+            <a:endParaRPr b="0" lang="en-US" sz="4400" spc="-1" strike="noStrike">
+              <a:latin typeface="Arial"/>
+            </a:endParaRPr>
+          </a:p>
+        </p:txBody>
+      </p:sp>
+      <p:sp>
+        <p:nvSpPr>
+          <p:cNvPr id="150" name="PlaceHolder 2"/>
+          <p:cNvSpPr>
+            <a:spLocks noGrp="1"/>
+          </p:cNvSpPr>
+          <p:nvPr>
+            <p:ph type="body"/>
+          </p:nvPr>
+        </p:nvSpPr>
+        <p:spPr>
+          <a:xfrm>
+            <a:off x="609480" y="1604520"/>
+            <a:ext cx="10972440" cy="1896840"/>
+          </a:xfrm>
+          <a:prstGeom prst="rect">
+            <a:avLst/>
+          </a:prstGeom>
+        </p:spPr>
+        <p:txBody>
+          <a:bodyPr lIns="0" rIns="0" tIns="0" bIns="0">
+            <a:normAutofit/>
+          </a:bodyPr>
+          <a:p>
+            <a:endParaRPr b="0" lang="en-US" sz="3200" spc="-1" strike="noStrike">
+              <a:latin typeface="Arial"/>
+            </a:endParaRPr>
+          </a:p>
+        </p:txBody>
+      </p:sp>
+      <p:sp>
+        <p:nvSpPr>
+          <p:cNvPr id="151" name="PlaceHolder 3"/>
+          <p:cNvSpPr>
+            <a:spLocks noGrp="1"/>
+          </p:cNvSpPr>
+          <p:nvPr>
+            <p:ph type="body"/>
+          </p:nvPr>
+        </p:nvSpPr>
+        <p:spPr>
+          <a:xfrm>
+            <a:off x="609480" y="3682080"/>
+            <a:ext cx="10972440" cy="1896840"/>
+          </a:xfrm>
+          <a:prstGeom prst="rect">
+            <a:avLst/>
+          </a:prstGeom>
+        </p:spPr>
+        <p:txBody>
+          <a:bodyPr lIns="0" rIns="0" tIns="0" bIns="0">
+            <a:normAutofit/>
+          </a:bodyPr>
+          <a:p>
+            <a:endParaRPr b="0" lang="en-US" sz="3200" spc="-1" strike="noStrike">
+              <a:latin typeface="Arial"/>
+            </a:endParaRPr>
+          </a:p>
+        </p:txBody>
+      </p:sp>
+    </p:spTree>
+  </p:cSld>
+</p:sldLayout>
+</file>
+
+<file path=ppt/slideLayouts/slideLayout47.xml><?xml version="1.0" encoding="utf-8"?>
+<p:sldLayout xmlns:a="http://schemas.openxmlformats.org/drawingml/2006/main" xmlns:p="http://schemas.openxmlformats.org/presentationml/2006/main" xmlns:r="http://schemas.openxmlformats.org/officeDocument/2006/relationships" xmlns:p14="http://schemas.microsoft.com/office/powerpoint/2010/main" xmlns:p15="http://schemas.microsoft.com/office/powerpoint/2012/main" xmlns:mc="http://schemas.openxmlformats.org/markup-compatibility/2006" type="fourObj" preserve="1">
+  <p:cSld name="Title, 4 Content">
+    <p:spTree>
+      <p:nvGrpSpPr>
+        <p:cNvPr id="1" name=""/>
+        <p:cNvGrpSpPr/>
+        <p:nvPr/>
+      </p:nvGrpSpPr>
+      <p:grpSpPr>
+        <a:xfrm>
+          <a:off x="0" y="0"/>
+          <a:ext cx="0" cy="0"/>
+          <a:chOff x="0" y="0"/>
+          <a:chExt cx="0" cy="0"/>
+        </a:xfrm>
+      </p:grpSpPr>
+      <p:sp>
+        <p:nvSpPr>
+          <p:cNvPr id="152" name="PlaceHolder 1"/>
+          <p:cNvSpPr>
+            <a:spLocks noGrp="1"/>
+          </p:cNvSpPr>
+          <p:nvPr>
+            <p:ph type="title"/>
+          </p:nvPr>
+        </p:nvSpPr>
+        <p:spPr>
+          <a:xfrm>
+            <a:off x="609480" y="273600"/>
+            <a:ext cx="10972440" cy="1144800"/>
+          </a:xfrm>
+          <a:prstGeom prst="rect">
+            <a:avLst/>
+          </a:prstGeom>
+        </p:spPr>
+        <p:txBody>
+          <a:bodyPr lIns="0" rIns="0" tIns="0" bIns="0" anchor="ctr"/>
+          <a:p>
+            <a:pPr algn="ctr"/>
+            <a:endParaRPr b="0" lang="en-US" sz="4400" spc="-1" strike="noStrike">
+              <a:latin typeface="Arial"/>
+            </a:endParaRPr>
+          </a:p>
+        </p:txBody>
+      </p:sp>
+      <p:sp>
+        <p:nvSpPr>
+          <p:cNvPr id="153" name="PlaceHolder 2"/>
+          <p:cNvSpPr>
+            <a:spLocks noGrp="1"/>
+          </p:cNvSpPr>
+          <p:nvPr>
+            <p:ph type="body"/>
+          </p:nvPr>
+        </p:nvSpPr>
+        <p:spPr>
+          <a:xfrm>
+            <a:off x="609480" y="1604520"/>
+            <a:ext cx="5354280" cy="1896840"/>
+          </a:xfrm>
+          <a:prstGeom prst="rect">
+            <a:avLst/>
+          </a:prstGeom>
+        </p:spPr>
+        <p:txBody>
+          <a:bodyPr lIns="0" rIns="0" tIns="0" bIns="0">
+            <a:normAutofit/>
+          </a:bodyPr>
+          <a:p>
+            <a:endParaRPr b="0" lang="en-US" sz="3200" spc="-1" strike="noStrike">
+              <a:latin typeface="Arial"/>
+            </a:endParaRPr>
+          </a:p>
+        </p:txBody>
+      </p:sp>
+      <p:sp>
+        <p:nvSpPr>
+          <p:cNvPr id="154" name="PlaceHolder 3"/>
+          <p:cNvSpPr>
+            <a:spLocks noGrp="1"/>
+          </p:cNvSpPr>
+          <p:nvPr>
+            <p:ph type="body"/>
+          </p:nvPr>
+        </p:nvSpPr>
+        <p:spPr>
+          <a:xfrm>
+            <a:off x="6231960" y="1604520"/>
+            <a:ext cx="5354280" cy="1896840"/>
+          </a:xfrm>
+          <a:prstGeom prst="rect">
+            <a:avLst/>
+          </a:prstGeom>
+        </p:spPr>
+        <p:txBody>
+          <a:bodyPr lIns="0" rIns="0" tIns="0" bIns="0">
+            <a:normAutofit/>
+          </a:bodyPr>
+          <a:p>
+            <a:endParaRPr b="0" lang="en-US" sz="3200" spc="-1" strike="noStrike">
+              <a:latin typeface="Arial"/>
+            </a:endParaRPr>
+          </a:p>
+        </p:txBody>
+      </p:sp>
+      <p:sp>
+        <p:nvSpPr>
+          <p:cNvPr id="155" name="PlaceHolder 4"/>
+          <p:cNvSpPr>
+            <a:spLocks noGrp="1"/>
+          </p:cNvSpPr>
+          <p:nvPr>
+            <p:ph type="body"/>
+          </p:nvPr>
+        </p:nvSpPr>
+        <p:spPr>
+          <a:xfrm>
+            <a:off x="609480" y="3682080"/>
+            <a:ext cx="5354280" cy="1896840"/>
+          </a:xfrm>
+          <a:prstGeom prst="rect">
+            <a:avLst/>
+          </a:prstGeom>
+        </p:spPr>
+        <p:txBody>
+          <a:bodyPr lIns="0" rIns="0" tIns="0" bIns="0">
+            <a:normAutofit/>
+          </a:bodyPr>
+          <a:p>
+            <a:endParaRPr b="0" lang="en-US" sz="3200" spc="-1" strike="noStrike">
+              <a:latin typeface="Arial"/>
+            </a:endParaRPr>
+          </a:p>
+        </p:txBody>
+      </p:sp>
+      <p:sp>
+        <p:nvSpPr>
+          <p:cNvPr id="156" name="PlaceHolder 5"/>
+          <p:cNvSpPr>
+            <a:spLocks noGrp="1"/>
+          </p:cNvSpPr>
+          <p:nvPr>
+            <p:ph type="body"/>
+          </p:nvPr>
+        </p:nvSpPr>
+        <p:spPr>
+          <a:xfrm>
+            <a:off x="6231960" y="3682080"/>
+            <a:ext cx="5354280" cy="1896840"/>
+          </a:xfrm>
+          <a:prstGeom prst="rect">
+            <a:avLst/>
+          </a:prstGeom>
+        </p:spPr>
+        <p:txBody>
+          <a:bodyPr lIns="0" rIns="0" tIns="0" bIns="0">
+            <a:normAutofit/>
+          </a:bodyPr>
+          <a:p>
+            <a:endParaRPr b="0" lang="en-US" sz="3200" spc="-1" strike="noStrike">
+              <a:latin typeface="Arial"/>
+            </a:endParaRPr>
+          </a:p>
+        </p:txBody>
+      </p:sp>
+    </p:spTree>
+  </p:cSld>
+</p:sldLayout>
+</file>
+
+<file path=ppt/slideLayouts/slideLayout48.xml><?xml version="1.0" encoding="utf-8"?>
+<p:sldLayout xmlns:a="http://schemas.openxmlformats.org/drawingml/2006/main" xmlns:p="http://schemas.openxmlformats.org/presentationml/2006/main" xmlns:r="http://schemas.openxmlformats.org/officeDocument/2006/relationships" xmlns:p14="http://schemas.microsoft.com/office/powerpoint/2010/main" xmlns:p15="http://schemas.microsoft.com/office/powerpoint/2012/main" xmlns:mc="http://schemas.openxmlformats.org/markup-compatibility/2006" type="blank" preserve="1">
+  <p:cSld name="Title, 6 Content">
+    <p:spTree>
+      <p:nvGrpSpPr>
+        <p:cNvPr id="1" name=""/>
+        <p:cNvGrpSpPr/>
+        <p:nvPr/>
+      </p:nvGrpSpPr>
+      <p:grpSpPr>
+        <a:xfrm>
+          <a:off x="0" y="0"/>
+          <a:ext cx="0" cy="0"/>
+          <a:chOff x="0" y="0"/>
+          <a:chExt cx="0" cy="0"/>
+        </a:xfrm>
+      </p:grpSpPr>
+      <p:sp>
+        <p:nvSpPr>
+          <p:cNvPr id="157" name="PlaceHolder 1"/>
+          <p:cNvSpPr>
+            <a:spLocks noGrp="1"/>
+          </p:cNvSpPr>
+          <p:nvPr>
+            <p:ph type="title"/>
+          </p:nvPr>
+        </p:nvSpPr>
+        <p:spPr>
+          <a:xfrm>
+            <a:off x="609480" y="273600"/>
+            <a:ext cx="10972440" cy="1144800"/>
+          </a:xfrm>
+          <a:prstGeom prst="rect">
+            <a:avLst/>
+          </a:prstGeom>
+        </p:spPr>
+        <p:txBody>
+          <a:bodyPr lIns="0" rIns="0" tIns="0" bIns="0" anchor="ctr"/>
+          <a:p>
+            <a:pPr algn="ctr"/>
+            <a:endParaRPr b="0" lang="en-US" sz="4400" spc="-1" strike="noStrike">
+              <a:latin typeface="Arial"/>
+            </a:endParaRPr>
+          </a:p>
+        </p:txBody>
+      </p:sp>
+      <p:sp>
+        <p:nvSpPr>
+          <p:cNvPr id="158" name="PlaceHolder 2"/>
+          <p:cNvSpPr>
+            <a:spLocks noGrp="1"/>
+          </p:cNvSpPr>
+          <p:nvPr>
+            <p:ph type="body"/>
+          </p:nvPr>
+        </p:nvSpPr>
+        <p:spPr>
+          <a:xfrm>
+            <a:off x="609480" y="1604520"/>
+            <a:ext cx="3533040" cy="1896840"/>
+          </a:xfrm>
+          <a:prstGeom prst="rect">
+            <a:avLst/>
+          </a:prstGeom>
+        </p:spPr>
+        <p:txBody>
+          <a:bodyPr lIns="0" rIns="0" tIns="0" bIns="0">
+            <a:normAutofit/>
+          </a:bodyPr>
+          <a:p>
+            <a:endParaRPr b="0" lang="en-US" sz="3200" spc="-1" strike="noStrike">
+              <a:latin typeface="Arial"/>
+            </a:endParaRPr>
+          </a:p>
+        </p:txBody>
+      </p:sp>
+      <p:sp>
+        <p:nvSpPr>
+          <p:cNvPr id="159" name="PlaceHolder 3"/>
+          <p:cNvSpPr>
+            <a:spLocks noGrp="1"/>
+          </p:cNvSpPr>
+          <p:nvPr>
+            <p:ph type="body"/>
+          </p:nvPr>
+        </p:nvSpPr>
+        <p:spPr>
+          <a:xfrm>
+            <a:off x="4319640" y="1604520"/>
+            <a:ext cx="3533040" cy="1896840"/>
+          </a:xfrm>
+          <a:prstGeom prst="rect">
+            <a:avLst/>
+          </a:prstGeom>
+        </p:spPr>
+        <p:txBody>
+          <a:bodyPr lIns="0" rIns="0" tIns="0" bIns="0">
+            <a:normAutofit/>
+          </a:bodyPr>
+          <a:p>
+            <a:endParaRPr b="0" lang="en-US" sz="3200" spc="-1" strike="noStrike">
+              <a:latin typeface="Arial"/>
+            </a:endParaRPr>
+          </a:p>
+        </p:txBody>
+      </p:sp>
+      <p:sp>
+        <p:nvSpPr>
+          <p:cNvPr id="160" name="PlaceHolder 4"/>
+          <p:cNvSpPr>
+            <a:spLocks noGrp="1"/>
+          </p:cNvSpPr>
+          <p:nvPr>
+            <p:ph type="body"/>
+          </p:nvPr>
+        </p:nvSpPr>
+        <p:spPr>
+          <a:xfrm>
+            <a:off x="8029800" y="1604520"/>
+            <a:ext cx="3533040" cy="1896840"/>
+          </a:xfrm>
+          <a:prstGeom prst="rect">
+            <a:avLst/>
+          </a:prstGeom>
+        </p:spPr>
+        <p:txBody>
+          <a:bodyPr lIns="0" rIns="0" tIns="0" bIns="0">
+            <a:normAutofit/>
+          </a:bodyPr>
+          <a:p>
+            <a:endParaRPr b="0" lang="en-US" sz="3200" spc="-1" strike="noStrike">
+              <a:latin typeface="Arial"/>
+            </a:endParaRPr>
+          </a:p>
+        </p:txBody>
+      </p:sp>
+      <p:sp>
+        <p:nvSpPr>
+          <p:cNvPr id="161" name="PlaceHolder 5"/>
+          <p:cNvSpPr>
+            <a:spLocks noGrp="1"/>
+          </p:cNvSpPr>
+          <p:nvPr>
+            <p:ph type="body"/>
+          </p:nvPr>
+        </p:nvSpPr>
+        <p:spPr>
+          <a:xfrm>
+            <a:off x="609480" y="3682080"/>
+            <a:ext cx="3533040" cy="1896840"/>
+          </a:xfrm>
+          <a:prstGeom prst="rect">
+            <a:avLst/>
+          </a:prstGeom>
+        </p:spPr>
+        <p:txBody>
+          <a:bodyPr lIns="0" rIns="0" tIns="0" bIns="0">
+            <a:normAutofit/>
+          </a:bodyPr>
+          <a:p>
+            <a:endParaRPr b="0" lang="en-US" sz="3200" spc="-1" strike="noStrike">
+              <a:latin typeface="Arial"/>
+            </a:endParaRPr>
+          </a:p>
+        </p:txBody>
+      </p:sp>
+      <p:sp>
+        <p:nvSpPr>
+          <p:cNvPr id="162" name="PlaceHolder 6"/>
+          <p:cNvSpPr>
+            <a:spLocks noGrp="1"/>
+          </p:cNvSpPr>
+          <p:nvPr>
+            <p:ph type="body"/>
+          </p:nvPr>
+        </p:nvSpPr>
+        <p:spPr>
+          <a:xfrm>
+            <a:off x="4319640" y="3682080"/>
+            <a:ext cx="3533040" cy="1896840"/>
+          </a:xfrm>
+          <a:prstGeom prst="rect">
+            <a:avLst/>
+          </a:prstGeom>
+        </p:spPr>
+        <p:txBody>
+          <a:bodyPr lIns="0" rIns="0" tIns="0" bIns="0">
+            <a:normAutofit/>
+          </a:bodyPr>
+          <a:p>
+            <a:endParaRPr b="0" lang="en-US" sz="3200" spc="-1" strike="noStrike">
+              <a:latin typeface="Arial"/>
+            </a:endParaRPr>
+          </a:p>
+        </p:txBody>
+      </p:sp>
+      <p:sp>
+        <p:nvSpPr>
+          <p:cNvPr id="163" name="PlaceHolder 7"/>
+          <p:cNvSpPr>
+            <a:spLocks noGrp="1"/>
+          </p:cNvSpPr>
+          <p:nvPr>
+            <p:ph type="body"/>
+          </p:nvPr>
+        </p:nvSpPr>
+        <p:spPr>
+          <a:xfrm>
+            <a:off x="8029800" y="3682080"/>
+            <a:ext cx="3533040" cy="1896840"/>
           </a:xfrm>
           <a:prstGeom prst="rect">
             <a:avLst/>
@@ -4061,7 +5395,7 @@
         <p:spPr>
           <a:xfrm>
             <a:off x="0" y="0"/>
-            <a:ext cx="12191040" cy="648000"/>
+            <a:ext cx="12190680" cy="647640"/>
           </a:xfrm>
           <a:prstGeom prst="rect">
             <a:avLst/>
@@ -4092,7 +5426,7 @@
         <p:spPr>
           <a:xfrm>
             <a:off x="10876680" y="129600"/>
-            <a:ext cx="1314000" cy="506520"/>
+            <a:ext cx="1313640" cy="506160"/>
           </a:xfrm>
           <a:prstGeom prst="rect">
             <a:avLst/>
@@ -4123,7 +5457,7 @@
         <p:spPr>
           <a:xfrm>
             <a:off x="86760" y="6422040"/>
-            <a:ext cx="1062720" cy="400320"/>
+            <a:ext cx="1062360" cy="399960"/>
           </a:xfrm>
           <a:prstGeom prst="rect">
             <a:avLst/>
@@ -4158,7 +5492,7 @@
         <p:spPr>
           <a:xfrm>
             <a:off x="609480" y="273600"/>
-            <a:ext cx="10972440" cy="1144800"/>
+            <a:ext cx="10972080" cy="1144440"/>
           </a:xfrm>
           <a:prstGeom prst="rect">
             <a:avLst/>
@@ -4167,14 +5501,115 @@
         <p:txBody>
           <a:bodyPr lIns="0" rIns="0" tIns="0" bIns="0" anchor="ctr"/>
           <a:p>
-            <a:pPr algn="ctr"/>
-            <a:r>
-              <a:rPr b="0" lang="en-US" sz="4400" spc="-1" strike="noStrike">
-                <a:latin typeface="Arial"/>
-              </a:rPr>
-              <a:t>Click to edit the title text format</a:t>
-            </a:r>
-            <a:endParaRPr b="0" lang="en-US" sz="4400" spc="-1" strike="noStrike">
+            <a:r>
+              <a:rPr b="0" lang="en-US" sz="1800" spc="-1" strike="noStrike">
+                <a:latin typeface="Arial"/>
+              </a:rPr>
+              <a:t>C</a:t>
+            </a:r>
+            <a:r>
+              <a:rPr b="0" lang="en-US" sz="1800" spc="-1" strike="noStrike">
+                <a:latin typeface="Arial"/>
+              </a:rPr>
+              <a:t>li</a:t>
+            </a:r>
+            <a:r>
+              <a:rPr b="0" lang="en-US" sz="1800" spc="-1" strike="noStrike">
+                <a:latin typeface="Arial"/>
+              </a:rPr>
+              <a:t>c</a:t>
+            </a:r>
+            <a:r>
+              <a:rPr b="0" lang="en-US" sz="1800" spc="-1" strike="noStrike">
+                <a:latin typeface="Arial"/>
+              </a:rPr>
+              <a:t>k </a:t>
+            </a:r>
+            <a:r>
+              <a:rPr b="0" lang="en-US" sz="1800" spc="-1" strike="noStrike">
+                <a:latin typeface="Arial"/>
+              </a:rPr>
+              <a:t>to </a:t>
+            </a:r>
+            <a:r>
+              <a:rPr b="0" lang="en-US" sz="1800" spc="-1" strike="noStrike">
+                <a:latin typeface="Arial"/>
+              </a:rPr>
+              <a:t>e</a:t>
+            </a:r>
+            <a:r>
+              <a:rPr b="0" lang="en-US" sz="1800" spc="-1" strike="noStrike">
+                <a:latin typeface="Arial"/>
+              </a:rPr>
+              <a:t>di</a:t>
+            </a:r>
+            <a:r>
+              <a:rPr b="0" lang="en-US" sz="1800" spc="-1" strike="noStrike">
+                <a:latin typeface="Arial"/>
+              </a:rPr>
+              <a:t>t </a:t>
+            </a:r>
+            <a:r>
+              <a:rPr b="0" lang="en-US" sz="1800" spc="-1" strike="noStrike">
+                <a:latin typeface="Arial"/>
+              </a:rPr>
+              <a:t>th</a:t>
+            </a:r>
+            <a:r>
+              <a:rPr b="0" lang="en-US" sz="1800" spc="-1" strike="noStrike">
+                <a:latin typeface="Arial"/>
+              </a:rPr>
+              <a:t>e </a:t>
+            </a:r>
+            <a:r>
+              <a:rPr b="0" lang="en-US" sz="1800" spc="-1" strike="noStrike">
+                <a:latin typeface="Arial"/>
+              </a:rPr>
+              <a:t>tit</a:t>
+            </a:r>
+            <a:r>
+              <a:rPr b="0" lang="en-US" sz="1800" spc="-1" strike="noStrike">
+                <a:latin typeface="Arial"/>
+              </a:rPr>
+              <a:t>le </a:t>
+            </a:r>
+            <a:r>
+              <a:rPr b="0" lang="en-US" sz="1800" spc="-1" strike="noStrike">
+                <a:latin typeface="Arial"/>
+              </a:rPr>
+              <a:t>te</a:t>
+            </a:r>
+            <a:r>
+              <a:rPr b="0" lang="en-US" sz="1800" spc="-1" strike="noStrike">
+                <a:latin typeface="Arial"/>
+              </a:rPr>
+              <a:t>xt </a:t>
+            </a:r>
+            <a:r>
+              <a:rPr b="0" lang="en-US" sz="1800" spc="-1" strike="noStrike">
+                <a:latin typeface="Arial"/>
+              </a:rPr>
+              <a:t>fo</a:t>
+            </a:r>
+            <a:r>
+              <a:rPr b="0" lang="en-US" sz="1800" spc="-1" strike="noStrike">
+                <a:latin typeface="Arial"/>
+              </a:rPr>
+              <a:t>r</a:t>
+            </a:r>
+            <a:r>
+              <a:rPr b="0" lang="en-US" sz="1800" spc="-1" strike="noStrike">
+                <a:latin typeface="Arial"/>
+              </a:rPr>
+              <a:t>m</a:t>
+            </a:r>
+            <a:r>
+              <a:rPr b="0" lang="en-US" sz="1800" spc="-1" strike="noStrike">
+                <a:latin typeface="Arial"/>
+              </a:rPr>
+              <a:t>at</a:t>
+            </a:r>
+            <a:endParaRPr b="0" lang="en-US" sz="1800" spc="-1" strike="noStrike">
               <a:latin typeface="Arial"/>
             </a:endParaRPr>
           </a:p>
@@ -4412,7 +5847,7 @@
         <p:spPr>
           <a:xfrm>
             <a:off x="0" y="0"/>
-            <a:ext cx="12191040" cy="648000"/>
+            <a:ext cx="12190680" cy="647640"/>
           </a:xfrm>
           <a:prstGeom prst="rect">
             <a:avLst/>
@@ -4443,7 +5878,7 @@
         <p:spPr>
           <a:xfrm>
             <a:off x="10876680" y="129600"/>
-            <a:ext cx="1314000" cy="506520"/>
+            <a:ext cx="1313640" cy="506160"/>
           </a:xfrm>
           <a:prstGeom prst="rect">
             <a:avLst/>
@@ -4474,7 +5909,7 @@
         <p:spPr>
           <a:xfrm>
             <a:off x="86760" y="6422040"/>
-            <a:ext cx="1062720" cy="400320"/>
+            <a:ext cx="1062360" cy="399960"/>
           </a:xfrm>
           <a:prstGeom prst="rect">
             <a:avLst/>
@@ -4523,25 +5958,79 @@
               <a:rPr b="0" lang="en-US" sz="4400" spc="-1" strike="noStrike">
                 <a:latin typeface="Arial"/>
               </a:rPr>
-              <a:t>Click to </a:t>
+              <a:t>Cli</a:t>
             </a:r>
             <a:r>
               <a:rPr b="0" lang="en-US" sz="4400" spc="-1" strike="noStrike">
                 <a:latin typeface="Arial"/>
               </a:rPr>
-              <a:t>edit the </a:t>
+              <a:t>ck </a:t>
             </a:r>
             <a:r>
               <a:rPr b="0" lang="en-US" sz="4400" spc="-1" strike="noStrike">
                 <a:latin typeface="Arial"/>
               </a:rPr>
-              <a:t>title text </a:t>
+              <a:t>to </a:t>
             </a:r>
             <a:r>
               <a:rPr b="0" lang="en-US" sz="4400" spc="-1" strike="noStrike">
                 <a:latin typeface="Arial"/>
               </a:rPr>
-              <a:t>format</a:t>
+              <a:t>edi</a:t>
+            </a:r>
+            <a:r>
+              <a:rPr b="0" lang="en-US" sz="4400" spc="-1" strike="noStrike">
+                <a:latin typeface="Arial"/>
+              </a:rPr>
+              <a:t>t </a:t>
+            </a:r>
+            <a:r>
+              <a:rPr b="0" lang="en-US" sz="4400" spc="-1" strike="noStrike">
+                <a:latin typeface="Arial"/>
+              </a:rPr>
+              <a:t>the </a:t>
+            </a:r>
+            <a:r>
+              <a:rPr b="0" lang="en-US" sz="4400" spc="-1" strike="noStrike">
+                <a:latin typeface="Arial"/>
+              </a:rPr>
+              <a:t>titl</a:t>
+            </a:r>
+            <a:r>
+              <a:rPr b="0" lang="en-US" sz="4400" spc="-1" strike="noStrike">
+                <a:latin typeface="Arial"/>
+              </a:rPr>
+              <a:t>e </a:t>
+            </a:r>
+            <a:r>
+              <a:rPr b="0" lang="en-US" sz="4400" spc="-1" strike="noStrike">
+                <a:latin typeface="Arial"/>
+              </a:rPr>
+              <a:t>tex</a:t>
+            </a:r>
+            <a:r>
+              <a:rPr b="0" lang="en-US" sz="4400" spc="-1" strike="noStrike">
+                <a:latin typeface="Arial"/>
+              </a:rPr>
+              <a:t>t </a:t>
+            </a:r>
+            <a:r>
+              <a:rPr b="0" lang="en-US" sz="4400" spc="-1" strike="noStrike">
+                <a:latin typeface="Arial"/>
+              </a:rPr>
+              <a:t>for</a:t>
+            </a:r>
+            <a:r>
+              <a:rPr b="0" lang="en-US" sz="4400" spc="-1" strike="noStrike">
+                <a:latin typeface="Arial"/>
+              </a:rPr>
+              <a:t>ma</a:t>
+            </a:r>
+            <a:r>
+              <a:rPr b="0" lang="en-US" sz="4400" spc="-1" strike="noStrike">
+                <a:latin typeface="Arial"/>
+              </a:rPr>
+              <a:t>t</a:t>
             </a:r>
             <a:endParaRPr b="0" lang="en-US" sz="4400" spc="-1" strike="noStrike">
               <a:latin typeface="Arial"/>
@@ -4781,7 +6270,7 @@
         <p:spPr>
           <a:xfrm>
             <a:off x="0" y="0"/>
-            <a:ext cx="12191760" cy="648720"/>
+            <a:ext cx="12191400" cy="648360"/>
           </a:xfrm>
           <a:prstGeom prst="rect">
             <a:avLst/>
@@ -4812,7 +6301,7 @@
         <p:spPr>
           <a:xfrm>
             <a:off x="10876680" y="129600"/>
-            <a:ext cx="1314720" cy="507240"/>
+            <a:ext cx="1314360" cy="506880"/>
           </a:xfrm>
           <a:prstGeom prst="rect">
             <a:avLst/>
@@ -4843,7 +6332,7 @@
         <p:spPr>
           <a:xfrm>
             <a:off x="86760" y="6422040"/>
-            <a:ext cx="1063440" cy="401040"/>
+            <a:ext cx="1063080" cy="400680"/>
           </a:xfrm>
           <a:prstGeom prst="rect">
             <a:avLst/>
@@ -4877,8 +6366,8 @@
         </p:nvSpPr>
         <p:spPr>
           <a:xfrm>
-            <a:off x="4164120" y="2863800"/>
-            <a:ext cx="3863160" cy="1122480"/>
+            <a:off x="609480" y="273600"/>
+            <a:ext cx="10972440" cy="1144800"/>
           </a:xfrm>
           <a:prstGeom prst="rect">
             <a:avLst/>
@@ -4887,20 +6376,87 @@
         <p:txBody>
           <a:bodyPr lIns="0" rIns="0" tIns="0" bIns="0" anchor="ctr"/>
           <a:p>
-            <a:r>
-              <a:rPr b="0" lang="en-US" sz="1800" spc="-1" strike="noStrike">
-                <a:solidFill>
-                  <a:srgbClr val="000000"/>
-                </a:solidFill>
-                <a:latin typeface="Calibri"/>
-              </a:rPr>
-              <a:t>Click to edit the title text format</a:t>
-            </a:r>
-            <a:endParaRPr b="0" lang="en-US" sz="1800" spc="-1" strike="noStrike">
-              <a:solidFill>
-                <a:srgbClr val="000000"/>
-              </a:solidFill>
-              <a:latin typeface="Calibri"/>
+            <a:pPr algn="ctr"/>
+            <a:r>
+              <a:rPr b="0" lang="en-US" sz="4400" spc="-1" strike="noStrike">
+                <a:latin typeface="Arial"/>
+              </a:rPr>
+              <a:t>Cli</a:t>
+            </a:r>
+            <a:r>
+              <a:rPr b="0" lang="en-US" sz="4400" spc="-1" strike="noStrike">
+                <a:latin typeface="Arial"/>
+              </a:rPr>
+              <a:t>ck </a:t>
+            </a:r>
+            <a:r>
+              <a:rPr b="0" lang="en-US" sz="4400" spc="-1" strike="noStrike">
+                <a:latin typeface="Arial"/>
+              </a:rPr>
+              <a:t>to </a:t>
+            </a:r>
+            <a:r>
+              <a:rPr b="0" lang="en-US" sz="4400" spc="-1" strike="noStrike">
+                <a:latin typeface="Arial"/>
+              </a:rPr>
+              <a:t>edi</a:t>
+            </a:r>
+            <a:r>
+              <a:rPr b="0" lang="en-US" sz="4400" spc="-1" strike="noStrike">
+                <a:latin typeface="Arial"/>
+              </a:rPr>
+              <a:t>t </a:t>
+            </a:r>
+            <a:r>
+              <a:rPr b="0" lang="en-US" sz="4400" spc="-1" strike="noStrike">
+                <a:latin typeface="Arial"/>
+              </a:rPr>
+              <a:t>the </a:t>
+            </a:r>
+            <a:r>
+              <a:rPr b="0" lang="en-US" sz="4400" spc="-1" strike="noStrike">
+                <a:latin typeface="Arial"/>
+              </a:rPr>
+              <a:t>titl</a:t>
+            </a:r>
+            <a:r>
+              <a:rPr b="0" lang="en-US" sz="4400" spc="-1" strike="noStrike">
+                <a:latin typeface="Arial"/>
+              </a:rPr>
+              <a:t>e </a:t>
+            </a:r>
+            <a:r>
+              <a:rPr b="0" lang="en-US" sz="4400" spc="-1" strike="noStrike">
+                <a:latin typeface="Arial"/>
+              </a:rPr>
+              <a:t>tex</a:t>
+            </a:r>
+            <a:r>
+              <a:rPr b="0" lang="en-US" sz="4400" spc="-1" strike="noStrike">
+                <a:latin typeface="Arial"/>
+              </a:rPr>
+              <a:t>t </a:t>
+            </a:r>
+            <a:r>
+              <a:rPr b="0" lang="en-US" sz="4400" spc="-1" strike="noStrike">
+                <a:latin typeface="Arial"/>
+              </a:rPr>
+              <a:t>for</a:t>
+            </a:r>
+            <a:r>
+              <a:rPr b="0" lang="en-US" sz="4400" spc="-1" strike="noStrike">
+                <a:latin typeface="Arial"/>
+              </a:rPr>
+              <a:t>ma</a:t>
+            </a:r>
+            <a:r>
+              <a:rPr b="0" lang="en-US" sz="4400" spc="-1" strike="noStrike">
+                <a:latin typeface="Arial"/>
+              </a:rPr>
+              <a:t>t</a:t>
+            </a:r>
+            <a:endParaRPr b="0" lang="en-US" sz="4400" spc="-1" strike="noStrike">
+              <a:latin typeface="Arial"/>
             </a:endParaRPr>
           </a:p>
         </p:txBody>
@@ -4917,8 +6473,8 @@
         </p:nvSpPr>
         <p:spPr>
           <a:xfrm>
-            <a:off x="453240" y="1121040"/>
-            <a:ext cx="11284920" cy="2763000"/>
+            <a:off x="609480" y="1604520"/>
+            <a:ext cx="10972440" cy="3977280"/>
           </a:xfrm>
           <a:prstGeom prst="rect">
             <a:avLst/>
@@ -4941,19 +6497,13 @@
               <a:buChar char=""/>
             </a:pPr>
             <a:r>
-              <a:rPr b="0" lang="en-US" sz="1800" spc="-1" strike="noStrike">
-                <a:solidFill>
-                  <a:srgbClr val="000000"/>
-                </a:solidFill>
-                <a:latin typeface="Calibri"/>
+              <a:rPr b="0" lang="en-US" sz="3200" spc="-1" strike="noStrike">
+                <a:latin typeface="Arial"/>
               </a:rPr>
               <a:t>Click to edit the outline text format</a:t>
             </a:r>
-            <a:endParaRPr b="0" lang="en-US" sz="1800" spc="-1" strike="noStrike">
-              <a:solidFill>
-                <a:srgbClr val="000000"/>
-              </a:solidFill>
-              <a:latin typeface="Calibri"/>
+            <a:endParaRPr b="0" lang="en-US" sz="3200" spc="-1" strike="noStrike">
+              <a:latin typeface="Arial"/>
             </a:endParaRPr>
           </a:p>
           <a:p>
@@ -4969,19 +6519,13 @@
               <a:buChar char=""/>
             </a:pPr>
             <a:r>
-              <a:rPr b="0" lang="en-US" sz="1800" spc="-1" strike="noStrike">
-                <a:solidFill>
-                  <a:srgbClr val="000000"/>
-                </a:solidFill>
-                <a:latin typeface="Calibri"/>
+              <a:rPr b="0" lang="en-US" sz="2800" spc="-1" strike="noStrike">
+                <a:latin typeface="Arial"/>
               </a:rPr>
               <a:t>Second Outline Level</a:t>
             </a:r>
-            <a:endParaRPr b="0" lang="en-US" sz="1800" spc="-1" strike="noStrike">
-              <a:solidFill>
-                <a:srgbClr val="000000"/>
-              </a:solidFill>
-              <a:latin typeface="Calibri"/>
+            <a:endParaRPr b="0" lang="en-US" sz="2800" spc="-1" strike="noStrike">
+              <a:latin typeface="Arial"/>
             </a:endParaRPr>
           </a:p>
           <a:p>
@@ -4997,19 +6541,13 @@
               <a:buChar char=""/>
             </a:pPr>
             <a:r>
-              <a:rPr b="0" lang="en-US" sz="1800" spc="-1" strike="noStrike">
-                <a:solidFill>
-                  <a:srgbClr val="000000"/>
-                </a:solidFill>
-                <a:latin typeface="Calibri"/>
+              <a:rPr b="0" lang="en-US" sz="2400" spc="-1" strike="noStrike">
+                <a:latin typeface="Arial"/>
               </a:rPr>
               <a:t>Third Outline Level</a:t>
             </a:r>
-            <a:endParaRPr b="0" lang="en-US" sz="1800" spc="-1" strike="noStrike">
-              <a:solidFill>
-                <a:srgbClr val="000000"/>
-              </a:solidFill>
-              <a:latin typeface="Calibri"/>
+            <a:endParaRPr b="0" lang="en-US" sz="2400" spc="-1" strike="noStrike">
+              <a:latin typeface="Arial"/>
             </a:endParaRPr>
           </a:p>
           <a:p>
@@ -5025,19 +6563,13 @@
               <a:buChar char=""/>
             </a:pPr>
             <a:r>
-              <a:rPr b="0" lang="en-US" sz="1800" spc="-1" strike="noStrike">
-                <a:solidFill>
-                  <a:srgbClr val="000000"/>
-                </a:solidFill>
-                <a:latin typeface="Calibri"/>
+              <a:rPr b="0" lang="en-US" sz="2000" spc="-1" strike="noStrike">
+                <a:latin typeface="Arial"/>
               </a:rPr>
               <a:t>Fourth Outline Level</a:t>
             </a:r>
-            <a:endParaRPr b="0" lang="en-US" sz="1800" spc="-1" strike="noStrike">
-              <a:solidFill>
-                <a:srgbClr val="000000"/>
-              </a:solidFill>
-              <a:latin typeface="Calibri"/>
+            <a:endParaRPr b="0" lang="en-US" sz="2000" spc="-1" strike="noStrike">
+              <a:latin typeface="Arial"/>
             </a:endParaRPr>
           </a:p>
           <a:p>
@@ -5054,18 +6586,12 @@
             </a:pPr>
             <a:r>
               <a:rPr b="0" lang="en-US" sz="2000" spc="-1" strike="noStrike">
-                <a:solidFill>
-                  <a:srgbClr val="000000"/>
-                </a:solidFill>
-                <a:latin typeface="Calibri"/>
+                <a:latin typeface="Arial"/>
               </a:rPr>
               <a:t>Fifth Outline Level</a:t>
             </a:r>
             <a:endParaRPr b="0" lang="en-US" sz="2000" spc="-1" strike="noStrike">
-              <a:solidFill>
-                <a:srgbClr val="000000"/>
-              </a:solidFill>
-              <a:latin typeface="Calibri"/>
+              <a:latin typeface="Arial"/>
             </a:endParaRPr>
           </a:p>
           <a:p>
@@ -5082,18 +6608,12 @@
             </a:pPr>
             <a:r>
               <a:rPr b="0" lang="en-US" sz="2000" spc="-1" strike="noStrike">
-                <a:solidFill>
-                  <a:srgbClr val="000000"/>
-                </a:solidFill>
-                <a:latin typeface="Calibri"/>
+                <a:latin typeface="Arial"/>
               </a:rPr>
               <a:t>Sixth Outline Level</a:t>
             </a:r>
             <a:endParaRPr b="0" lang="en-US" sz="2000" spc="-1" strike="noStrike">
-              <a:solidFill>
-                <a:srgbClr val="000000"/>
-              </a:solidFill>
-              <a:latin typeface="Calibri"/>
+              <a:latin typeface="Arial"/>
             </a:endParaRPr>
           </a:p>
           <a:p>
@@ -5110,130 +6630,12 @@
             </a:pPr>
             <a:r>
               <a:rPr b="0" lang="en-US" sz="2000" spc="-1" strike="noStrike">
-                <a:solidFill>
-                  <a:srgbClr val="000000"/>
-                </a:solidFill>
-                <a:latin typeface="Calibri"/>
+                <a:latin typeface="Arial"/>
               </a:rPr>
               <a:t>Seventh Outline Level</a:t>
             </a:r>
             <a:endParaRPr b="0" lang="en-US" sz="2000" spc="-1" strike="noStrike">
-              <a:solidFill>
-                <a:srgbClr val="000000"/>
-              </a:solidFill>
-              <a:latin typeface="Calibri"/>
-            </a:endParaRPr>
-          </a:p>
-        </p:txBody>
-      </p:sp>
-      <p:sp>
-        <p:nvSpPr>
-          <p:cNvPr id="87" name="PlaceHolder 6"/>
-          <p:cNvSpPr>
-            <a:spLocks noGrp="1"/>
-          </p:cNvSpPr>
-          <p:nvPr>
-            <p:ph type="ftr"/>
-          </p:nvPr>
-        </p:nvSpPr>
-        <p:spPr>
-          <a:xfrm>
-            <a:off x="4145400" y="6378120"/>
-            <a:ext cx="3900960" cy="342720"/>
-          </a:xfrm>
-          <a:prstGeom prst="rect">
-            <a:avLst/>
-          </a:prstGeom>
-        </p:spPr>
-        <p:txBody>
-          <a:bodyPr lIns="0" rIns="0" tIns="0" bIns="0"/>
-          <a:p>
-            <a:endParaRPr b="0" lang="en-US" sz="2400" spc="-1" strike="noStrike">
-              <a:latin typeface="Times New Roman"/>
-            </a:endParaRPr>
-          </a:p>
-        </p:txBody>
-      </p:sp>
-      <p:sp>
-        <p:nvSpPr>
-          <p:cNvPr id="88" name="PlaceHolder 7"/>
-          <p:cNvSpPr>
-            <a:spLocks noGrp="1"/>
-          </p:cNvSpPr>
-          <p:nvPr>
-            <p:ph type="dt"/>
-          </p:nvPr>
-        </p:nvSpPr>
-        <p:spPr>
-          <a:xfrm>
-            <a:off x="609480" y="6378120"/>
-            <a:ext cx="2803680" cy="342720"/>
-          </a:xfrm>
-          <a:prstGeom prst="rect">
-            <a:avLst/>
-          </a:prstGeom>
-        </p:spPr>
-        <p:txBody>
-          <a:bodyPr lIns="0" rIns="0" tIns="0" bIns="0"/>
-          <a:p>
-            <a:pPr>
-              <a:lnSpc>
-                <a:spcPct val="100000"/>
-              </a:lnSpc>
-            </a:pPr>
-            <a:fld id="{C5A89917-E950-4366-BCF6-77FE8BE3D07F}" type="datetime">
-              <a:rPr b="0" lang="en-US" sz="1800" spc="-1" strike="noStrike">
-                <a:solidFill>
-                  <a:srgbClr val="b2b2b2"/>
-                </a:solidFill>
-                <a:latin typeface="Calibri"/>
-              </a:rPr>
-              <a:t>1/30/19</a:t>
-            </a:fld>
-            <a:endParaRPr b="0" lang="en-US" sz="1800" spc="-1" strike="noStrike">
-              <a:latin typeface="Times New Roman"/>
-            </a:endParaRPr>
-          </a:p>
-        </p:txBody>
-      </p:sp>
-      <p:sp>
-        <p:nvSpPr>
-          <p:cNvPr id="89" name="PlaceHolder 8"/>
-          <p:cNvSpPr>
-            <a:spLocks noGrp="1"/>
-          </p:cNvSpPr>
-          <p:nvPr>
-            <p:ph type="sldNum"/>
-          </p:nvPr>
-        </p:nvSpPr>
-        <p:spPr>
-          <a:xfrm>
-            <a:off x="11545560" y="6601680"/>
-            <a:ext cx="205920" cy="178200"/>
-          </a:xfrm>
-          <a:prstGeom prst="rect">
-            <a:avLst/>
-          </a:prstGeom>
-        </p:spPr>
-        <p:txBody>
-          <a:bodyPr lIns="0" rIns="0" tIns="0" bIns="0"/>
-          <a:p>
-            <a:pPr marL="25560">
-              <a:lnSpc>
-                <a:spcPts val="1239"/>
-              </a:lnSpc>
-            </a:pPr>
-            <a:fld id="{AFA37B6E-2ED5-4CA9-BB9A-816E3DCD7514}" type="slidenum">
-              <a:rPr b="0" lang="en-US" sz="1200" spc="-58" strike="noStrike">
-                <a:solidFill>
-                  <a:srgbClr val="000000"/>
-                </a:solidFill>
-                <a:latin typeface="Arial"/>
-              </a:rPr>
-              <a:t>1</a:t>
-            </a:fld>
-            <a:endParaRPr b="0" lang="en-US" sz="1200" spc="-1" strike="noStrike">
-              <a:latin typeface="Times New Roman"/>
+              <a:latin typeface="Arial"/>
             </a:endParaRPr>
           </a:p>
         </p:txBody>
@@ -5254,6 +6656,429 @@
     <p:sldLayoutId id="2147483684" r:id="rId14"/>
     <p:sldLayoutId id="2147483685" r:id="rId15"/>
     <p:sldLayoutId id="2147483686" r:id="rId16"/>
+  </p:sldLayoutIdLst>
+</p:sldMaster>
+</file>
+
+<file path=ppt/slideMasters/slideMaster4.xml><?xml version="1.0" encoding="utf-8"?>
+<p:sldMaster xmlns:a="http://schemas.openxmlformats.org/drawingml/2006/main" xmlns:p="http://schemas.openxmlformats.org/presentationml/2006/main" xmlns:r="http://schemas.openxmlformats.org/officeDocument/2006/relationships" xmlns:p14="http://schemas.microsoft.com/office/powerpoint/2010/main" xmlns:p15="http://schemas.microsoft.com/office/powerpoint/2012/main" xmlns:mc="http://schemas.openxmlformats.org/markup-compatibility/2006">
+  <p:cSld>
+    <p:bg>
+      <p:bgPr>
+        <a:solidFill>
+          <a:srgbClr val="ffffff"/>
+        </a:solidFill>
+      </p:bgPr>
+    </p:bg>
+    <p:spTree>
+      <p:nvGrpSpPr>
+        <p:cNvPr id="1" name=""/>
+        <p:cNvGrpSpPr/>
+        <p:nvPr/>
+      </p:nvGrpSpPr>
+      <p:grpSpPr>
+        <a:xfrm>
+          <a:off x="0" y="0"/>
+          <a:ext cx="0" cy="0"/>
+          <a:chOff x="0" y="0"/>
+          <a:chExt cx="0" cy="0"/>
+        </a:xfrm>
+      </p:grpSpPr>
+      <p:sp>
+        <p:nvSpPr>
+          <p:cNvPr id="123" name="CustomShape 1"/>
+          <p:cNvSpPr/>
+          <p:nvPr/>
+        </p:nvSpPr>
+        <p:spPr>
+          <a:xfrm>
+            <a:off x="0" y="0"/>
+            <a:ext cx="12190680" cy="647640"/>
+          </a:xfrm>
+          <a:prstGeom prst="rect">
+            <a:avLst/>
+          </a:prstGeom>
+          <a:blipFill rotWithShape="0">
+            <a:blip r:embed="rId2"/>
+            <a:stretch>
+              <a:fillRect/>
+            </a:stretch>
+          </a:blipFill>
+          <a:ln>
+            <a:noFill/>
+          </a:ln>
+        </p:spPr>
+        <p:style>
+          <a:lnRef idx="0"/>
+          <a:fillRef idx="0"/>
+          <a:effectRef idx="0"/>
+          <a:fontRef idx="minor"/>
+        </p:style>
+      </p:sp>
+      <p:sp>
+        <p:nvSpPr>
+          <p:cNvPr id="124" name="CustomShape 2"/>
+          <p:cNvSpPr/>
+          <p:nvPr/>
+        </p:nvSpPr>
+        <p:spPr>
+          <a:xfrm>
+            <a:off x="10876680" y="129600"/>
+            <a:ext cx="1313640" cy="506160"/>
+          </a:xfrm>
+          <a:prstGeom prst="rect">
+            <a:avLst/>
+          </a:prstGeom>
+          <a:blipFill rotWithShape="0">
+            <a:blip r:embed="rId3"/>
+            <a:stretch>
+              <a:fillRect/>
+            </a:stretch>
+          </a:blipFill>
+          <a:ln>
+            <a:noFill/>
+          </a:ln>
+        </p:spPr>
+        <p:style>
+          <a:lnRef idx="0"/>
+          <a:fillRef idx="0"/>
+          <a:effectRef idx="0"/>
+          <a:fontRef idx="minor"/>
+        </p:style>
+      </p:sp>
+      <p:sp>
+        <p:nvSpPr>
+          <p:cNvPr id="125" name="CustomShape 3"/>
+          <p:cNvSpPr/>
+          <p:nvPr/>
+        </p:nvSpPr>
+        <p:spPr>
+          <a:xfrm>
+            <a:off x="86760" y="6422040"/>
+            <a:ext cx="1062360" cy="399960"/>
+          </a:xfrm>
+          <a:prstGeom prst="rect">
+            <a:avLst/>
+          </a:prstGeom>
+          <a:blipFill rotWithShape="0">
+            <a:blip r:embed="rId4"/>
+            <a:stretch>
+              <a:fillRect/>
+            </a:stretch>
+          </a:blipFill>
+          <a:ln>
+            <a:noFill/>
+          </a:ln>
+        </p:spPr>
+        <p:style>
+          <a:lnRef idx="0"/>
+          <a:fillRef idx="0"/>
+          <a:effectRef idx="0"/>
+          <a:fontRef idx="minor"/>
+        </p:style>
+      </p:sp>
+      <p:sp>
+        <p:nvSpPr>
+          <p:cNvPr id="126" name="PlaceHolder 4"/>
+          <p:cNvSpPr>
+            <a:spLocks noGrp="1"/>
+          </p:cNvSpPr>
+          <p:nvPr>
+            <p:ph type="title"/>
+          </p:nvPr>
+        </p:nvSpPr>
+        <p:spPr>
+          <a:xfrm>
+            <a:off x="609480" y="273600"/>
+            <a:ext cx="10972440" cy="1144800"/>
+          </a:xfrm>
+          <a:prstGeom prst="rect">
+            <a:avLst/>
+          </a:prstGeom>
+        </p:spPr>
+        <p:txBody>
+          <a:bodyPr lIns="0" rIns="0" tIns="0" bIns="0" anchor="ctr"/>
+          <a:p>
+            <a:pPr algn="ctr"/>
+            <a:r>
+              <a:rPr b="0" lang="en-US" sz="4400" spc="-1" strike="noStrike">
+                <a:latin typeface="Arial"/>
+              </a:rPr>
+              <a:t>Cli</a:t>
+            </a:r>
+            <a:r>
+              <a:rPr b="0" lang="en-US" sz="4400" spc="-1" strike="noStrike">
+                <a:latin typeface="Arial"/>
+              </a:rPr>
+              <a:t>ck </a:t>
+            </a:r>
+            <a:r>
+              <a:rPr b="0" lang="en-US" sz="4400" spc="-1" strike="noStrike">
+                <a:latin typeface="Arial"/>
+              </a:rPr>
+              <a:t>to </a:t>
+            </a:r>
+            <a:r>
+              <a:rPr b="0" lang="en-US" sz="4400" spc="-1" strike="noStrike">
+                <a:latin typeface="Arial"/>
+              </a:rPr>
+              <a:t>edi</a:t>
+            </a:r>
+            <a:r>
+              <a:rPr b="0" lang="en-US" sz="4400" spc="-1" strike="noStrike">
+                <a:latin typeface="Arial"/>
+              </a:rPr>
+              <a:t>t </a:t>
+            </a:r>
+            <a:r>
+              <a:rPr b="0" lang="en-US" sz="4400" spc="-1" strike="noStrike">
+                <a:latin typeface="Arial"/>
+              </a:rPr>
+              <a:t>the </a:t>
+            </a:r>
+            <a:r>
+              <a:rPr b="0" lang="en-US" sz="4400" spc="-1" strike="noStrike">
+                <a:latin typeface="Arial"/>
+              </a:rPr>
+              <a:t>titl</a:t>
+            </a:r>
+            <a:r>
+              <a:rPr b="0" lang="en-US" sz="4400" spc="-1" strike="noStrike">
+                <a:latin typeface="Arial"/>
+              </a:rPr>
+              <a:t>e </a:t>
+            </a:r>
+            <a:r>
+              <a:rPr b="0" lang="en-US" sz="4400" spc="-1" strike="noStrike">
+                <a:latin typeface="Arial"/>
+              </a:rPr>
+              <a:t>tex</a:t>
+            </a:r>
+            <a:r>
+              <a:rPr b="0" lang="en-US" sz="4400" spc="-1" strike="noStrike">
+                <a:latin typeface="Arial"/>
+              </a:rPr>
+              <a:t>t </a:t>
+            </a:r>
+            <a:r>
+              <a:rPr b="0" lang="en-US" sz="4400" spc="-1" strike="noStrike">
+                <a:latin typeface="Arial"/>
+              </a:rPr>
+              <a:t>for</a:t>
+            </a:r>
+            <a:r>
+              <a:rPr b="0" lang="en-US" sz="4400" spc="-1" strike="noStrike">
+                <a:latin typeface="Arial"/>
+              </a:rPr>
+              <a:t>ma</a:t>
+            </a:r>
+            <a:r>
+              <a:rPr b="0" lang="en-US" sz="4400" spc="-1" strike="noStrike">
+                <a:latin typeface="Arial"/>
+              </a:rPr>
+              <a:t>t</a:t>
+            </a:r>
+            <a:endParaRPr b="0" lang="en-US" sz="4400" spc="-1" strike="noStrike">
+              <a:latin typeface="Arial"/>
+            </a:endParaRPr>
+          </a:p>
+        </p:txBody>
+      </p:sp>
+      <p:sp>
+        <p:nvSpPr>
+          <p:cNvPr id="127" name="PlaceHolder 5"/>
+          <p:cNvSpPr>
+            <a:spLocks noGrp="1"/>
+          </p:cNvSpPr>
+          <p:nvPr>
+            <p:ph type="body"/>
+          </p:nvPr>
+        </p:nvSpPr>
+        <p:spPr>
+          <a:xfrm>
+            <a:off x="609480" y="1604520"/>
+            <a:ext cx="10972440" cy="3977280"/>
+          </a:xfrm>
+          <a:prstGeom prst="rect">
+            <a:avLst/>
+          </a:prstGeom>
+        </p:spPr>
+        <p:txBody>
+          <a:bodyPr lIns="0" rIns="0" tIns="0" bIns="0">
+            <a:normAutofit/>
+          </a:bodyPr>
+          <a:p>
+            <a:pPr marL="432000" indent="-324000">
+              <a:spcBef>
+                <a:spcPts val="1417"/>
+              </a:spcBef>
+              <a:buClr>
+                <a:srgbClr val="000000"/>
+              </a:buClr>
+              <a:buSzPct val="45000"/>
+              <a:buFont typeface="Wingdings" charset="2"/>
+              <a:buChar char=""/>
+            </a:pPr>
+            <a:r>
+              <a:rPr b="0" lang="en-US" sz="3200" spc="-1" strike="noStrike">
+                <a:latin typeface="Arial"/>
+              </a:rPr>
+              <a:t>Click to edit the outline text format</a:t>
+            </a:r>
+            <a:endParaRPr b="0" lang="en-US" sz="3200" spc="-1" strike="noStrike">
+              <a:latin typeface="Arial"/>
+            </a:endParaRPr>
+          </a:p>
+          <a:p>
+            <a:pPr lvl="1" marL="864000" indent="-324000">
+              <a:spcBef>
+                <a:spcPts val="1134"/>
+              </a:spcBef>
+              <a:buClr>
+                <a:srgbClr val="000000"/>
+              </a:buClr>
+              <a:buSzPct val="75000"/>
+              <a:buFont typeface="Symbol" charset="2"/>
+              <a:buChar char=""/>
+            </a:pPr>
+            <a:r>
+              <a:rPr b="0" lang="en-US" sz="2800" spc="-1" strike="noStrike">
+                <a:latin typeface="Arial"/>
+              </a:rPr>
+              <a:t>Second Outline Level</a:t>
+            </a:r>
+            <a:endParaRPr b="0" lang="en-US" sz="2800" spc="-1" strike="noStrike">
+              <a:latin typeface="Arial"/>
+            </a:endParaRPr>
+          </a:p>
+          <a:p>
+            <a:pPr lvl="2" marL="1296000" indent="-288000">
+              <a:spcBef>
+                <a:spcPts val="850"/>
+              </a:spcBef>
+              <a:buClr>
+                <a:srgbClr val="000000"/>
+              </a:buClr>
+              <a:buSzPct val="45000"/>
+              <a:buFont typeface="Wingdings" charset="2"/>
+              <a:buChar char=""/>
+            </a:pPr>
+            <a:r>
+              <a:rPr b="0" lang="en-US" sz="2400" spc="-1" strike="noStrike">
+                <a:latin typeface="Arial"/>
+              </a:rPr>
+              <a:t>Third Outline Level</a:t>
+            </a:r>
+            <a:endParaRPr b="0" lang="en-US" sz="2400" spc="-1" strike="noStrike">
+              <a:latin typeface="Arial"/>
+            </a:endParaRPr>
+          </a:p>
+          <a:p>
+            <a:pPr lvl="3" marL="1728000" indent="-216000">
+              <a:spcBef>
+                <a:spcPts val="567"/>
+              </a:spcBef>
+              <a:buClr>
+                <a:srgbClr val="000000"/>
+              </a:buClr>
+              <a:buSzPct val="75000"/>
+              <a:buFont typeface="Symbol" charset="2"/>
+              <a:buChar char=""/>
+            </a:pPr>
+            <a:r>
+              <a:rPr b="0" lang="en-US" sz="2000" spc="-1" strike="noStrike">
+                <a:latin typeface="Arial"/>
+              </a:rPr>
+              <a:t>Fourth Outline Level</a:t>
+            </a:r>
+            <a:endParaRPr b="0" lang="en-US" sz="2000" spc="-1" strike="noStrike">
+              <a:latin typeface="Arial"/>
+            </a:endParaRPr>
+          </a:p>
+          <a:p>
+            <a:pPr lvl="4" marL="2160000" indent="-216000">
+              <a:spcBef>
+                <a:spcPts val="283"/>
+              </a:spcBef>
+              <a:buClr>
+                <a:srgbClr val="000000"/>
+              </a:buClr>
+              <a:buSzPct val="45000"/>
+              <a:buFont typeface="Wingdings" charset="2"/>
+              <a:buChar char=""/>
+            </a:pPr>
+            <a:r>
+              <a:rPr b="0" lang="en-US" sz="2000" spc="-1" strike="noStrike">
+                <a:latin typeface="Arial"/>
+              </a:rPr>
+              <a:t>Fifth Outline Level</a:t>
+            </a:r>
+            <a:endParaRPr b="0" lang="en-US" sz="2000" spc="-1" strike="noStrike">
+              <a:latin typeface="Arial"/>
+            </a:endParaRPr>
+          </a:p>
+          <a:p>
+            <a:pPr lvl="5" marL="2592000" indent="-216000">
+              <a:spcBef>
+                <a:spcPts val="283"/>
+              </a:spcBef>
+              <a:buClr>
+                <a:srgbClr val="000000"/>
+              </a:buClr>
+              <a:buSzPct val="45000"/>
+              <a:buFont typeface="Wingdings" charset="2"/>
+              <a:buChar char=""/>
+            </a:pPr>
+            <a:r>
+              <a:rPr b="0" lang="en-US" sz="2000" spc="-1" strike="noStrike">
+                <a:latin typeface="Arial"/>
+              </a:rPr>
+              <a:t>Sixth Outline Level</a:t>
+            </a:r>
+            <a:endParaRPr b="0" lang="en-US" sz="2000" spc="-1" strike="noStrike">
+              <a:latin typeface="Arial"/>
+            </a:endParaRPr>
+          </a:p>
+          <a:p>
+            <a:pPr lvl="6" marL="3024000" indent="-216000">
+              <a:spcBef>
+                <a:spcPts val="283"/>
+              </a:spcBef>
+              <a:buClr>
+                <a:srgbClr val="000000"/>
+              </a:buClr>
+              <a:buSzPct val="45000"/>
+              <a:buFont typeface="Wingdings" charset="2"/>
+              <a:buChar char=""/>
+            </a:pPr>
+            <a:r>
+              <a:rPr b="0" lang="en-US" sz="2000" spc="-1" strike="noStrike">
+                <a:latin typeface="Arial"/>
+              </a:rPr>
+              <a:t>Seventh Outline Level</a:t>
+            </a:r>
+            <a:endParaRPr b="0" lang="en-US" sz="2000" spc="-1" strike="noStrike">
+              <a:latin typeface="Arial"/>
+            </a:endParaRPr>
+          </a:p>
+        </p:txBody>
+      </p:sp>
+    </p:spTree>
+  </p:cSld>
+  <p:clrMap bg1="lt1" bg2="lt2" tx1="dk1" tx2="dk2" accent1="accent1" accent2="accent2" accent3="accent3" accent4="accent4" accent5="accent5" accent6="accent6" hlink="hlink" folHlink="folHlink"/>
+  <p:sldLayoutIdLst>
+    <p:sldLayoutId id="2147483688" r:id="rId5"/>
+    <p:sldLayoutId id="2147483689" r:id="rId6"/>
+    <p:sldLayoutId id="2147483690" r:id="rId7"/>
+    <p:sldLayoutId id="2147483691" r:id="rId8"/>
+    <p:sldLayoutId id="2147483692" r:id="rId9"/>
+    <p:sldLayoutId id="2147483693" r:id="rId10"/>
+    <p:sldLayoutId id="2147483694" r:id="rId11"/>
+    <p:sldLayoutId id="2147483695" r:id="rId12"/>
+    <p:sldLayoutId id="2147483696" r:id="rId13"/>
+    <p:sldLayoutId id="2147483697" r:id="rId14"/>
+    <p:sldLayoutId id="2147483698" r:id="rId15"/>
+    <p:sldLayoutId id="2147483699" r:id="rId16"/>
   </p:sldLayoutIdLst>
 </p:sldMaster>
 </file>
@@ -5277,14 +7102,14 @@
       </p:grpSpPr>
       <p:sp>
         <p:nvSpPr>
-          <p:cNvPr id="126" name="CustomShape 1"/>
+          <p:cNvPr id="164" name="CustomShape 1"/>
           <p:cNvSpPr/>
           <p:nvPr/>
         </p:nvSpPr>
         <p:spPr>
           <a:xfrm>
             <a:off x="24480" y="25920"/>
-            <a:ext cx="3305880" cy="1236600"/>
+            <a:ext cx="3305520" cy="1236240"/>
           </a:xfrm>
           <a:prstGeom prst="rect">
             <a:avLst/>
@@ -5308,14 +7133,14 @@
       </p:sp>
       <p:sp>
         <p:nvSpPr>
-          <p:cNvPr id="127" name="CustomShape 2"/>
+          <p:cNvPr id="165" name="CustomShape 2"/>
           <p:cNvSpPr/>
           <p:nvPr/>
         </p:nvSpPr>
         <p:spPr>
           <a:xfrm>
             <a:off x="9518760" y="0"/>
-            <a:ext cx="2671920" cy="1023120"/>
+            <a:ext cx="2671560" cy="1022760"/>
           </a:xfrm>
           <a:prstGeom prst="rect">
             <a:avLst/>
@@ -5339,14 +7164,14 @@
       </p:sp>
       <p:sp>
         <p:nvSpPr>
-          <p:cNvPr id="128" name="CustomShape 3"/>
+          <p:cNvPr id="166" name="CustomShape 3"/>
           <p:cNvSpPr/>
           <p:nvPr/>
         </p:nvSpPr>
         <p:spPr>
           <a:xfrm>
             <a:off x="1603080" y="2800080"/>
-            <a:ext cx="9186480" cy="1157040"/>
+            <a:ext cx="9186120" cy="1156680"/>
           </a:xfrm>
           <a:prstGeom prst="rect">
             <a:avLst/>
@@ -5391,14 +7216,14 @@
       </p:sp>
       <p:sp>
         <p:nvSpPr>
-          <p:cNvPr id="129" name="CustomShape 4"/>
+          <p:cNvPr id="167" name="CustomShape 4"/>
           <p:cNvSpPr/>
           <p:nvPr/>
         </p:nvSpPr>
         <p:spPr>
           <a:xfrm>
             <a:off x="1603080" y="4603320"/>
-            <a:ext cx="7646040" cy="1747080"/>
+            <a:ext cx="7645680" cy="1746720"/>
           </a:xfrm>
           <a:prstGeom prst="rect">
             <a:avLst/>
@@ -5426,7 +7251,7 @@
               </a:spcBef>
             </a:pPr>
             <a:r>
-              <a:rPr b="0" lang="en-US" sz="2400" spc="-97" strike="noStrike">
+              <a:rPr b="0" lang="en-US" sz="2400" spc="-94" strike="noStrike">
                 <a:solidFill>
                   <a:srgbClr val="000000"/>
                 </a:solidFill>
@@ -5436,7 +7261,7 @@
               <a:t>Group:</a:t>
             </a:r>
             <a:r>
-              <a:rPr b="0" lang="en-US" sz="2400" spc="-131" strike="noStrike">
+              <a:rPr b="0" lang="en-US" sz="2400" spc="-128" strike="noStrike">
                 <a:solidFill>
                   <a:srgbClr val="000000"/>
                 </a:solidFill>
@@ -5446,7 +7271,7 @@
               <a:t> </a:t>
             </a:r>
             <a:r>
-              <a:rPr b="1" lang="en-US" sz="2400" spc="-188" strike="noStrike">
+              <a:rPr b="1" lang="en-US" sz="2400" spc="-185" strike="noStrike">
                 <a:solidFill>
                   <a:srgbClr val="000000"/>
                 </a:solidFill>
@@ -5469,7 +7294,7 @@
               </a:spcBef>
             </a:pPr>
             <a:r>
-              <a:rPr b="0" lang="en-US" sz="2400" spc="-72" strike="noStrike">
+              <a:rPr b="0" lang="en-US" sz="2400" spc="-69" strike="noStrike">
                 <a:solidFill>
                   <a:srgbClr val="000000"/>
                 </a:solidFill>
@@ -5479,7 +7304,7 @@
               <a:t>Lecturer: </a:t>
             </a:r>
             <a:r>
-              <a:rPr b="0" lang="en-US" sz="2400" spc="-111" strike="noStrike">
+              <a:rPr b="0" lang="en-US" sz="2400" spc="-109" strike="noStrike">
                 <a:solidFill>
                   <a:srgbClr val="000000"/>
                 </a:solidFill>
@@ -5499,7 +7324,7 @@
               <a:t>Dr. </a:t>
             </a:r>
             <a:r>
-              <a:rPr b="0" lang="en-US" sz="2400" spc="-77" strike="noStrike">
+              <a:rPr b="0" lang="en-US" sz="2400" spc="-75" strike="noStrike">
                 <a:solidFill>
                   <a:srgbClr val="000000"/>
                 </a:solidFill>
@@ -5509,7 +7334,7 @@
               <a:t>Mohamed </a:t>
             </a:r>
             <a:r>
-              <a:rPr b="0" lang="en-US" sz="2400" spc="-92" strike="noStrike">
+              <a:rPr b="0" lang="en-US" sz="2400" spc="-89" strike="noStrike">
                 <a:solidFill>
                   <a:srgbClr val="000000"/>
                 </a:solidFill>
@@ -5519,7 +7344,7 @@
               <a:t>Amine</a:t>
             </a:r>
             <a:r>
-              <a:rPr b="0" lang="en-US" sz="2400" spc="-253" strike="noStrike">
+              <a:rPr b="0" lang="en-US" sz="2400" spc="-250" strike="noStrike">
                 <a:solidFill>
                   <a:srgbClr val="000000"/>
                 </a:solidFill>
@@ -5529,7 +7354,7 @@
               <a:t> </a:t>
             </a:r>
             <a:r>
-              <a:rPr b="0" lang="en-US" sz="2400" spc="-77" strike="noStrike">
+              <a:rPr b="0" lang="en-US" sz="2400" spc="-75" strike="noStrike">
                 <a:solidFill>
                   <a:srgbClr val="000000"/>
                 </a:solidFill>
@@ -5552,7 +7377,7 @@
               </a:spcBef>
             </a:pPr>
             <a:r>
-              <a:rPr b="0" lang="en-US" sz="2400" spc="-168" strike="noStrike">
+              <a:rPr b="0" lang="en-US" sz="2400" spc="-165" strike="noStrike">
                 <a:solidFill>
                   <a:srgbClr val="000000"/>
                 </a:solidFill>
@@ -5562,7 +7387,7 @@
               <a:t> </a:t>
             </a:r>
             <a:r>
-              <a:rPr b="0" lang="en-US" sz="2400" spc="-168" strike="noStrike">
+              <a:rPr b="0" lang="en-US" sz="2400" spc="-165" strike="noStrike">
                 <a:solidFill>
                   <a:srgbClr val="000000"/>
                 </a:solidFill>
@@ -5572,7 +7397,7 @@
               <a:t>Teaching </a:t>
             </a:r>
             <a:r>
-              <a:rPr b="0" lang="en-US" sz="2400" spc="-103" strike="noStrike">
+              <a:rPr b="0" lang="en-US" sz="2400" spc="-100" strike="noStrike">
                 <a:solidFill>
                   <a:srgbClr val="000000"/>
                 </a:solidFill>
@@ -5582,7 +7407,7 @@
               <a:t>Assistant:Arham </a:t>
             </a:r>
             <a:r>
-              <a:rPr b="0" lang="en-US" sz="2400" spc="-52" strike="noStrike">
+              <a:rPr b="0" lang="en-US" sz="2400" spc="-49" strike="noStrike">
                 <a:solidFill>
                   <a:srgbClr val="000000"/>
                 </a:solidFill>
@@ -5592,7 +7417,7 @@
               <a:t>Muslim,</a:t>
             </a:r>
             <a:r>
-              <a:rPr b="0" lang="en-US" sz="2400" spc="-111" strike="noStrike">
+              <a:rPr b="0" lang="en-US" sz="2400" spc="-109" strike="noStrike">
                 <a:solidFill>
                   <a:srgbClr val="000000"/>
                 </a:solidFill>
@@ -5602,7 +7427,7 @@
               <a:t> </a:t>
             </a:r>
             <a:r>
-              <a:rPr b="0" lang="en-US" sz="2400" spc="-148" strike="noStrike">
+              <a:rPr b="0" lang="en-US" sz="2400" spc="-145" strike="noStrike">
                 <a:solidFill>
                   <a:srgbClr val="000000"/>
                 </a:solidFill>
@@ -5668,14 +7493,14 @@
       </p:grpSpPr>
       <p:sp>
         <p:nvSpPr>
-          <p:cNvPr id="159" name="CustomShape 1"/>
+          <p:cNvPr id="197" name="CustomShape 1"/>
           <p:cNvSpPr/>
           <p:nvPr/>
         </p:nvSpPr>
         <p:spPr>
           <a:xfrm>
             <a:off x="453240" y="0"/>
-            <a:ext cx="9886320" cy="1156680"/>
+            <a:ext cx="9885960" cy="1156320"/>
           </a:xfrm>
           <a:prstGeom prst="rect">
             <a:avLst/>
@@ -5703,7 +7528,7 @@
               </a:spcBef>
             </a:pPr>
             <a:r>
-              <a:rPr b="0" lang="en-US" sz="4000" spc="-83" strike="noStrike">
+              <a:rPr b="0" lang="en-US" sz="4000" spc="-80" strike="noStrike">
                 <a:solidFill>
                   <a:srgbClr val="ffffff"/>
                 </a:solidFill>
@@ -5720,14 +7545,14 @@
       </p:sp>
       <p:sp>
         <p:nvSpPr>
-          <p:cNvPr id="160" name="CustomShape 2"/>
+          <p:cNvPr id="198" name="CustomShape 2"/>
           <p:cNvSpPr/>
           <p:nvPr/>
         </p:nvSpPr>
         <p:spPr>
           <a:xfrm>
             <a:off x="11545560" y="6601680"/>
-            <a:ext cx="205200" cy="3976920"/>
+            <a:ext cx="204840" cy="3976560"/>
           </a:xfrm>
           <a:prstGeom prst="rect">
             <a:avLst/>
@@ -5751,15 +7576,15 @@
                 <a:spcPts val="1239"/>
               </a:lnSpc>
             </a:pPr>
-            <a:fld id="{764A0770-0C6E-4C3C-9DA0-62304D1DDC18}" type="slidenum">
-              <a:rPr b="0" lang="en-US" sz="1200" spc="-52" strike="noStrike">
+            <a:fld id="{3E651D9B-A495-4BD9-A2B2-729E09D9F221}" type="slidenum">
+              <a:rPr b="0" lang="en-US" sz="1200" spc="-49" strike="noStrike">
                 <a:solidFill>
                   <a:srgbClr val="000000"/>
                 </a:solidFill>
                 <a:latin typeface="Arial"/>
                 <a:ea typeface="DejaVu Sans"/>
               </a:rPr>
-              <a:t>1</a:t>
+              <a:t>&lt;number&gt;</a:t>
             </a:fld>
             <a:endParaRPr b="0" lang="en-US" sz="1200" spc="-1" strike="noStrike">
               <a:latin typeface="Arial"/>
@@ -5769,7 +7594,7 @@
       </p:sp>
       <p:pic>
         <p:nvPicPr>
-          <p:cNvPr id="161" name="Grafik 4" descr=""/>
+          <p:cNvPr id="199" name="Grafik 4" descr=""/>
           <p:cNvPicPr/>
           <p:nvPr/>
         </p:nvPicPr>
@@ -5780,7 +7605,7 @@
         <p:spPr>
           <a:xfrm>
             <a:off x="0" y="990720"/>
-            <a:ext cx="8619120" cy="5308560"/>
+            <a:ext cx="8618760" cy="5308200"/>
           </a:xfrm>
           <a:prstGeom prst="rect">
             <a:avLst/>
@@ -5792,14 +7617,14 @@
       </p:pic>
       <p:sp>
         <p:nvSpPr>
-          <p:cNvPr id="162" name="CustomShape 3"/>
+          <p:cNvPr id="200" name="CustomShape 3"/>
           <p:cNvSpPr/>
           <p:nvPr/>
         </p:nvSpPr>
         <p:spPr>
           <a:xfrm>
             <a:off x="8839080" y="1219320"/>
-            <a:ext cx="2589840" cy="5149800"/>
+            <a:ext cx="2589480" cy="5149440"/>
           </a:xfrm>
           <a:prstGeom prst="rect">
             <a:avLst/>
@@ -6051,14 +7876,14 @@
       </p:grpSpPr>
       <p:sp>
         <p:nvSpPr>
-          <p:cNvPr id="163" name="CustomShape 1"/>
+          <p:cNvPr id="201" name="CustomShape 1"/>
           <p:cNvSpPr/>
           <p:nvPr/>
         </p:nvSpPr>
         <p:spPr>
           <a:xfrm>
             <a:off x="453240" y="0"/>
-            <a:ext cx="9886320" cy="1156680"/>
+            <a:ext cx="9885960" cy="1156320"/>
           </a:xfrm>
           <a:prstGeom prst="rect">
             <a:avLst/>
@@ -6086,7 +7911,7 @@
               </a:spcBef>
             </a:pPr>
             <a:r>
-              <a:rPr b="0" lang="en-US" sz="4000" spc="-83" strike="noStrike">
+              <a:rPr b="0" lang="en-US" sz="4000" spc="-80" strike="noStrike">
                 <a:solidFill>
                   <a:srgbClr val="ffffff"/>
                 </a:solidFill>
@@ -6103,14 +7928,14 @@
       </p:sp>
       <p:sp>
         <p:nvSpPr>
-          <p:cNvPr id="164" name="CustomShape 2"/>
+          <p:cNvPr id="202" name="CustomShape 2"/>
           <p:cNvSpPr/>
           <p:nvPr/>
         </p:nvSpPr>
         <p:spPr>
           <a:xfrm>
             <a:off x="11545560" y="6601680"/>
-            <a:ext cx="205200" cy="3976920"/>
+            <a:ext cx="204840" cy="3976560"/>
           </a:xfrm>
           <a:prstGeom prst="rect">
             <a:avLst/>
@@ -6134,15 +7959,15 @@
                 <a:spcPts val="1239"/>
               </a:lnSpc>
             </a:pPr>
-            <a:fld id="{12EE7430-65E6-420F-B650-26660CBF90B7}" type="slidenum">
-              <a:rPr b="0" lang="en-US" sz="1200" spc="-52" strike="noStrike">
+            <a:fld id="{400F8199-B874-449C-B7BA-4BAABEB2F085}" type="slidenum">
+              <a:rPr b="0" lang="en-US" sz="1200" spc="-49" strike="noStrike">
                 <a:solidFill>
                   <a:srgbClr val="000000"/>
                 </a:solidFill>
                 <a:latin typeface="Arial"/>
                 <a:ea typeface="DejaVu Sans"/>
               </a:rPr>
-              <a:t>1</a:t>
+              <a:t>&lt;number&gt;</a:t>
             </a:fld>
             <a:endParaRPr b="0" lang="en-US" sz="1200" spc="-1" strike="noStrike">
               <a:latin typeface="Arial"/>
@@ -6152,14 +7977,14 @@
       </p:sp>
       <p:sp>
         <p:nvSpPr>
-          <p:cNvPr id="165" name="CustomShape 3"/>
+          <p:cNvPr id="203" name="CustomShape 3"/>
           <p:cNvSpPr/>
           <p:nvPr/>
         </p:nvSpPr>
         <p:spPr>
           <a:xfrm>
             <a:off x="8839080" y="1219320"/>
-            <a:ext cx="2589840" cy="6186240"/>
+            <a:ext cx="2589480" cy="6185880"/>
           </a:xfrm>
           <a:prstGeom prst="rect">
             <a:avLst/>
@@ -6362,7 +8187,7 @@
       </p:sp>
       <p:pic>
         <p:nvPicPr>
-          <p:cNvPr id="166" name="Picture 4" descr=""/>
+          <p:cNvPr id="204" name="Picture 4" descr=""/>
           <p:cNvPicPr/>
           <p:nvPr/>
         </p:nvPicPr>
@@ -6373,7 +8198,7 @@
         <p:spPr>
           <a:xfrm>
             <a:off x="152280" y="1464840"/>
-            <a:ext cx="8685720" cy="4259880"/>
+            <a:ext cx="8685360" cy="4259520"/>
           </a:xfrm>
           <a:prstGeom prst="rect">
             <a:avLst/>
@@ -6434,14 +8259,14 @@
       </p:grpSpPr>
       <p:sp>
         <p:nvSpPr>
-          <p:cNvPr id="167" name="CustomShape 1"/>
+          <p:cNvPr id="205" name="CustomShape 1"/>
           <p:cNvSpPr/>
           <p:nvPr/>
         </p:nvSpPr>
         <p:spPr>
           <a:xfrm>
             <a:off x="453240" y="0"/>
-            <a:ext cx="9886320" cy="1230840"/>
+            <a:ext cx="9885960" cy="1230480"/>
           </a:xfrm>
           <a:prstGeom prst="rect">
             <a:avLst/>
@@ -6469,7 +8294,7 @@
               </a:spcBef>
             </a:pPr>
             <a:r>
-              <a:rPr b="0" lang="en-US" sz="4000" spc="-83" strike="noStrike">
+              <a:rPr b="0" lang="en-US" sz="4000" spc="-80" strike="noStrike">
                 <a:solidFill>
                   <a:srgbClr val="ffffff"/>
                 </a:solidFill>
@@ -6487,14 +8312,14 @@
       </p:sp>
       <p:sp>
         <p:nvSpPr>
-          <p:cNvPr id="168" name="CustomShape 2"/>
+          <p:cNvPr id="206" name="CustomShape 2"/>
           <p:cNvSpPr/>
           <p:nvPr/>
         </p:nvSpPr>
         <p:spPr>
           <a:xfrm>
             <a:off x="11545560" y="6601680"/>
-            <a:ext cx="205200" cy="3976920"/>
+            <a:ext cx="204840" cy="3976560"/>
           </a:xfrm>
           <a:prstGeom prst="rect">
             <a:avLst/>
@@ -6518,15 +8343,15 @@
                 <a:spcPts val="1239"/>
               </a:lnSpc>
             </a:pPr>
-            <a:fld id="{2165005A-5144-4EA2-A10B-00D7E20004F7}" type="slidenum">
-              <a:rPr b="0" lang="en-US" sz="1200" spc="-52" strike="noStrike">
+            <a:fld id="{B5333B93-D75E-4186-8611-E4B925955759}" type="slidenum">
+              <a:rPr b="0" lang="en-US" sz="1200" spc="-49" strike="noStrike">
                 <a:solidFill>
                   <a:srgbClr val="000000"/>
                 </a:solidFill>
                 <a:latin typeface="Arial"/>
                 <a:ea typeface="DejaVu Sans"/>
               </a:rPr>
-              <a:t>1</a:t>
+              <a:t>&lt;number&gt;</a:t>
             </a:fld>
             <a:endParaRPr b="0" lang="en-US" sz="1200" spc="-1" strike="noStrike">
               <a:latin typeface="Arial"/>
@@ -6536,14 +8361,14 @@
       </p:sp>
       <p:sp>
         <p:nvSpPr>
-          <p:cNvPr id="169" name="CustomShape 3"/>
+          <p:cNvPr id="207" name="CustomShape 3"/>
           <p:cNvSpPr/>
           <p:nvPr/>
         </p:nvSpPr>
         <p:spPr>
           <a:xfrm>
             <a:off x="8839080" y="1219320"/>
-            <a:ext cx="2825280" cy="5271480"/>
+            <a:ext cx="2824920" cy="5271120"/>
           </a:xfrm>
           <a:prstGeom prst="rect">
             <a:avLst/>
@@ -6726,7 +8551,7 @@
       </p:sp>
       <p:pic>
         <p:nvPicPr>
-          <p:cNvPr id="170" name="Picture 4" descr=""/>
+          <p:cNvPr id="208" name="Picture 4" descr=""/>
           <p:cNvPicPr/>
           <p:nvPr/>
         </p:nvPicPr>
@@ -6737,7 +8562,7 @@
         <p:spPr>
           <a:xfrm>
             <a:off x="-2880" y="1282680"/>
-            <a:ext cx="8924040" cy="4354920"/>
+            <a:ext cx="8923680" cy="4354560"/>
           </a:xfrm>
           <a:prstGeom prst="rect">
             <a:avLst/>
@@ -6798,14 +8623,14 @@
       </p:grpSpPr>
       <p:sp>
         <p:nvSpPr>
-          <p:cNvPr id="171" name="CustomShape 1"/>
+          <p:cNvPr id="209" name="CustomShape 1"/>
           <p:cNvSpPr/>
           <p:nvPr/>
         </p:nvSpPr>
         <p:spPr>
           <a:xfrm>
             <a:off x="453240" y="0"/>
-            <a:ext cx="9886320" cy="1230840"/>
+            <a:ext cx="9885960" cy="1230480"/>
           </a:xfrm>
           <a:prstGeom prst="rect">
             <a:avLst/>
@@ -6833,7 +8658,7 @@
               </a:spcBef>
             </a:pPr>
             <a:r>
-              <a:rPr b="0" lang="en-US" sz="4000" spc="-83" strike="noStrike">
+              <a:rPr b="0" lang="en-US" sz="4000" spc="-80" strike="noStrike">
                 <a:solidFill>
                   <a:srgbClr val="ffffff"/>
                 </a:solidFill>
@@ -6851,14 +8676,14 @@
       </p:sp>
       <p:sp>
         <p:nvSpPr>
-          <p:cNvPr id="172" name="CustomShape 2"/>
+          <p:cNvPr id="210" name="CustomShape 2"/>
           <p:cNvSpPr/>
           <p:nvPr/>
         </p:nvSpPr>
         <p:spPr>
           <a:xfrm>
             <a:off x="11545560" y="6601680"/>
-            <a:ext cx="205200" cy="3976920"/>
+            <a:ext cx="204840" cy="3976560"/>
           </a:xfrm>
           <a:prstGeom prst="rect">
             <a:avLst/>
@@ -6882,15 +8707,15 @@
                 <a:spcPts val="1239"/>
               </a:lnSpc>
             </a:pPr>
-            <a:fld id="{6BB62400-4821-40EA-9E9E-1BA75CA03148}" type="slidenum">
-              <a:rPr b="0" lang="en-US" sz="1200" spc="-52" strike="noStrike">
+            <a:fld id="{20A4C29B-D6EE-458E-A1E8-15D0AD38FF9C}" type="slidenum">
+              <a:rPr b="0" lang="en-US" sz="1200" spc="-49" strike="noStrike">
                 <a:solidFill>
                   <a:srgbClr val="000000"/>
                 </a:solidFill>
                 <a:latin typeface="Arial"/>
                 <a:ea typeface="DejaVu Sans"/>
               </a:rPr>
-              <a:t>1</a:t>
+              <a:t>&lt;number&gt;</a:t>
             </a:fld>
             <a:endParaRPr b="0" lang="en-US" sz="1200" spc="-1" strike="noStrike">
               <a:latin typeface="Arial"/>
@@ -6900,14 +8725,14 @@
       </p:sp>
       <p:sp>
         <p:nvSpPr>
-          <p:cNvPr id="173" name="CustomShape 3"/>
+          <p:cNvPr id="211" name="CustomShape 3"/>
           <p:cNvSpPr/>
           <p:nvPr/>
         </p:nvSpPr>
         <p:spPr>
           <a:xfrm>
             <a:off x="8839080" y="1219320"/>
-            <a:ext cx="2825280" cy="5698080"/>
+            <a:ext cx="2824920" cy="5697720"/>
           </a:xfrm>
           <a:prstGeom prst="rect">
             <a:avLst/>
@@ -7110,7 +8935,7 @@
       </p:sp>
       <p:pic>
         <p:nvPicPr>
-          <p:cNvPr id="174" name="Picture 4" descr=""/>
+          <p:cNvPr id="212" name="Picture 4" descr=""/>
           <p:cNvPicPr/>
           <p:nvPr/>
         </p:nvPicPr>
@@ -7121,7 +8946,7 @@
         <p:spPr>
           <a:xfrm>
             <a:off x="-2880" y="1282680"/>
-            <a:ext cx="8924040" cy="4354920"/>
+            <a:ext cx="8923680" cy="4354560"/>
           </a:xfrm>
           <a:prstGeom prst="rect">
             <a:avLst/>
@@ -7182,14 +9007,14 @@
       </p:grpSpPr>
       <p:sp>
         <p:nvSpPr>
-          <p:cNvPr id="175" name="CustomShape 1"/>
+          <p:cNvPr id="213" name="CustomShape 1"/>
           <p:cNvSpPr/>
           <p:nvPr/>
         </p:nvSpPr>
         <p:spPr>
           <a:xfrm>
             <a:off x="453240" y="0"/>
-            <a:ext cx="9886320" cy="1156680"/>
+            <a:ext cx="9885960" cy="1156320"/>
           </a:xfrm>
           <a:prstGeom prst="rect">
             <a:avLst/>
@@ -7217,7 +9042,7 @@
               </a:spcBef>
             </a:pPr>
             <a:r>
-              <a:rPr b="0" lang="en-US" sz="4000" spc="-83" strike="noStrike">
+              <a:rPr b="0" lang="en-US" sz="4000" spc="-80" strike="noStrike">
                 <a:solidFill>
                   <a:srgbClr val="ffffff"/>
                 </a:solidFill>
@@ -7234,14 +9059,14 @@
       </p:sp>
       <p:sp>
         <p:nvSpPr>
-          <p:cNvPr id="176" name="CustomShape 2"/>
+          <p:cNvPr id="214" name="CustomShape 2"/>
           <p:cNvSpPr/>
           <p:nvPr/>
         </p:nvSpPr>
         <p:spPr>
           <a:xfrm>
             <a:off x="11545560" y="6601680"/>
-            <a:ext cx="205200" cy="3976920"/>
+            <a:ext cx="204840" cy="3976560"/>
           </a:xfrm>
           <a:prstGeom prst="rect">
             <a:avLst/>
@@ -7265,15 +9090,15 @@
                 <a:spcPts val="1239"/>
               </a:lnSpc>
             </a:pPr>
-            <a:fld id="{013E1D7A-6074-45DC-B83A-6952A72A37FC}" type="slidenum">
-              <a:rPr b="0" lang="en-US" sz="1200" spc="-52" strike="noStrike">
+            <a:fld id="{D903DDF2-E3E8-48DC-8E30-07AC9E7D4412}" type="slidenum">
+              <a:rPr b="0" lang="en-US" sz="1200" spc="-49" strike="noStrike">
                 <a:solidFill>
                   <a:srgbClr val="000000"/>
                 </a:solidFill>
                 <a:latin typeface="Arial"/>
                 <a:ea typeface="DejaVu Sans"/>
               </a:rPr>
-              <a:t>1</a:t>
+              <a:t>&lt;number&gt;</a:t>
             </a:fld>
             <a:endParaRPr b="0" lang="en-US" sz="1200" spc="-1" strike="noStrike">
               <a:latin typeface="Arial"/>
@@ -7283,7 +9108,7 @@
       </p:sp>
       <p:graphicFrame>
         <p:nvGraphicFramePr>
-          <p:cNvPr id="177" name="Table 3"/>
+          <p:cNvPr id="215" name="Table 3"/>
           <p:cNvGraphicFramePr/>
           <p:nvPr/>
         </p:nvGraphicFramePr>
@@ -7864,14 +9689,14 @@
       </p:grpSpPr>
       <p:sp>
         <p:nvSpPr>
-          <p:cNvPr id="178" name="CustomShape 1"/>
+          <p:cNvPr id="216" name="CustomShape 1"/>
           <p:cNvSpPr/>
           <p:nvPr/>
         </p:nvSpPr>
         <p:spPr>
           <a:xfrm>
             <a:off x="453240" y="0"/>
-            <a:ext cx="9886320" cy="1156680"/>
+            <a:ext cx="9885960" cy="1156320"/>
           </a:xfrm>
           <a:prstGeom prst="rect">
             <a:avLst/>
@@ -7899,7 +9724,7 @@
               </a:spcBef>
             </a:pPr>
             <a:r>
-              <a:rPr b="0" lang="en-US" sz="4000" spc="-83" strike="noStrike">
+              <a:rPr b="0" lang="en-US" sz="4000" spc="-80" strike="noStrike">
                 <a:solidFill>
                   <a:srgbClr val="ffffff"/>
                 </a:solidFill>
@@ -7916,7 +9741,7 @@
       </p:sp>
       <p:pic>
         <p:nvPicPr>
-          <p:cNvPr id="179" name="Picture 2" descr=""/>
+          <p:cNvPr id="217" name="Picture 2" descr=""/>
           <p:cNvPicPr/>
           <p:nvPr/>
         </p:nvPicPr>
@@ -7927,7 +9752,7 @@
         <p:spPr>
           <a:xfrm>
             <a:off x="1101240" y="990720"/>
-            <a:ext cx="9600480" cy="6414480"/>
+            <a:ext cx="9600120" cy="6414120"/>
           </a:xfrm>
           <a:prstGeom prst="rect">
             <a:avLst/>
@@ -7988,14 +9813,14 @@
       </p:grpSpPr>
       <p:sp>
         <p:nvSpPr>
-          <p:cNvPr id="180" name="CustomShape 1"/>
+          <p:cNvPr id="218" name="CustomShape 1"/>
           <p:cNvSpPr/>
           <p:nvPr/>
         </p:nvSpPr>
         <p:spPr>
           <a:xfrm>
             <a:off x="453240" y="0"/>
-            <a:ext cx="9886320" cy="1156680"/>
+            <a:ext cx="9885960" cy="1156320"/>
           </a:xfrm>
           <a:prstGeom prst="rect">
             <a:avLst/>
@@ -8023,7 +9848,7 @@
               </a:spcBef>
             </a:pPr>
             <a:r>
-              <a:rPr b="0" lang="en-US" sz="4000" spc="-83" strike="noStrike">
+              <a:rPr b="0" lang="en-US" sz="4000" spc="-80" strike="noStrike">
                 <a:solidFill>
                   <a:srgbClr val="ffffff"/>
                 </a:solidFill>
@@ -8040,7 +9865,7 @@
       </p:sp>
       <p:pic>
         <p:nvPicPr>
-          <p:cNvPr id="181" name="Picture 3" descr=""/>
+          <p:cNvPr id="219" name="Picture 3" descr=""/>
           <p:cNvPicPr/>
           <p:nvPr/>
         </p:nvPicPr>
@@ -8051,7 +9876,7 @@
         <p:spPr>
           <a:xfrm>
             <a:off x="-60840" y="2286000"/>
-            <a:ext cx="12130920" cy="4019760"/>
+            <a:ext cx="12130560" cy="4019400"/>
           </a:xfrm>
           <a:prstGeom prst="rect">
             <a:avLst/>
@@ -8063,14 +9888,14 @@
       </p:pic>
       <p:sp>
         <p:nvSpPr>
-          <p:cNvPr id="182" name="TextShape 2"/>
-          <p:cNvSpPr txBox="1"/>
+          <p:cNvPr id="220" name="CustomShape 2"/>
+          <p:cNvSpPr/>
           <p:nvPr/>
         </p:nvSpPr>
         <p:spPr>
           <a:xfrm>
             <a:off x="439920" y="731880"/>
-            <a:ext cx="6875640" cy="2649960"/>
+            <a:ext cx="6875280" cy="2649600"/>
           </a:xfrm>
           <a:prstGeom prst="rect">
             <a:avLst/>
@@ -8080,42 +9905,14 @@
             <a:noFill/>
           </a:ln>
         </p:spPr>
+        <p:style>
+          <a:lnRef idx="0"/>
+          <a:fillRef idx="0"/>
+          <a:effectRef idx="0"/>
+          <a:fontRef idx="minor"/>
+        </p:style>
         <p:txBody>
           <a:bodyPr lIns="90000" rIns="90000" tIns="45000" bIns="45000"/>
-          <a:p>
-            <a:r>
-              <a:rPr b="0" lang="en-US" sz="1800" spc="-1" strike="noStrike">
-                <a:latin typeface="Arial"/>
-              </a:rPr>
-              <a:t>• </a:t>
-            </a:r>
-            <a:r>
-              <a:rPr b="0" lang="en-US" sz="1800" spc="-1" strike="noStrike">
-                <a:latin typeface="Arial"/>
-              </a:rPr>
-              <a:t>Data:</a:t>
-            </a:r>
-            <a:endParaRPr b="0" lang="en-US" sz="1800" spc="-1" strike="noStrike">
-              <a:latin typeface="Arial"/>
-            </a:endParaRPr>
-          </a:p>
-          <a:p>
-            <a:r>
-              <a:rPr b="0" lang="en-US" sz="1800" spc="-1" strike="noStrike">
-                <a:latin typeface="Arial"/>
-              </a:rPr>
-              <a:t>	</a:t>
-            </a:r>
-            <a:r>
-              <a:rPr b="0" lang="en-US" sz="1800" spc="-1" strike="noStrike">
-                <a:latin typeface="Arial"/>
-              </a:rPr>
-              <a:t>1 categ key attrib, 1 quant value attrib</a:t>
-            </a:r>
-            <a:endParaRPr b="0" lang="en-US" sz="1800" spc="-1" strike="noStrike">
-              <a:latin typeface="Arial"/>
-            </a:endParaRPr>
-          </a:p>
           <a:p>
             <a:pPr>
               <a:lnSpc>
@@ -8132,7 +9929,7 @@
               <a:rPr b="0" lang="en-US" sz="1800" spc="-1" strike="noStrike">
                 <a:latin typeface="Arial"/>
               </a:rPr>
-              <a:t>Channels:</a:t>
+              <a:t>Data:</a:t>
             </a:r>
             <a:endParaRPr b="0" lang="en-US" sz="1800" spc="-1" strike="noStrike">
               <a:latin typeface="Arial"/>
@@ -8154,7 +9951,7 @@
               <a:rPr b="0" lang="en-US" sz="1800" spc="-1" strike="noStrike">
                 <a:latin typeface="Arial"/>
               </a:rPr>
-              <a:t>Spatial regions: Separated horizontally, aligned vertically</a:t>
+              <a:t>1 categ key attrib, 1 quant value attrib</a:t>
             </a:r>
             <a:endParaRPr b="0" lang="en-US" sz="1800" spc="-1" strike="noStrike">
               <a:latin typeface="Arial"/>
@@ -8170,13 +9967,13 @@
               <a:rPr b="0" lang="en-US" sz="1800" spc="-1" strike="noStrike">
                 <a:latin typeface="Arial"/>
               </a:rPr>
-              <a:t>	</a:t>
+              <a:t>• </a:t>
             </a:r>
             <a:r>
               <a:rPr b="0" lang="en-US" sz="1800" spc="-1" strike="noStrike">
                 <a:latin typeface="Arial"/>
               </a:rPr>
-              <a:t>Length to express quant value</a:t>
+              <a:t>Channels:</a:t>
             </a:r>
             <a:endParaRPr b="0" lang="en-US" sz="1800" spc="-1" strike="noStrike">
               <a:latin typeface="Arial"/>
@@ -8192,13 +9989,13 @@
               <a:rPr b="0" lang="en-US" sz="1800" spc="-1" strike="noStrike">
                 <a:latin typeface="Arial"/>
               </a:rPr>
-              <a:t>• </a:t>
+              <a:t>	</a:t>
             </a:r>
             <a:r>
               <a:rPr b="0" lang="en-US" sz="1800" spc="-1" strike="noStrike">
                 <a:latin typeface="Arial"/>
               </a:rPr>
-              <a:t>Marks:</a:t>
+              <a:t>Spatial regions: Separated horizontally, aligned vertically</a:t>
             </a:r>
             <a:endParaRPr b="0" lang="en-US" sz="1800" spc="-1" strike="noStrike">
               <a:latin typeface="Arial"/>
@@ -8220,7 +10017,7 @@
               <a:rPr b="0" lang="en-US" sz="1800" spc="-1" strike="noStrike">
                 <a:latin typeface="Arial"/>
               </a:rPr>
-              <a:t>Lines</a:t>
+              <a:t>Length to express quant value</a:t>
             </a:r>
             <a:endParaRPr b="0" lang="en-US" sz="1800" spc="-1" strike="noStrike">
               <a:latin typeface="Arial"/>
@@ -8242,6 +10039,50 @@
               <a:rPr b="0" lang="en-US" sz="1800" spc="-1" strike="noStrike">
                 <a:latin typeface="Arial"/>
               </a:rPr>
+              <a:t>Marks:</a:t>
+            </a:r>
+            <a:endParaRPr b="0" lang="en-US" sz="1800" spc="-1" strike="noStrike">
+              <a:latin typeface="Arial"/>
+            </a:endParaRPr>
+          </a:p>
+          <a:p>
+            <a:pPr>
+              <a:lnSpc>
+                <a:spcPct val="100000"/>
+              </a:lnSpc>
+            </a:pPr>
+            <a:r>
+              <a:rPr b="0" lang="en-US" sz="1800" spc="-1" strike="noStrike">
+                <a:latin typeface="Arial"/>
+              </a:rPr>
+              <a:t>	</a:t>
+            </a:r>
+            <a:r>
+              <a:rPr b="0" lang="en-US" sz="1800" spc="-1" strike="noStrike">
+                <a:latin typeface="Arial"/>
+              </a:rPr>
+              <a:t>Lines</a:t>
+            </a:r>
+            <a:endParaRPr b="0" lang="en-US" sz="1800" spc="-1" strike="noStrike">
+              <a:latin typeface="Arial"/>
+            </a:endParaRPr>
+          </a:p>
+          <a:p>
+            <a:pPr>
+              <a:lnSpc>
+                <a:spcPct val="100000"/>
+              </a:lnSpc>
+            </a:pPr>
+            <a:r>
+              <a:rPr b="0" lang="en-US" sz="1800" spc="-1" strike="noStrike">
+                <a:latin typeface="Arial"/>
+              </a:rPr>
+              <a:t>• </a:t>
+            </a:r>
+            <a:r>
+              <a:rPr b="0" lang="en-US" sz="1800" spc="-1" strike="noStrike">
+                <a:latin typeface="Arial"/>
+              </a:rPr>
               <a:t>Task:</a:t>
             </a:r>
             <a:endParaRPr b="0" lang="en-US" sz="1800" spc="-1" strike="noStrike">
@@ -8249,6 +10090,11 @@
             </a:endParaRPr>
           </a:p>
           <a:p>
+            <a:pPr>
+              <a:lnSpc>
+                <a:spcPct val="100000"/>
+              </a:lnSpc>
+            </a:pPr>
             <a:r>
               <a:rPr b="0" lang="en-US" sz="1800" spc="-1" strike="noStrike">
                 <a:latin typeface="Arial"/>
@@ -8266,6 +10112,11 @@
             </a:endParaRPr>
           </a:p>
           <a:p>
+            <a:pPr>
+              <a:lnSpc>
+                <a:spcPct val="100000"/>
+              </a:lnSpc>
+            </a:pPr>
             <a:endParaRPr b="0" lang="en-US" sz="1800" spc="-1" strike="noStrike">
               <a:latin typeface="Arial"/>
             </a:endParaRPr>
@@ -8323,14 +10174,14 @@
       </p:grpSpPr>
       <p:sp>
         <p:nvSpPr>
-          <p:cNvPr id="183" name="CustomShape 1"/>
+          <p:cNvPr id="221" name="CustomShape 1"/>
           <p:cNvSpPr/>
           <p:nvPr/>
         </p:nvSpPr>
         <p:spPr>
           <a:xfrm>
             <a:off x="453240" y="0"/>
-            <a:ext cx="9886320" cy="1156680"/>
+            <a:ext cx="9885960" cy="1156320"/>
           </a:xfrm>
           <a:prstGeom prst="rect">
             <a:avLst/>
@@ -8358,7 +10209,7 @@
               </a:spcBef>
             </a:pPr>
             <a:r>
-              <a:rPr b="0" lang="en-US" sz="4000" spc="-83" strike="noStrike">
+              <a:rPr b="0" lang="en-US" sz="4000" spc="-80" strike="noStrike">
                 <a:solidFill>
                   <a:srgbClr val="ffffff"/>
                 </a:solidFill>
@@ -8375,7 +10226,7 @@
       </p:sp>
       <p:pic>
         <p:nvPicPr>
-          <p:cNvPr id="184" name="Picture 2" descr=""/>
+          <p:cNvPr id="222" name="Picture 2" descr=""/>
           <p:cNvPicPr/>
           <p:nvPr/>
         </p:nvPicPr>
@@ -8386,7 +10237,7 @@
         <p:spPr>
           <a:xfrm>
             <a:off x="828000" y="912240"/>
-            <a:ext cx="4669200" cy="1683000"/>
+            <a:ext cx="4668840" cy="1682640"/>
           </a:xfrm>
           <a:prstGeom prst="rect">
             <a:avLst/>
@@ -8398,7 +10249,7 @@
       </p:pic>
       <p:pic>
         <p:nvPicPr>
-          <p:cNvPr id="185" name="Picture 4" descr=""/>
+          <p:cNvPr id="223" name="Picture 4" descr=""/>
           <p:cNvPicPr/>
           <p:nvPr/>
         </p:nvPicPr>
@@ -8410,7 +10261,7 @@
         <p:spPr>
           <a:xfrm>
             <a:off x="6564600" y="1097280"/>
-            <a:ext cx="5229720" cy="1497960"/>
+            <a:ext cx="5229360" cy="1497600"/>
           </a:xfrm>
           <a:prstGeom prst="rect">
             <a:avLst/>
@@ -8422,7 +10273,7 @@
       </p:pic>
       <p:pic>
         <p:nvPicPr>
-          <p:cNvPr id="186" name="Picture 6" descr=""/>
+          <p:cNvPr id="224" name="Picture 6" descr=""/>
           <p:cNvPicPr/>
           <p:nvPr/>
         </p:nvPicPr>
@@ -8433,7 +10284,7 @@
         <p:spPr>
           <a:xfrm>
             <a:off x="2103120" y="3108960"/>
-            <a:ext cx="2194560" cy="2194560"/>
+            <a:ext cx="2194200" cy="2194200"/>
           </a:xfrm>
           <a:prstGeom prst="rect">
             <a:avLst/>
@@ -8445,7 +10296,7 @@
       </p:pic>
       <p:pic>
         <p:nvPicPr>
-          <p:cNvPr id="187" name="" descr=""/>
+          <p:cNvPr id="225" name="" descr=""/>
           <p:cNvPicPr/>
           <p:nvPr/>
         </p:nvPicPr>
@@ -8456,7 +10307,7 @@
         <p:spPr>
           <a:xfrm>
             <a:off x="6492240" y="2814120"/>
-            <a:ext cx="4050000" cy="3129480"/>
+            <a:ext cx="4049640" cy="3129120"/>
           </a:xfrm>
           <a:prstGeom prst="rect">
             <a:avLst/>
@@ -8517,14 +10368,14 @@
       </p:grpSpPr>
       <p:sp>
         <p:nvSpPr>
-          <p:cNvPr id="188" name="CustomShape 1"/>
+          <p:cNvPr id="226" name="CustomShape 1"/>
           <p:cNvSpPr/>
           <p:nvPr/>
         </p:nvSpPr>
         <p:spPr>
           <a:xfrm>
-            <a:off x="4572720" y="2834640"/>
-            <a:ext cx="4479840" cy="1370880"/>
+            <a:off x="453240" y="0"/>
+            <a:ext cx="9885960" cy="1156320"/>
           </a:xfrm>
           <a:prstGeom prst="rect">
             <a:avLst/>
@@ -8541,42 +10392,42 @@
           <a:fontRef idx="minor"/>
         </p:style>
         <p:txBody>
-          <a:bodyPr lIns="0" rIns="0" tIns="12600" bIns="0"/>
-          <a:p>
-            <a:pPr marL="14760">
+          <a:bodyPr lIns="0" rIns="0" tIns="12240" bIns="0"/>
+          <a:p>
+            <a:pPr marL="12240">
               <a:lnSpc>
                 <a:spcPct val="100000"/>
               </a:lnSpc>
               <a:spcBef>
-                <a:spcPts val="99"/>
+                <a:spcPts val="96"/>
               </a:spcBef>
             </a:pPr>
             <a:r>
-              <a:rPr b="0" lang="en-US" sz="7200" spc="-1" strike="noStrike">
+              <a:rPr b="0" lang="en-US" sz="4000" spc="-80" strike="noStrike">
                 <a:solidFill>
-                  <a:srgbClr val="000000"/>
+                  <a:srgbClr val="ffffff"/>
                 </a:solidFill>
                 <a:latin typeface="Arial"/>
                 <a:ea typeface="DejaVu Sans"/>
               </a:rPr>
-              <a:t>Demo</a:t>
-            </a:r>
-            <a:endParaRPr b="0" lang="en-US" sz="7200" spc="-1" strike="noStrike">
-              <a:latin typeface="Arial"/>
-            </a:endParaRPr>
-          </a:p>
-        </p:txBody>
-      </p:sp>
-      <p:sp>
-        <p:nvSpPr>
-          <p:cNvPr id="189" name="CustomShape 2"/>
+              <a:t>How to Run</a:t>
+            </a:r>
+            <a:endParaRPr b="0" lang="en-US" sz="4000" spc="-1" strike="noStrike">
+              <a:latin typeface="Arial"/>
+            </a:endParaRPr>
+          </a:p>
+        </p:txBody>
+      </p:sp>
+      <p:sp>
+        <p:nvSpPr>
+          <p:cNvPr id="227" name="CustomShape 2"/>
           <p:cNvSpPr/>
           <p:nvPr/>
         </p:nvSpPr>
         <p:spPr>
           <a:xfrm>
-            <a:off x="11545560" y="6601680"/>
-            <a:ext cx="205200" cy="3976920"/>
+            <a:off x="453240" y="903240"/>
+            <a:ext cx="11273760" cy="2542680"/>
           </a:xfrm>
           <a:prstGeom prst="rect">
             <a:avLst/>
@@ -8593,24 +10444,176 @@
           <a:fontRef idx="minor"/>
         </p:style>
         <p:txBody>
-          <a:bodyPr lIns="0" rIns="0" tIns="0" bIns="0"/>
-          <a:p>
-            <a:pPr marL="25560">
+          <a:bodyPr lIns="0" rIns="0" tIns="74160" bIns="0"/>
+          <a:p>
+            <a:pPr>
               <a:lnSpc>
-                <a:spcPts val="1239"/>
+                <a:spcPts val="3889"/>
               </a:lnSpc>
-            </a:pPr>
-            <a:fld id="{68FB14FE-E4F7-4A6F-BA18-0A032942B8DF}" type="slidenum">
-              <a:rPr b="0" lang="en-US" sz="1200" spc="-52" strike="noStrike">
-                <a:solidFill>
-                  <a:srgbClr val="000000"/>
-                </a:solidFill>
+              <a:spcBef>
+                <a:spcPts val="584"/>
+              </a:spcBef>
+            </a:pPr>
+            <a:r>
+              <a:rPr b="0" lang="en-US" sz="3600" spc="-1" strike="noStrike">
                 <a:latin typeface="Arial"/>
                 <a:ea typeface="DejaVu Sans"/>
               </a:rPr>
-              <a:t>&lt;number&gt;</a:t>
-            </a:fld>
-            <a:endParaRPr b="0" lang="en-US" sz="1200" spc="-1" strike="noStrike">
+              <a:t>Clone the project to your local machine:</a:t>
+            </a:r>
+            <a:endParaRPr b="0" lang="en-US" sz="3600" spc="-1" strike="noStrike">
+              <a:latin typeface="Arial"/>
+            </a:endParaRPr>
+          </a:p>
+          <a:p>
+            <a:pPr>
+              <a:lnSpc>
+                <a:spcPts val="3889"/>
+              </a:lnSpc>
+              <a:spcBef>
+                <a:spcPts val="584"/>
+              </a:spcBef>
+            </a:pPr>
+            <a:r>
+              <a:rPr b="0" lang="en-US" sz="3600" spc="-1" strike="noStrike">
+                <a:latin typeface="Arial"/>
+                <a:ea typeface="DejaVu Sans"/>
+              </a:rPr>
+              <a:t>git clone </a:t>
+            </a:r>
+            <a:r>
+              <a:rPr b="0" lang="en-US" sz="3600" spc="-1" strike="noStrike">
+                <a:latin typeface="Arial"/>
+                <a:ea typeface="DejaVu Sans"/>
+                <a:hlinkClick r:id="rId1"/>
+              </a:rPr>
+              <a:t>https://github.com/HasanMhdAmin/learning-analytics.git</a:t>
+            </a:r>
+            <a:endParaRPr b="0" lang="en-US" sz="3600" spc="-1" strike="noStrike">
+              <a:latin typeface="Arial"/>
+            </a:endParaRPr>
+          </a:p>
+          <a:p>
+            <a:pPr>
+              <a:lnSpc>
+                <a:spcPts val="3889"/>
+              </a:lnSpc>
+              <a:spcBef>
+                <a:spcPts val="584"/>
+              </a:spcBef>
+            </a:pPr>
+            <a:endParaRPr b="0" lang="en-US" sz="3600" spc="-1" strike="noStrike">
+              <a:latin typeface="Arial"/>
+            </a:endParaRPr>
+          </a:p>
+          <a:p>
+            <a:pPr>
+              <a:lnSpc>
+                <a:spcPts val="3889"/>
+              </a:lnSpc>
+              <a:spcBef>
+                <a:spcPts val="584"/>
+              </a:spcBef>
+            </a:pPr>
+            <a:r>
+              <a:rPr b="0" lang="en-US" sz="3600" spc="-1" strike="noStrike">
+                <a:latin typeface="Arial"/>
+                <a:ea typeface="DejaVu Sans"/>
+              </a:rPr>
+              <a:t>double click index.htm to open the project in your </a:t>
+            </a:r>
+            <a:r>
+              <a:rPr b="0" lang="en-US" sz="3600" spc="-1" strike="noStrike">
+                <a:latin typeface="Arial"/>
+                <a:ea typeface="DejaVu Sans"/>
+              </a:rPr>
+              <a:t>browser.</a:t>
+            </a:r>
+            <a:endParaRPr b="0" lang="en-US" sz="3600" spc="-1" strike="noStrike">
+              <a:latin typeface="Arial"/>
+            </a:endParaRPr>
+          </a:p>
+          <a:p>
+            <a:pPr>
+              <a:lnSpc>
+                <a:spcPts val="3889"/>
+              </a:lnSpc>
+              <a:spcBef>
+                <a:spcPts val="584"/>
+              </a:spcBef>
+            </a:pPr>
+            <a:endParaRPr b="0" lang="en-US" sz="3600" spc="-1" strike="noStrike">
+              <a:latin typeface="Arial"/>
+            </a:endParaRPr>
+          </a:p>
+          <a:p>
+            <a:pPr>
+              <a:lnSpc>
+                <a:spcPts val="3889"/>
+              </a:lnSpc>
+              <a:spcBef>
+                <a:spcPts val="584"/>
+              </a:spcBef>
+            </a:pPr>
+            <a:r>
+              <a:rPr b="0" lang="en-US" sz="3600" spc="-1" strike="noStrike">
+                <a:latin typeface="Arial"/>
+                <a:ea typeface="DejaVu Sans"/>
+              </a:rPr>
+              <a:t>you can also go the the online website by follow this </a:t>
+            </a:r>
+            <a:r>
+              <a:rPr b="0" lang="en-US" sz="3600" spc="-1" strike="noStrike">
+                <a:latin typeface="Arial"/>
+                <a:ea typeface="DejaVu Sans"/>
+              </a:rPr>
+              <a:t>link: </a:t>
+            </a:r>
+            <a:r>
+              <a:rPr b="0" lang="en-US" sz="3600" spc="-1" strike="noStrike">
+                <a:latin typeface="Arial"/>
+                <a:ea typeface="DejaVu Sans"/>
+                <a:hlinkClick r:id="rId2"/>
+              </a:rPr>
+              <a:t>Students Performance</a:t>
+            </a:r>
+            <a:endParaRPr b="0" lang="en-US" sz="3600" spc="-1" strike="noStrike">
+              <a:latin typeface="Arial"/>
+            </a:endParaRPr>
+          </a:p>
+          <a:p>
+            <a:pPr>
+              <a:lnSpc>
+                <a:spcPts val="3889"/>
+              </a:lnSpc>
+              <a:spcBef>
+                <a:spcPts val="584"/>
+              </a:spcBef>
+            </a:pPr>
+            <a:endParaRPr b="0" lang="en-US" sz="3600" spc="-1" strike="noStrike">
+              <a:latin typeface="Arial"/>
+            </a:endParaRPr>
+          </a:p>
+          <a:p>
+            <a:pPr>
+              <a:lnSpc>
+                <a:spcPts val="3889"/>
+              </a:lnSpc>
+              <a:spcBef>
+                <a:spcPts val="584"/>
+              </a:spcBef>
+            </a:pPr>
+            <a:endParaRPr b="0" lang="en-US" sz="3600" spc="-1" strike="noStrike">
+              <a:latin typeface="Arial"/>
+            </a:endParaRPr>
+          </a:p>
+          <a:p>
+            <a:pPr>
+              <a:lnSpc>
+                <a:spcPct val="90000"/>
+              </a:lnSpc>
+            </a:pPr>
+            <a:endParaRPr b="0" lang="en-US" sz="3600" spc="-1" strike="noStrike">
               <a:latin typeface="Arial"/>
             </a:endParaRPr>
           </a:p>
@@ -8667,14 +10670,14 @@
       </p:grpSpPr>
       <p:sp>
         <p:nvSpPr>
-          <p:cNvPr id="190" name="CustomShape 1"/>
+          <p:cNvPr id="228" name="CustomShape 1"/>
           <p:cNvSpPr/>
           <p:nvPr/>
         </p:nvSpPr>
         <p:spPr>
           <a:xfrm>
-            <a:off x="4023360" y="2834640"/>
-            <a:ext cx="4479840" cy="1370880"/>
+            <a:off x="4572720" y="2834640"/>
+            <a:ext cx="4479480" cy="1370520"/>
           </a:xfrm>
           <a:prstGeom prst="rect">
             <a:avLst/>
@@ -8702,34 +10705,14 @@
               </a:spcBef>
             </a:pPr>
             <a:r>
-              <a:rPr b="0" lang="en-US" sz="7200" spc="-443" strike="noStrike">
+              <a:rPr b="0" lang="en-US" sz="7200" spc="-1" strike="noStrike">
                 <a:solidFill>
                   <a:srgbClr val="000000"/>
                 </a:solidFill>
                 <a:latin typeface="Arial"/>
                 <a:ea typeface="DejaVu Sans"/>
               </a:rPr>
-              <a:t>Thank</a:t>
-            </a:r>
-            <a:r>
-              <a:rPr b="0" lang="en-US" sz="7200" spc="-401" strike="noStrike">
-                <a:solidFill>
-                  <a:srgbClr val="000000"/>
-                </a:solidFill>
-                <a:latin typeface="Arial"/>
-                <a:ea typeface="DejaVu Sans"/>
-              </a:rPr>
-              <a:t> </a:t>
-            </a:r>
-            <a:r>
-              <a:rPr b="0" lang="en-US" sz="7200" spc="-282" strike="noStrike">
-                <a:solidFill>
-                  <a:srgbClr val="000000"/>
-                </a:solidFill>
-                <a:latin typeface="Arial"/>
-                <a:ea typeface="DejaVu Sans"/>
-              </a:rPr>
-              <a:t>you</a:t>
+              <a:t>Demo</a:t>
             </a:r>
             <a:endParaRPr b="0" lang="en-US" sz="7200" spc="-1" strike="noStrike">
               <a:latin typeface="Arial"/>
@@ -8739,14 +10722,14 @@
       </p:sp>
       <p:sp>
         <p:nvSpPr>
-          <p:cNvPr id="191" name="CustomShape 2"/>
+          <p:cNvPr id="229" name="CustomShape 2"/>
           <p:cNvSpPr/>
           <p:nvPr/>
         </p:nvSpPr>
         <p:spPr>
           <a:xfrm>
             <a:off x="11545560" y="6601680"/>
-            <a:ext cx="205200" cy="3976920"/>
+            <a:ext cx="204840" cy="3976560"/>
           </a:xfrm>
           <a:prstGeom prst="rect">
             <a:avLst/>
@@ -8770,8 +10753,8 @@
                 <a:spcPts val="1239"/>
               </a:lnSpc>
             </a:pPr>
-            <a:fld id="{B5D60CE2-F577-488C-BC17-D1807AE35E83}" type="slidenum">
-              <a:rPr b="0" lang="en-US" sz="1200" spc="-52" strike="noStrike">
+            <a:fld id="{FB701BB5-FD9E-4F58-8F0D-FBA7DC2F4407}" type="slidenum">
+              <a:rPr b="0" lang="en-US" sz="1200" spc="-49" strike="noStrike">
                 <a:solidFill>
                   <a:srgbClr val="000000"/>
                 </a:solidFill>
@@ -8837,14 +10820,14 @@
       </p:grpSpPr>
       <p:sp>
         <p:nvSpPr>
-          <p:cNvPr id="130" name="CustomShape 1"/>
+          <p:cNvPr id="168" name="CustomShape 1"/>
           <p:cNvSpPr/>
           <p:nvPr/>
         </p:nvSpPr>
         <p:spPr>
           <a:xfrm>
             <a:off x="453240" y="0"/>
-            <a:ext cx="7204320" cy="1156680"/>
+            <a:ext cx="7203960" cy="1156320"/>
           </a:xfrm>
           <a:prstGeom prst="rect">
             <a:avLst/>
@@ -8889,14 +10872,14 @@
       </p:sp>
       <p:sp>
         <p:nvSpPr>
-          <p:cNvPr id="131" name="CustomShape 2"/>
+          <p:cNvPr id="169" name="CustomShape 2"/>
           <p:cNvSpPr/>
           <p:nvPr/>
         </p:nvSpPr>
         <p:spPr>
           <a:xfrm>
             <a:off x="11545560" y="6601680"/>
-            <a:ext cx="205200" cy="3976920"/>
+            <a:ext cx="204840" cy="3976560"/>
           </a:xfrm>
           <a:prstGeom prst="rect">
             <a:avLst/>
@@ -8920,15 +10903,15 @@
                 <a:spcPts val="1239"/>
               </a:lnSpc>
             </a:pPr>
-            <a:fld id="{69E4D3B9-DCBB-46CC-B857-5B899084AA39}" type="slidenum">
-              <a:rPr b="0" lang="en-US" sz="1200" spc="-52" strike="noStrike">
+            <a:fld id="{0E3D737D-9BEC-4F66-BCD1-7482ED594E35}" type="slidenum">
+              <a:rPr b="0" lang="en-US" sz="1200" spc="-49" strike="noStrike">
                 <a:solidFill>
                   <a:srgbClr val="000000"/>
                 </a:solidFill>
                 <a:latin typeface="Arial"/>
                 <a:ea typeface="DejaVu Sans"/>
               </a:rPr>
-              <a:t>1</a:t>
+              <a:t>&lt;number&gt;</a:t>
             </a:fld>
             <a:endParaRPr b="0" lang="en-US" sz="1200" spc="-1" strike="noStrike">
               <a:latin typeface="Arial"/>
@@ -8938,14 +10921,14 @@
       </p:sp>
       <p:sp>
         <p:nvSpPr>
-          <p:cNvPr id="132" name="CustomShape 3"/>
+          <p:cNvPr id="170" name="CustomShape 3"/>
           <p:cNvSpPr/>
           <p:nvPr/>
         </p:nvSpPr>
         <p:spPr>
           <a:xfrm>
             <a:off x="453240" y="903240"/>
-            <a:ext cx="11274120" cy="2543040"/>
+            <a:ext cx="11273760" cy="2542680"/>
           </a:xfrm>
           <a:prstGeom prst="rect">
             <a:avLst/>
@@ -8964,7 +10947,7 @@
         <p:txBody>
           <a:bodyPr lIns="0" rIns="0" tIns="74160" bIns="0"/>
           <a:p>
-            <a:pPr marL="584280" indent="-570960">
+            <a:pPr marL="584280" indent="-570600">
               <a:lnSpc>
                 <a:spcPts val="3889"/>
               </a:lnSpc>
@@ -9052,6 +11035,176 @@
           <p:childTnLst>
             <p:seq>
               <p:cTn id="4" dur="indefinite" nodeType="mainSeq"/>
+              <p:prevCondLst>
+                <p:cond delay="0" evt="onPrev">
+                  <p:tgtEl>
+                    <p:sldTgt/>
+                  </p:tgtEl>
+                </p:cond>
+              </p:prevCondLst>
+              <p:nextCondLst>
+                <p:cond delay="0" evt="onNext">
+                  <p:tgtEl>
+                    <p:sldTgt/>
+                  </p:tgtEl>
+                </p:cond>
+              </p:nextCondLst>
+            </p:seq>
+          </p:childTnLst>
+        </p:cTn>
+      </p:par>
+    </p:tnLst>
+  </p:timing>
+</p:sld>
+</file>
+
+<file path=ppt/slides/slide20.xml><?xml version="1.0" encoding="utf-8"?>
+<p:sld xmlns:a="http://schemas.openxmlformats.org/drawingml/2006/main" xmlns:p="http://schemas.openxmlformats.org/presentationml/2006/main" xmlns:r="http://schemas.openxmlformats.org/officeDocument/2006/relationships" xmlns:p14="http://schemas.microsoft.com/office/powerpoint/2010/main" xmlns:p15="http://schemas.microsoft.com/office/powerpoint/2012/main" xmlns:mc="http://schemas.openxmlformats.org/markup-compatibility/2006">
+  <p:cSld>
+    <p:spTree>
+      <p:nvGrpSpPr>
+        <p:cNvPr id="1" name=""/>
+        <p:cNvGrpSpPr/>
+        <p:nvPr/>
+      </p:nvGrpSpPr>
+      <p:grpSpPr>
+        <a:xfrm>
+          <a:off x="0" y="0"/>
+          <a:ext cx="0" cy="0"/>
+          <a:chOff x="0" y="0"/>
+          <a:chExt cx="0" cy="0"/>
+        </a:xfrm>
+      </p:grpSpPr>
+      <p:sp>
+        <p:nvSpPr>
+          <p:cNvPr id="230" name="CustomShape 1"/>
+          <p:cNvSpPr/>
+          <p:nvPr/>
+        </p:nvSpPr>
+        <p:spPr>
+          <a:xfrm>
+            <a:off x="4023360" y="2834640"/>
+            <a:ext cx="4479480" cy="1370520"/>
+          </a:xfrm>
+          <a:prstGeom prst="rect">
+            <a:avLst/>
+          </a:prstGeom>
+          <a:noFill/>
+          <a:ln>
+            <a:noFill/>
+          </a:ln>
+        </p:spPr>
+        <p:style>
+          <a:lnRef idx="0"/>
+          <a:fillRef idx="0"/>
+          <a:effectRef idx="0"/>
+          <a:fontRef idx="minor"/>
+        </p:style>
+        <p:txBody>
+          <a:bodyPr lIns="0" rIns="0" tIns="12600" bIns="0"/>
+          <a:p>
+            <a:pPr marL="14760">
+              <a:lnSpc>
+                <a:spcPct val="100000"/>
+              </a:lnSpc>
+              <a:spcBef>
+                <a:spcPts val="99"/>
+              </a:spcBef>
+            </a:pPr>
+            <a:r>
+              <a:rPr b="0" lang="en-US" sz="7200" spc="-440" strike="noStrike">
+                <a:solidFill>
+                  <a:srgbClr val="000000"/>
+                </a:solidFill>
+                <a:latin typeface="Arial"/>
+                <a:ea typeface="DejaVu Sans"/>
+              </a:rPr>
+              <a:t>Thank</a:t>
+            </a:r>
+            <a:r>
+              <a:rPr b="0" lang="en-US" sz="7200" spc="-398" strike="noStrike">
+                <a:solidFill>
+                  <a:srgbClr val="000000"/>
+                </a:solidFill>
+                <a:latin typeface="Arial"/>
+                <a:ea typeface="DejaVu Sans"/>
+              </a:rPr>
+              <a:t> </a:t>
+            </a:r>
+            <a:r>
+              <a:rPr b="0" lang="en-US" sz="7200" spc="-279" strike="noStrike">
+                <a:solidFill>
+                  <a:srgbClr val="000000"/>
+                </a:solidFill>
+                <a:latin typeface="Arial"/>
+                <a:ea typeface="DejaVu Sans"/>
+              </a:rPr>
+              <a:t>you</a:t>
+            </a:r>
+            <a:endParaRPr b="0" lang="en-US" sz="7200" spc="-1" strike="noStrike">
+              <a:latin typeface="Arial"/>
+            </a:endParaRPr>
+          </a:p>
+        </p:txBody>
+      </p:sp>
+      <p:sp>
+        <p:nvSpPr>
+          <p:cNvPr id="231" name="CustomShape 2"/>
+          <p:cNvSpPr/>
+          <p:nvPr/>
+        </p:nvSpPr>
+        <p:spPr>
+          <a:xfrm>
+            <a:off x="11545560" y="6601680"/>
+            <a:ext cx="204840" cy="3976560"/>
+          </a:xfrm>
+          <a:prstGeom prst="rect">
+            <a:avLst/>
+          </a:prstGeom>
+          <a:noFill/>
+          <a:ln>
+            <a:noFill/>
+          </a:ln>
+        </p:spPr>
+        <p:style>
+          <a:lnRef idx="0"/>
+          <a:fillRef idx="0"/>
+          <a:effectRef idx="0"/>
+          <a:fontRef idx="minor"/>
+        </p:style>
+        <p:txBody>
+          <a:bodyPr lIns="0" rIns="0" tIns="0" bIns="0"/>
+          <a:p>
+            <a:pPr marL="25560">
+              <a:lnSpc>
+                <a:spcPts val="1239"/>
+              </a:lnSpc>
+            </a:pPr>
+            <a:fld id="{DCD8089A-8B1C-4A17-B4DC-C9F23F63CEF4}" type="slidenum">
+              <a:rPr b="0" lang="en-US" sz="1200" spc="-49" strike="noStrike">
+                <a:solidFill>
+                  <a:srgbClr val="000000"/>
+                </a:solidFill>
+                <a:latin typeface="Arial"/>
+                <a:ea typeface="DejaVu Sans"/>
+              </a:rPr>
+              <a:t>&lt;number&gt;</a:t>
+            </a:fld>
+            <a:endParaRPr b="0" lang="en-US" sz="1200" spc="-1" strike="noStrike">
+              <a:latin typeface="Arial"/>
+            </a:endParaRPr>
+          </a:p>
+        </p:txBody>
+      </p:sp>
+    </p:spTree>
+  </p:cSld>
+  <p:timing>
+    <p:tnLst>
+      <p:par>
+        <p:cTn id="39" dur="indefinite" restart="never" nodeType="tmRoot">
+          <p:childTnLst>
+            <p:seq>
+              <p:cTn id="40" dur="indefinite" nodeType="mainSeq"/>
               <p:prevCondLst>
                 <p:cond delay="0" evt="onPrev">
                   <p:tgtEl>
@@ -9094,14 +11247,14 @@
       </p:grpSpPr>
       <p:sp>
         <p:nvSpPr>
-          <p:cNvPr id="133" name="CustomShape 1"/>
+          <p:cNvPr id="171" name="CustomShape 1"/>
           <p:cNvSpPr/>
           <p:nvPr/>
         </p:nvSpPr>
         <p:spPr>
           <a:xfrm>
             <a:off x="453240" y="0"/>
-            <a:ext cx="9886320" cy="1156680"/>
+            <a:ext cx="9885960" cy="1156320"/>
           </a:xfrm>
           <a:prstGeom prst="rect">
             <a:avLst/>
@@ -9146,14 +11299,14 @@
       </p:sp>
       <p:sp>
         <p:nvSpPr>
-          <p:cNvPr id="134" name="CustomShape 2"/>
+          <p:cNvPr id="172" name="CustomShape 2"/>
           <p:cNvSpPr/>
           <p:nvPr/>
         </p:nvSpPr>
         <p:spPr>
           <a:xfrm>
             <a:off x="11545560" y="6601680"/>
-            <a:ext cx="205200" cy="3976920"/>
+            <a:ext cx="204840" cy="3976560"/>
           </a:xfrm>
           <a:prstGeom prst="rect">
             <a:avLst/>
@@ -9177,15 +11330,15 @@
                 <a:spcPts val="1239"/>
               </a:lnSpc>
             </a:pPr>
-            <a:fld id="{6E1E791F-0B96-4062-9EEE-CDB61F6562D8}" type="slidenum">
-              <a:rPr b="0" lang="en-US" sz="1200" spc="-52" strike="noStrike">
+            <a:fld id="{14D6F5A8-D78E-465D-9F24-91BE81C848B8}" type="slidenum">
+              <a:rPr b="0" lang="en-US" sz="1200" spc="-49" strike="noStrike">
                 <a:solidFill>
                   <a:srgbClr val="000000"/>
                 </a:solidFill>
                 <a:latin typeface="Arial"/>
                 <a:ea typeface="DejaVu Sans"/>
               </a:rPr>
-              <a:t>1</a:t>
+              <a:t>&lt;number&gt;</a:t>
             </a:fld>
             <a:endParaRPr b="0" lang="en-US" sz="1200" spc="-1" strike="noStrike">
               <a:latin typeface="Arial"/>
@@ -9195,14 +11348,14 @@
       </p:sp>
       <p:sp>
         <p:nvSpPr>
-          <p:cNvPr id="135" name="CustomShape 3"/>
+          <p:cNvPr id="173" name="CustomShape 3"/>
           <p:cNvSpPr/>
           <p:nvPr/>
         </p:nvSpPr>
         <p:spPr>
           <a:xfrm>
             <a:off x="453240" y="903240"/>
-            <a:ext cx="11208600" cy="5519520"/>
+            <a:ext cx="11208240" cy="5519160"/>
           </a:xfrm>
           <a:prstGeom prst="rect">
             <a:avLst/>
@@ -9221,7 +11374,7 @@
         <p:txBody>
           <a:bodyPr lIns="0" rIns="0" tIns="12600" bIns="0"/>
           <a:p>
-            <a:pPr marL="584280" indent="-570960">
+            <a:pPr marL="584280" indent="-570600">
               <a:lnSpc>
                 <a:spcPct val="100000"/>
               </a:lnSpc>
@@ -9247,7 +11400,7 @@
             <a:r>
               <a:rPr b="0" lang="en-US" sz="3600" spc="-1" strike="noStrike" u="sng">
                 <a:solidFill>
-                  <a:srgbClr val="0462c1"/>
+                  <a:srgbClr val="0000ff"/>
                 </a:solidFill>
                 <a:uFillTx/>
                 <a:latin typeface="Arial"/>
@@ -9284,7 +11437,7 @@
             </a:endParaRPr>
           </a:p>
           <a:p>
-            <a:pPr marL="584280" indent="-570960">
+            <a:pPr marL="584280" indent="-570600">
               <a:lnSpc>
                 <a:spcPct val="100000"/>
               </a:lnSpc>
@@ -9325,7 +11478,7 @@
             </a:endParaRPr>
           </a:p>
           <a:p>
-            <a:pPr marL="584280" indent="-570960">
+            <a:pPr marL="584280" indent="-570600">
               <a:lnSpc>
                 <a:spcPct val="100000"/>
               </a:lnSpc>
@@ -9366,7 +11519,7 @@
             </a:endParaRPr>
           </a:p>
           <a:p>
-            <a:pPr marL="584280" indent="-570960">
+            <a:pPr marL="584280" indent="-570600">
               <a:lnSpc>
                 <a:spcPct val="100000"/>
               </a:lnSpc>
@@ -9456,14 +11609,14 @@
       </p:grpSpPr>
       <p:sp>
         <p:nvSpPr>
-          <p:cNvPr id="136" name="CustomShape 1"/>
+          <p:cNvPr id="174" name="CustomShape 1"/>
           <p:cNvSpPr/>
           <p:nvPr/>
         </p:nvSpPr>
         <p:spPr>
           <a:xfrm>
             <a:off x="453240" y="0"/>
-            <a:ext cx="9886320" cy="1156680"/>
+            <a:ext cx="9885960" cy="1156320"/>
           </a:xfrm>
           <a:prstGeom prst="rect">
             <a:avLst/>
@@ -9491,7 +11644,7 @@
               </a:spcBef>
             </a:pPr>
             <a:r>
-              <a:rPr b="0" lang="en-US" sz="4000" spc="-83" strike="noStrike">
+              <a:rPr b="0" lang="en-US" sz="4000" spc="-80" strike="noStrike">
                 <a:solidFill>
                   <a:srgbClr val="ffffff"/>
                 </a:solidFill>
@@ -9508,14 +11661,14 @@
       </p:sp>
       <p:sp>
         <p:nvSpPr>
-          <p:cNvPr id="137" name="CustomShape 2"/>
+          <p:cNvPr id="175" name="CustomShape 2"/>
           <p:cNvSpPr/>
           <p:nvPr/>
         </p:nvSpPr>
         <p:spPr>
           <a:xfrm>
             <a:off x="11545560" y="6601680"/>
-            <a:ext cx="205200" cy="3976920"/>
+            <a:ext cx="204840" cy="3976560"/>
           </a:xfrm>
           <a:prstGeom prst="rect">
             <a:avLst/>
@@ -9539,15 +11692,15 @@
                 <a:spcPts val="1239"/>
               </a:lnSpc>
             </a:pPr>
-            <a:fld id="{A131BE3B-49DB-40D4-836C-882A703C5832}" type="slidenum">
-              <a:rPr b="0" lang="en-US" sz="1200" spc="-52" strike="noStrike">
+            <a:fld id="{7FABF0EF-779F-4567-BF85-0A20B447821E}" type="slidenum">
+              <a:rPr b="0" lang="en-US" sz="1200" spc="-49" strike="noStrike">
                 <a:solidFill>
                   <a:srgbClr val="000000"/>
                 </a:solidFill>
                 <a:latin typeface="Arial"/>
                 <a:ea typeface="DejaVu Sans"/>
               </a:rPr>
-              <a:t>1</a:t>
+              <a:t>&lt;number&gt;</a:t>
             </a:fld>
             <a:endParaRPr b="0" lang="en-US" sz="1200" spc="-1" strike="noStrike">
               <a:latin typeface="Arial"/>
@@ -9557,14 +11710,14 @@
       </p:sp>
       <p:sp>
         <p:nvSpPr>
-          <p:cNvPr id="138" name="CustomShape 3"/>
+          <p:cNvPr id="176" name="CustomShape 3"/>
           <p:cNvSpPr/>
           <p:nvPr/>
         </p:nvSpPr>
         <p:spPr>
           <a:xfrm>
             <a:off x="453240" y="903240"/>
-            <a:ext cx="8325000" cy="4401360"/>
+            <a:ext cx="8324640" cy="4401000"/>
           </a:xfrm>
           <a:prstGeom prst="rect">
             <a:avLst/>
@@ -9583,7 +11736,7 @@
         <p:txBody>
           <a:bodyPr lIns="0" rIns="0" tIns="12600" bIns="0"/>
           <a:p>
-            <a:pPr marL="216000" indent="-215280">
+            <a:pPr marL="216000" indent="-214920">
               <a:lnSpc>
                 <a:spcPct val="100000"/>
               </a:lnSpc>
@@ -9628,7 +11781,7 @@
             </a:endParaRPr>
           </a:p>
           <a:p>
-            <a:pPr marL="216000" indent="-215280">
+            <a:pPr marL="216000" indent="-214920">
               <a:lnSpc>
                 <a:spcPct val="100000"/>
               </a:lnSpc>
@@ -9673,7 +11826,7 @@
             </a:endParaRPr>
           </a:p>
           <a:p>
-            <a:pPr marL="216000" indent="-215280">
+            <a:pPr marL="216000" indent="-214920">
               <a:lnSpc>
                 <a:spcPct val="100000"/>
               </a:lnSpc>
@@ -9761,7 +11914,7 @@
       </p:sp>
       <p:pic>
         <p:nvPicPr>
-          <p:cNvPr id="139" name="" descr=""/>
+          <p:cNvPr id="177" name="" descr=""/>
           <p:cNvPicPr/>
           <p:nvPr/>
         </p:nvPicPr>
@@ -9772,7 +11925,7 @@
         <p:spPr>
           <a:xfrm>
             <a:off x="8568360" y="1154880"/>
-            <a:ext cx="3044520" cy="2868480"/>
+            <a:ext cx="3044160" cy="2868120"/>
           </a:xfrm>
           <a:prstGeom prst="rect">
             <a:avLst/>
@@ -9833,14 +11986,14 @@
       </p:grpSpPr>
       <p:sp>
         <p:nvSpPr>
-          <p:cNvPr id="140" name="CustomShape 1"/>
+          <p:cNvPr id="178" name="CustomShape 1"/>
           <p:cNvSpPr/>
           <p:nvPr/>
         </p:nvSpPr>
         <p:spPr>
           <a:xfrm>
             <a:off x="453240" y="0"/>
-            <a:ext cx="9886320" cy="1156680"/>
+            <a:ext cx="9885960" cy="1156320"/>
           </a:xfrm>
           <a:prstGeom prst="rect">
             <a:avLst/>
@@ -9868,7 +12021,7 @@
               </a:spcBef>
             </a:pPr>
             <a:r>
-              <a:rPr b="0" lang="en-US" sz="4000" spc="-83" strike="noStrike">
+              <a:rPr b="0" lang="en-US" sz="4000" spc="-80" strike="noStrike">
                 <a:solidFill>
                   <a:srgbClr val="ffffff"/>
                 </a:solidFill>
@@ -9885,14 +12038,14 @@
       </p:sp>
       <p:sp>
         <p:nvSpPr>
-          <p:cNvPr id="141" name="CustomShape 2"/>
+          <p:cNvPr id="179" name="CustomShape 2"/>
           <p:cNvSpPr/>
           <p:nvPr/>
         </p:nvSpPr>
         <p:spPr>
           <a:xfrm>
             <a:off x="11545560" y="6601680"/>
-            <a:ext cx="205200" cy="3976920"/>
+            <a:ext cx="204840" cy="3976560"/>
           </a:xfrm>
           <a:prstGeom prst="rect">
             <a:avLst/>
@@ -9916,15 +12069,15 @@
                 <a:spcPts val="1239"/>
               </a:lnSpc>
             </a:pPr>
-            <a:fld id="{6154396B-6865-412C-BE9A-01E8F84D00EB}" type="slidenum">
-              <a:rPr b="0" lang="en-US" sz="1200" spc="-52" strike="noStrike">
+            <a:fld id="{9CF72AE8-0098-41F4-8947-CE60D94B79EC}" type="slidenum">
+              <a:rPr b="0" lang="en-US" sz="1200" spc="-49" strike="noStrike">
                 <a:solidFill>
                   <a:srgbClr val="000000"/>
                 </a:solidFill>
                 <a:latin typeface="Arial"/>
                 <a:ea typeface="DejaVu Sans"/>
               </a:rPr>
-              <a:t>1</a:t>
+              <a:t>&lt;number&gt;</a:t>
             </a:fld>
             <a:endParaRPr b="0" lang="en-US" sz="1200" spc="-1" strike="noStrike">
               <a:latin typeface="Arial"/>
@@ -9934,14 +12087,14 @@
       </p:sp>
       <p:sp>
         <p:nvSpPr>
-          <p:cNvPr id="142" name="CustomShape 3"/>
+          <p:cNvPr id="180" name="CustomShape 3"/>
           <p:cNvSpPr/>
           <p:nvPr/>
         </p:nvSpPr>
         <p:spPr>
           <a:xfrm>
             <a:off x="453240" y="914400"/>
-            <a:ext cx="8599320" cy="5498640"/>
+            <a:ext cx="8598960" cy="5498280"/>
           </a:xfrm>
           <a:prstGeom prst="rect">
             <a:avLst/>
@@ -9960,7 +12113,7 @@
         <p:txBody>
           <a:bodyPr lIns="0" rIns="0" tIns="12600" bIns="0"/>
           <a:p>
-            <a:pPr marL="216000" indent="-215280">
+            <a:pPr marL="216000" indent="-214920">
               <a:lnSpc>
                 <a:spcPct val="100000"/>
               </a:lnSpc>
@@ -10025,7 +12178,7 @@
             </a:endParaRPr>
           </a:p>
           <a:p>
-            <a:pPr marL="216000" indent="-215280">
+            <a:pPr marL="216000" indent="-214920">
               <a:lnSpc>
                 <a:spcPct val="100000"/>
               </a:lnSpc>
@@ -10090,7 +12243,7 @@
             </a:endParaRPr>
           </a:p>
           <a:p>
-            <a:pPr marL="216000" indent="-215280">
+            <a:pPr marL="216000" indent="-214920">
               <a:lnSpc>
                 <a:spcPct val="100000"/>
               </a:lnSpc>
@@ -10145,7 +12298,7 @@
             </a:endParaRPr>
           </a:p>
           <a:p>
-            <a:pPr marL="216000" indent="-215280">
+            <a:pPr marL="216000" indent="-214920">
               <a:lnSpc>
                 <a:spcPct val="100000"/>
               </a:lnSpc>
@@ -10193,7 +12346,7 @@
       </p:sp>
       <p:pic>
         <p:nvPicPr>
-          <p:cNvPr id="143" name="" descr=""/>
+          <p:cNvPr id="181" name="" descr=""/>
           <p:cNvPicPr/>
           <p:nvPr/>
         </p:nvPicPr>
@@ -10204,7 +12357,7 @@
         <p:spPr>
           <a:xfrm>
             <a:off x="9052560" y="1280160"/>
-            <a:ext cx="2809440" cy="2800080"/>
+            <a:ext cx="2809080" cy="2799720"/>
           </a:xfrm>
           <a:prstGeom prst="rect">
             <a:avLst/>
@@ -10265,14 +12418,14 @@
       </p:grpSpPr>
       <p:sp>
         <p:nvSpPr>
-          <p:cNvPr id="144" name="TextShape 1"/>
-          <p:cNvSpPr txBox="1"/>
+          <p:cNvPr id="182" name="CustomShape 1"/>
+          <p:cNvSpPr/>
           <p:nvPr/>
         </p:nvSpPr>
         <p:spPr>
           <a:xfrm>
             <a:off x="453240" y="0"/>
-            <a:ext cx="9887040" cy="1157400"/>
+            <a:ext cx="9886680" cy="1157040"/>
           </a:xfrm>
           <a:prstGeom prst="rect">
             <a:avLst/>
@@ -10282,6 +12435,12 @@
             <a:noFill/>
           </a:ln>
         </p:spPr>
+        <p:style>
+          <a:lnRef idx="0"/>
+          <a:fillRef idx="0"/>
+          <a:effectRef idx="0"/>
+          <a:fontRef idx="minor"/>
+        </p:style>
         <p:txBody>
           <a:bodyPr lIns="0" rIns="0" tIns="12240" bIns="0"/>
           <a:p>
@@ -10294,7 +12453,7 @@
               </a:spcBef>
             </a:pPr>
             <a:r>
-              <a:rPr b="0" lang="en-US" sz="4000" spc="-89" strike="noStrike">
+              <a:rPr b="0" lang="en-US" sz="4000" spc="-86" strike="noStrike">
                 <a:solidFill>
                   <a:srgbClr val="ffffff"/>
                 </a:solidFill>
@@ -10303,66 +12462,21 @@
               <a:t>How? - Visual Encoding</a:t>
             </a:r>
             <a:endParaRPr b="0" lang="en-US" sz="4000" spc="-1" strike="noStrike">
-              <a:solidFill>
-                <a:srgbClr val="000000"/>
-              </a:solidFill>
-              <a:latin typeface="Calibri"/>
-            </a:endParaRPr>
-          </a:p>
-        </p:txBody>
-      </p:sp>
-      <p:sp>
-        <p:nvSpPr>
-          <p:cNvPr id="145" name="TextShape 2"/>
-          <p:cNvSpPr txBox="1"/>
-          <p:nvPr/>
-        </p:nvSpPr>
-        <p:spPr>
-          <a:xfrm>
-            <a:off x="11545560" y="6601680"/>
-            <a:ext cx="205920" cy="3977640"/>
-          </a:xfrm>
-          <a:prstGeom prst="rect">
-            <a:avLst/>
-          </a:prstGeom>
-          <a:noFill/>
-          <a:ln>
-            <a:noFill/>
-          </a:ln>
-        </p:spPr>
-        <p:txBody>
-          <a:bodyPr lIns="0" rIns="0" tIns="0" bIns="0"/>
-          <a:p>
-            <a:pPr marL="25560">
-              <a:lnSpc>
-                <a:spcPts val="1239"/>
-              </a:lnSpc>
-            </a:pPr>
-            <a:fld id="{82CF6889-DBCF-4903-A715-64B3CB3E64F5}" type="slidenum">
-              <a:rPr b="0" lang="en-US" sz="1200" spc="-58" strike="noStrike">
-                <a:solidFill>
-                  <a:srgbClr val="000000"/>
-                </a:solidFill>
-                <a:latin typeface="Arial"/>
-              </a:rPr>
-              <a:t>1</a:t>
-            </a:fld>
-            <a:endParaRPr b="0" lang="en-US" sz="1200" spc="-1" strike="noStrike">
-              <a:latin typeface="Times New Roman"/>
-            </a:endParaRPr>
-          </a:p>
-        </p:txBody>
-      </p:sp>
-      <p:sp>
-        <p:nvSpPr>
-          <p:cNvPr id="146" name="CustomShape 3"/>
+              <a:latin typeface="Arial"/>
+            </a:endParaRPr>
+          </a:p>
+        </p:txBody>
+      </p:sp>
+      <p:sp>
+        <p:nvSpPr>
+          <p:cNvPr id="183" name="CustomShape 2"/>
           <p:cNvSpPr/>
           <p:nvPr/>
         </p:nvSpPr>
         <p:spPr>
           <a:xfrm>
-            <a:off x="453240" y="903240"/>
-            <a:ext cx="11209320" cy="9352440"/>
+            <a:off x="11545560" y="6601680"/>
+            <a:ext cx="205560" cy="3977280"/>
           </a:xfrm>
           <a:prstGeom prst="rect">
             <a:avLst/>
@@ -10379,9 +12493,57 @@
           <a:fontRef idx="minor"/>
         </p:style>
         <p:txBody>
+          <a:bodyPr lIns="0" rIns="0" tIns="0" bIns="0"/>
+          <a:p>
+            <a:pPr marL="25560">
+              <a:lnSpc>
+                <a:spcPts val="1239"/>
+              </a:lnSpc>
+            </a:pPr>
+            <a:fld id="{401D4E5F-7E88-466C-A32A-243E4F01F3F8}" type="slidenum">
+              <a:rPr b="0" lang="en-US" sz="1200" spc="-55" strike="noStrike">
+                <a:solidFill>
+                  <a:srgbClr val="000000"/>
+                </a:solidFill>
+                <a:latin typeface="Arial"/>
+              </a:rPr>
+              <a:t>&lt;number&gt;</a:t>
+            </a:fld>
+            <a:endParaRPr b="0" lang="en-US" sz="1200" spc="-1" strike="noStrike">
+              <a:latin typeface="Arial"/>
+            </a:endParaRPr>
+          </a:p>
+        </p:txBody>
+      </p:sp>
+      <p:sp>
+        <p:nvSpPr>
+          <p:cNvPr id="184" name="CustomShape 3"/>
+          <p:cNvSpPr/>
+          <p:nvPr/>
+        </p:nvSpPr>
+        <p:spPr>
+          <a:xfrm>
+            <a:off x="453240" y="903240"/>
+            <a:ext cx="11208960" cy="9352080"/>
+          </a:xfrm>
+          <a:prstGeom prst="rect">
+            <a:avLst/>
+          </a:prstGeom>
+          <a:noFill/>
+          <a:ln>
+            <a:noFill/>
+          </a:ln>
+        </p:spPr>
+        <p:style>
+          <a:lnRef idx="0"/>
+          <a:fillRef idx="0"/>
+          <a:effectRef idx="0"/>
+          <a:fontRef idx="minor"/>
+        </p:style>
+        <p:txBody>
           <a:bodyPr lIns="0" rIns="0" tIns="12600" bIns="0"/>
           <a:p>
-            <a:pPr indent="-216000">
+            <a:pPr marL="216000" indent="-215640">
               <a:lnSpc>
                 <a:spcPct val="100000"/>
               </a:lnSpc>
@@ -10392,29 +12554,32 @@
               <a:buChar char="•"/>
             </a:pPr>
             <a:r>
-              <a:rPr b="0" lang="en-US" sz="3600" spc="-148" strike="noStrike">
+              <a:rPr b="0" lang="en-US" sz="3600" spc="-145" strike="noStrike">
                 <a:solidFill>
                   <a:srgbClr val="000000"/>
                 </a:solidFill>
                 <a:latin typeface="Arial"/>
+                <a:ea typeface="DejaVu Sans"/>
               </a:rPr>
               <a:t> </a:t>
             </a:r>
             <a:r>
-              <a:rPr b="0" lang="en-US" sz="3600" spc="-148" strike="noStrike">
+              <a:rPr b="0" lang="en-US" sz="3600" spc="-145" strike="noStrike">
                 <a:solidFill>
                   <a:srgbClr val="4f81bd"/>
                 </a:solidFill>
                 <a:latin typeface="Arial"/>
+                <a:ea typeface="DejaVu Sans"/>
               </a:rPr>
               <a:t>Simple charts</a:t>
             </a:r>
             <a:r>
-              <a:rPr b="0" lang="en-US" sz="3600" spc="-148" strike="noStrike">
+              <a:rPr b="0" lang="en-US" sz="3600" spc="-145" strike="noStrike">
                 <a:solidFill>
                   <a:srgbClr val="000000"/>
                 </a:solidFill>
                 <a:latin typeface="Arial"/>
+                <a:ea typeface="DejaVu Sans"/>
               </a:rPr>
               <a:t> to create visual encoding.</a:t>
             </a:r>
@@ -10443,7 +12608,7 @@
             </a:endParaRPr>
           </a:p>
           <a:p>
-            <a:pPr indent="-216000">
+            <a:pPr marL="216000" indent="-215640">
               <a:lnSpc>
                 <a:spcPct val="100000"/>
               </a:lnSpc>
@@ -10454,29 +12619,32 @@
               <a:buChar char="•"/>
             </a:pPr>
             <a:r>
-              <a:rPr b="0" lang="en-US" sz="3600" spc="-148" strike="noStrike">
+              <a:rPr b="0" lang="en-US" sz="3600" spc="-145" strike="noStrike">
                 <a:solidFill>
                   <a:srgbClr val="000000"/>
                 </a:solidFill>
                 <a:latin typeface="Arial"/>
+                <a:ea typeface="DejaVu Sans"/>
               </a:rPr>
               <a:t>Data mapping from </a:t>
             </a:r>
             <a:r>
-              <a:rPr b="0" lang="en-US" sz="3600" spc="-148" strike="noStrike">
+              <a:rPr b="0" lang="en-US" sz="3600" spc="-145" strike="noStrike">
                 <a:solidFill>
                   <a:srgbClr val="4f81bd"/>
                 </a:solidFill>
                 <a:latin typeface="Arial"/>
+                <a:ea typeface="DejaVu Sans"/>
               </a:rPr>
               <a:t>categorical attributes</a:t>
             </a:r>
             <a:r>
-              <a:rPr b="0" lang="en-US" sz="3600" spc="-148" strike="noStrike">
+              <a:rPr b="0" lang="en-US" sz="3600" spc="-145" strike="noStrike">
                 <a:solidFill>
                   <a:srgbClr val="000000"/>
                 </a:solidFill>
                 <a:latin typeface="Arial"/>
+                <a:ea typeface="DejaVu Sans"/>
               </a:rPr>
               <a:t>.</a:t>
             </a:r>
@@ -10621,7 +12789,7 @@
       </p:sp>
       <p:pic>
         <p:nvPicPr>
-          <p:cNvPr id="147" name="" descr=""/>
+          <p:cNvPr id="185" name="" descr=""/>
           <p:cNvPicPr/>
           <p:nvPr/>
         </p:nvPicPr>
@@ -10632,7 +12800,7 @@
         <p:spPr>
           <a:xfrm>
             <a:off x="8961120" y="1280160"/>
-            <a:ext cx="2480040" cy="2480040"/>
+            <a:ext cx="2479680" cy="2479680"/>
           </a:xfrm>
           <a:prstGeom prst="rect">
             <a:avLst/>
@@ -10693,14 +12861,14 @@
       </p:grpSpPr>
       <p:sp>
         <p:nvSpPr>
-          <p:cNvPr id="148" name="CustomShape 1"/>
+          <p:cNvPr id="186" name="CustomShape 1"/>
           <p:cNvSpPr/>
           <p:nvPr/>
         </p:nvSpPr>
         <p:spPr>
           <a:xfrm>
             <a:off x="453240" y="0"/>
-            <a:ext cx="8541720" cy="1156680"/>
+            <a:ext cx="8541360" cy="1156320"/>
           </a:xfrm>
           <a:prstGeom prst="rect">
             <a:avLst/>
@@ -10728,7 +12896,7 @@
               </a:spcBef>
             </a:pPr>
             <a:r>
-              <a:rPr b="0" lang="en-US" sz="4000" spc="-83" strike="noStrike">
+              <a:rPr b="0" lang="en-US" sz="4000" spc="-80" strike="noStrike">
                 <a:solidFill>
                   <a:srgbClr val="ffffff"/>
                 </a:solidFill>
@@ -10745,14 +12913,14 @@
       </p:sp>
       <p:sp>
         <p:nvSpPr>
-          <p:cNvPr id="149" name="CustomShape 2"/>
+          <p:cNvPr id="187" name="CustomShape 2"/>
           <p:cNvSpPr/>
           <p:nvPr/>
         </p:nvSpPr>
         <p:spPr>
           <a:xfrm>
             <a:off x="11545560" y="6601680"/>
-            <a:ext cx="205200" cy="3976920"/>
+            <a:ext cx="204840" cy="3976560"/>
           </a:xfrm>
           <a:prstGeom prst="rect">
             <a:avLst/>
@@ -10776,15 +12944,15 @@
                 <a:spcPts val="1239"/>
               </a:lnSpc>
             </a:pPr>
-            <a:fld id="{95A2A2AC-FDA1-42DC-B01D-0FE83CE0F4A5}" type="slidenum">
-              <a:rPr b="0" lang="en-US" sz="1200" spc="-52" strike="noStrike">
+            <a:fld id="{6CDE2972-61EE-417A-8E07-25B12FA80148}" type="slidenum">
+              <a:rPr b="0" lang="en-US" sz="1200" spc="-49" strike="noStrike">
                 <a:solidFill>
                   <a:srgbClr val="000000"/>
                 </a:solidFill>
                 <a:latin typeface="Arial"/>
                 <a:ea typeface="DejaVu Sans"/>
               </a:rPr>
-              <a:t>1</a:t>
+              <a:t>&lt;number&gt;</a:t>
             </a:fld>
             <a:endParaRPr b="0" lang="en-US" sz="1200" spc="-1" strike="noStrike">
               <a:latin typeface="Arial"/>
@@ -10794,14 +12962,14 @@
       </p:sp>
       <p:sp>
         <p:nvSpPr>
-          <p:cNvPr id="150" name="CustomShape 3"/>
+          <p:cNvPr id="188" name="CustomShape 3"/>
           <p:cNvSpPr/>
           <p:nvPr/>
         </p:nvSpPr>
         <p:spPr>
           <a:xfrm>
             <a:off x="453240" y="903240"/>
-            <a:ext cx="11208600" cy="565920"/>
+            <a:ext cx="11208240" cy="565560"/>
           </a:xfrm>
           <a:prstGeom prst="rect">
             <a:avLst/>
@@ -10820,7 +12988,7 @@
       </p:sp>
       <p:graphicFrame>
         <p:nvGraphicFramePr>
-          <p:cNvPr id="151" name="Table 4"/>
+          <p:cNvPr id="189" name="Table 4"/>
           <p:cNvGraphicFramePr/>
           <p:nvPr/>
         </p:nvGraphicFramePr>
@@ -13309,14 +15477,14 @@
       </p:grpSpPr>
       <p:sp>
         <p:nvSpPr>
-          <p:cNvPr id="152" name="CustomShape 1"/>
+          <p:cNvPr id="190" name="CustomShape 1"/>
           <p:cNvSpPr/>
           <p:nvPr/>
         </p:nvSpPr>
         <p:spPr>
           <a:xfrm>
             <a:off x="453240" y="0"/>
-            <a:ext cx="9886320" cy="1156680"/>
+            <a:ext cx="9885960" cy="1156320"/>
           </a:xfrm>
           <a:prstGeom prst="rect">
             <a:avLst/>
@@ -13344,7 +15512,7 @@
               </a:spcBef>
             </a:pPr>
             <a:r>
-              <a:rPr b="0" lang="en-US" sz="4000" spc="-83" strike="noStrike">
+              <a:rPr b="0" lang="en-US" sz="4000" spc="-80" strike="noStrike">
                 <a:solidFill>
                   <a:srgbClr val="ffffff"/>
                 </a:solidFill>
@@ -13361,14 +15529,14 @@
       </p:sp>
       <p:sp>
         <p:nvSpPr>
-          <p:cNvPr id="153" name="CustomShape 2"/>
+          <p:cNvPr id="191" name="CustomShape 2"/>
           <p:cNvSpPr/>
           <p:nvPr/>
         </p:nvSpPr>
         <p:spPr>
           <a:xfrm>
             <a:off x="11545560" y="6601680"/>
-            <a:ext cx="205200" cy="3976920"/>
+            <a:ext cx="204840" cy="3976560"/>
           </a:xfrm>
           <a:prstGeom prst="rect">
             <a:avLst/>
@@ -13392,15 +15560,15 @@
                 <a:spcPts val="1239"/>
               </a:lnSpc>
             </a:pPr>
-            <a:fld id="{880B18A9-EA8A-4D93-8868-7A619AED5D31}" type="slidenum">
-              <a:rPr b="0" lang="en-US" sz="1200" spc="-52" strike="noStrike">
+            <a:fld id="{DC83C119-A553-4720-97C0-D19011050E98}" type="slidenum">
+              <a:rPr b="0" lang="en-US" sz="1200" spc="-49" strike="noStrike">
                 <a:solidFill>
                   <a:srgbClr val="000000"/>
                 </a:solidFill>
                 <a:latin typeface="Arial"/>
                 <a:ea typeface="DejaVu Sans"/>
               </a:rPr>
-              <a:t>1</a:t>
+              <a:t>&lt;number&gt;</a:t>
             </a:fld>
             <a:endParaRPr b="0" lang="en-US" sz="1200" spc="-1" strike="noStrike">
               <a:latin typeface="Arial"/>
@@ -13410,7 +15578,7 @@
       </p:sp>
       <p:pic>
         <p:nvPicPr>
-          <p:cNvPr id="154" name="Picture 5" descr=""/>
+          <p:cNvPr id="192" name="Picture 5" descr=""/>
           <p:cNvPicPr/>
           <p:nvPr/>
         </p:nvPicPr>
@@ -13421,7 +15589,7 @@
         <p:spPr>
           <a:xfrm>
             <a:off x="221760" y="2011680"/>
-            <a:ext cx="11899800" cy="4024800"/>
+            <a:ext cx="11899440" cy="4024440"/>
           </a:xfrm>
           <a:prstGeom prst="rect">
             <a:avLst/>
@@ -13433,14 +15601,14 @@
       </p:pic>
       <p:sp>
         <p:nvSpPr>
-          <p:cNvPr id="155" name="CustomShape 3"/>
+          <p:cNvPr id="193" name="CustomShape 3"/>
           <p:cNvSpPr/>
           <p:nvPr/>
         </p:nvSpPr>
         <p:spPr>
           <a:xfrm>
             <a:off x="540360" y="1004400"/>
-            <a:ext cx="10930320" cy="1187640"/>
+            <a:ext cx="10929960" cy="1187280"/>
           </a:xfrm>
           <a:prstGeom prst="rect">
             <a:avLst/>
@@ -13531,14 +15699,14 @@
       </p:grpSpPr>
       <p:sp>
         <p:nvSpPr>
-          <p:cNvPr id="156" name="CustomShape 1"/>
+          <p:cNvPr id="194" name="CustomShape 1"/>
           <p:cNvSpPr/>
           <p:nvPr/>
         </p:nvSpPr>
         <p:spPr>
           <a:xfrm>
             <a:off x="453240" y="0"/>
-            <a:ext cx="9886320" cy="1156680"/>
+            <a:ext cx="9885960" cy="1156320"/>
           </a:xfrm>
           <a:prstGeom prst="rect">
             <a:avLst/>
@@ -13566,7 +15734,7 @@
               </a:spcBef>
             </a:pPr>
             <a:r>
-              <a:rPr b="0" lang="en-US" sz="4000" spc="-83" strike="noStrike">
+              <a:rPr b="0" lang="en-US" sz="4000" spc="-80" strike="noStrike">
                 <a:solidFill>
                   <a:srgbClr val="ffffff"/>
                 </a:solidFill>
@@ -13583,14 +15751,14 @@
       </p:sp>
       <p:sp>
         <p:nvSpPr>
-          <p:cNvPr id="157" name="CustomShape 2"/>
+          <p:cNvPr id="195" name="CustomShape 2"/>
           <p:cNvSpPr/>
           <p:nvPr/>
         </p:nvSpPr>
         <p:spPr>
           <a:xfrm>
             <a:off x="11545560" y="6601680"/>
-            <a:ext cx="205200" cy="3976920"/>
+            <a:ext cx="204840" cy="3976560"/>
           </a:xfrm>
           <a:prstGeom prst="rect">
             <a:avLst/>
@@ -13614,15 +15782,15 @@
                 <a:spcPts val="1239"/>
               </a:lnSpc>
             </a:pPr>
-            <a:fld id="{B02D277C-E9FC-4DDA-AD51-8DC36F20715A}" type="slidenum">
-              <a:rPr b="0" lang="en-US" sz="1200" spc="-52" strike="noStrike">
+            <a:fld id="{E156237F-F30E-4072-B0AC-BEE043EC63D3}" type="slidenum">
+              <a:rPr b="0" lang="en-US" sz="1200" spc="-49" strike="noStrike">
                 <a:solidFill>
                   <a:srgbClr val="000000"/>
                 </a:solidFill>
                 <a:latin typeface="Arial"/>
                 <a:ea typeface="DejaVu Sans"/>
               </a:rPr>
-              <a:t>1</a:t>
+              <a:t>&lt;number&gt;</a:t>
             </a:fld>
             <a:endParaRPr b="0" lang="en-US" sz="1200" spc="-1" strike="noStrike">
               <a:latin typeface="Arial"/>
@@ -13632,7 +15800,7 @@
       </p:sp>
       <p:graphicFrame>
         <p:nvGraphicFramePr>
-          <p:cNvPr id="158" name="Table 3"/>
+          <p:cNvPr id="196" name="Table 3"/>
           <p:cNvGraphicFramePr/>
           <p:nvPr/>
         </p:nvGraphicFramePr>
@@ -14861,4 +17029,227 @@
     </a:fmtScheme>
   </a:themeElements>
 </a:theme>
+</file>
+
+<file path=ppt/theme/theme4.xml><?xml version="1.0" encoding="utf-8"?>
+<a:theme xmlns:a="http://schemas.openxmlformats.org/drawingml/2006/main" name="Office Theme">
+  <a:themeElements>
+    <a:clrScheme name="Office">
+      <a:dk1>
+        <a:sysClr val="windowText" lastClr="000000"/>
+      </a:dk1>
+      <a:lt1>
+        <a:sysClr val="window" lastClr="FFFFFF"/>
+      </a:lt1>
+      <a:dk2>
+        <a:srgbClr val="1f497d"/>
+      </a:dk2>
+      <a:lt2>
+        <a:srgbClr val="eeece1"/>
+      </a:lt2>
+      <a:accent1>
+        <a:srgbClr val="4f81bd"/>
+      </a:accent1>
+      <a:accent2>
+        <a:srgbClr val="c0504d"/>
+      </a:accent2>
+      <a:accent3>
+        <a:srgbClr val="9bbb59"/>
+      </a:accent3>
+      <a:accent4>
+        <a:srgbClr val="8064a2"/>
+      </a:accent4>
+      <a:accent5>
+        <a:srgbClr val="4bacc6"/>
+      </a:accent5>
+      <a:accent6>
+        <a:srgbClr val="f79646"/>
+      </a:accent6>
+      <a:hlink>
+        <a:srgbClr val="0000ff"/>
+      </a:hlink>
+      <a:folHlink>
+        <a:srgbClr val="800080"/>
+      </a:folHlink>
+    </a:clrScheme>
+    <a:fontScheme name="Office">
+      <a:majorFont>
+        <a:latin typeface="Arial"/>
+        <a:ea typeface="DejaVu Sans"/>
+        <a:cs typeface="DejaVu Sans"/>
+      </a:majorFont>
+      <a:minorFont>
+        <a:latin typeface="Arial"/>
+        <a:ea typeface="DejaVu Sans"/>
+        <a:cs typeface="DejaVu Sans"/>
+      </a:minorFont>
+    </a:fontScheme>
+    <a:fmtScheme name="Office">
+      <a:fillStyleLst>
+        <a:solidFill>
+          <a:schemeClr val="phClr"/>
+        </a:solidFill>
+        <a:gradFill rotWithShape="1">
+          <a:gsLst>
+            <a:gs pos="0">
+              <a:schemeClr val="phClr">
+                <a:tint val="50000"/>
+                <a:satMod val="300000"/>
+              </a:schemeClr>
+            </a:gs>
+            <a:gs pos="35000">
+              <a:schemeClr val="phClr">
+                <a:tint val="37000"/>
+                <a:satMod val="300000"/>
+              </a:schemeClr>
+            </a:gs>
+            <a:gs pos="100000">
+              <a:schemeClr val="phClr">
+                <a:tint val="15000"/>
+                <a:satMod val="350000"/>
+              </a:schemeClr>
+            </a:gs>
+          </a:gsLst>
+          <a:lin ang="16200000" scaled="1"/>
+        </a:gradFill>
+        <a:gradFill rotWithShape="1">
+          <a:gsLst>
+            <a:gs pos="0">
+              <a:schemeClr val="phClr">
+                <a:shade val="51000"/>
+                <a:satMod val="130000"/>
+              </a:schemeClr>
+            </a:gs>
+            <a:gs pos="80000">
+              <a:schemeClr val="phClr">
+                <a:shade val="93000"/>
+                <a:satMod val="130000"/>
+              </a:schemeClr>
+            </a:gs>
+            <a:gs pos="100000">
+              <a:schemeClr val="phClr">
+                <a:shade val="94000"/>
+                <a:satMod val="135000"/>
+              </a:schemeClr>
+            </a:gs>
+          </a:gsLst>
+          <a:lin ang="16200000" scaled="0"/>
+        </a:gradFill>
+      </a:fillStyleLst>
+      <a:lnStyleLst>
+        <a:ln w="9525" cap="flat" cmpd="sng" algn="ctr">
+          <a:solidFill>
+            <a:schemeClr val="phClr">
+              <a:shade val="95000"/>
+              <a:satMod val="105000"/>
+            </a:schemeClr>
+          </a:solidFill>
+          <a:prstDash val="solid"/>
+        </a:ln>
+        <a:ln w="25400" cap="flat" cmpd="sng" algn="ctr">
+          <a:solidFill>
+            <a:schemeClr val="phClr"/>
+          </a:solidFill>
+          <a:prstDash val="solid"/>
+        </a:ln>
+        <a:ln w="38100" cap="flat" cmpd="sng" algn="ctr">
+          <a:solidFill>
+            <a:schemeClr val="phClr"/>
+          </a:solidFill>
+          <a:prstDash val="solid"/>
+        </a:ln>
+      </a:lnStyleLst>
+      <a:effectStyleLst>
+        <a:effectStyle>
+          <a:effectLst>
+            <a:outerShdw blurRad="40000" dist="20000" dir="5400000" rotWithShape="0">
+              <a:srgbClr val="000000">
+                <a:alpha val="38000"/>
+              </a:srgbClr>
+            </a:outerShdw>
+          </a:effectLst>
+        </a:effectStyle>
+        <a:effectStyle>
+          <a:effectLst>
+            <a:outerShdw blurRad="40000" dist="23000" dir="5400000" rotWithShape="0">
+              <a:srgbClr val="000000">
+                <a:alpha val="35000"/>
+              </a:srgbClr>
+            </a:outerShdw>
+          </a:effectLst>
+        </a:effectStyle>
+        <a:effectStyle>
+          <a:effectLst>
+            <a:outerShdw blurRad="40000" dist="23000" dir="5400000" rotWithShape="0">
+              <a:srgbClr val="000000">
+                <a:alpha val="35000"/>
+              </a:srgbClr>
+            </a:outerShdw>
+          </a:effectLst>
+          <a:scene3d>
+            <a:camera prst="orthographicFront">
+              <a:rot lat="0" lon="0" rev="0"/>
+            </a:camera>
+            <a:lightRig rig="threePt" dir="t">
+              <a:rot lat="0" lon="0" rev="1200000"/>
+            </a:lightRig>
+          </a:scene3d>
+          <a:sp3d>
+            <a:bevelT w="63500" h="25400"/>
+          </a:sp3d>
+        </a:effectStyle>
+      </a:effectStyleLst>
+      <a:bgFillStyleLst>
+        <a:solidFill>
+          <a:schemeClr val="phClr"/>
+        </a:solidFill>
+        <a:gradFill rotWithShape="1">
+          <a:gsLst>
+            <a:gs pos="0">
+              <a:schemeClr val="phClr">
+                <a:tint val="40000"/>
+                <a:satMod val="350000"/>
+              </a:schemeClr>
+            </a:gs>
+            <a:gs pos="40000">
+              <a:schemeClr val="phClr">
+                <a:tint val="45000"/>
+                <a:shade val="99000"/>
+                <a:satMod val="350000"/>
+              </a:schemeClr>
+            </a:gs>
+            <a:gs pos="100000">
+              <a:schemeClr val="phClr">
+                <a:shade val="20000"/>
+                <a:satMod val="255000"/>
+              </a:schemeClr>
+            </a:gs>
+          </a:gsLst>
+          <a:path path="circle">
+            <a:fillToRect l="50000" t="-80000" r="50000" b="180000"/>
+          </a:path>
+        </a:gradFill>
+        <a:gradFill rotWithShape="1">
+          <a:gsLst>
+            <a:gs pos="0">
+              <a:schemeClr val="phClr">
+                <a:tint val="80000"/>
+                <a:satMod val="300000"/>
+              </a:schemeClr>
+            </a:gs>
+            <a:gs pos="100000">
+              <a:schemeClr val="phClr">
+                <a:shade val="30000"/>
+                <a:satMod val="200000"/>
+              </a:schemeClr>
+            </a:gs>
+          </a:gsLst>
+          <a:path path="circle">
+            <a:fillToRect l="50000" t="50000" r="50000" b="50000"/>
+          </a:path>
+        </a:gradFill>
+      </a:bgFillStyleLst>
+    </a:fmtScheme>
+  </a:themeElements>
+</a:theme>
 </file>